--- a/SolarisNetBeansProjects/parti tesi/bozza presentazione.pptx
+++ b/SolarisNetBeansProjects/parti tesi/bozza presentazione.pptx
@@ -2,7 +2,7 @@
 <file path=ppt/presentation.xml><?xml version="1.0" encoding="utf-8"?>
 <p:presentation xmlns:a="http://schemas.openxmlformats.org/drawingml/2006/main" xmlns:r="http://schemas.openxmlformats.org/officeDocument/2006/relationships" xmlns:p="http://schemas.openxmlformats.org/presentationml/2006/main" saveSubsetFonts="1">
   <p:sldMasterIdLst>
-    <p:sldMasterId id="2147483696" r:id="rId1"/>
+    <p:sldMasterId id="2147483708" r:id="rId1"/>
   </p:sldMasterIdLst>
   <p:sldIdLst>
     <p:sldId id="256" r:id="rId2"/>
@@ -10,27 +10,24 @@
     <p:sldId id="258" r:id="rId4"/>
     <p:sldId id="259" r:id="rId5"/>
     <p:sldId id="260" r:id="rId6"/>
-    <p:sldId id="261" r:id="rId7"/>
-    <p:sldId id="264" r:id="rId8"/>
-    <p:sldId id="265" r:id="rId9"/>
-    <p:sldId id="266" r:id="rId10"/>
-    <p:sldId id="267" r:id="rId11"/>
-    <p:sldId id="268" r:id="rId12"/>
-    <p:sldId id="269" r:id="rId13"/>
-    <p:sldId id="270" r:id="rId14"/>
-    <p:sldId id="271" r:id="rId15"/>
-    <p:sldId id="272" r:id="rId16"/>
-    <p:sldId id="273" r:id="rId17"/>
-    <p:sldId id="274" r:id="rId18"/>
-    <p:sldId id="275" r:id="rId19"/>
-    <p:sldId id="276" r:id="rId20"/>
-    <p:sldId id="277" r:id="rId21"/>
-    <p:sldId id="278" r:id="rId22"/>
-    <p:sldId id="279" r:id="rId23"/>
-    <p:sldId id="280" r:id="rId24"/>
-    <p:sldId id="281" r:id="rId25"/>
-    <p:sldId id="282" r:id="rId26"/>
-    <p:sldId id="283" r:id="rId27"/>
+    <p:sldId id="266" r:id="rId7"/>
+    <p:sldId id="267" r:id="rId8"/>
+    <p:sldId id="268" r:id="rId9"/>
+    <p:sldId id="269" r:id="rId10"/>
+    <p:sldId id="270" r:id="rId11"/>
+    <p:sldId id="271" r:id="rId12"/>
+    <p:sldId id="272" r:id="rId13"/>
+    <p:sldId id="273" r:id="rId14"/>
+    <p:sldId id="274" r:id="rId15"/>
+    <p:sldId id="275" r:id="rId16"/>
+    <p:sldId id="276" r:id="rId17"/>
+    <p:sldId id="277" r:id="rId18"/>
+    <p:sldId id="278" r:id="rId19"/>
+    <p:sldId id="279" r:id="rId20"/>
+    <p:sldId id="280" r:id="rId21"/>
+    <p:sldId id="281" r:id="rId22"/>
+    <p:sldId id="282" r:id="rId23"/>
+    <p:sldId id="283" r:id="rId24"/>
   </p:sldIdLst>
   <p:sldSz cx="9144000" cy="6858000" type="screen4x3"/>
   <p:notesSz cx="6858000" cy="9144000"/>
@@ -135,6 +132,11 @@
 <file path=ppt/slideLayouts/slideLayout1.xml><?xml version="1.0" encoding="utf-8"?>
 <p:sldLayout xmlns:a="http://schemas.openxmlformats.org/drawingml/2006/main" xmlns:r="http://schemas.openxmlformats.org/officeDocument/2006/relationships" xmlns:p="http://schemas.openxmlformats.org/presentationml/2006/main" type="title" preserve="1">
   <p:cSld name="Diapositiva titolo">
+    <p:bg>
+      <p:bgRef idx="1002">
+        <a:schemeClr val="bg2"/>
+      </p:bgRef>
+    </p:bg>
     <p:spTree>
       <p:nvGrpSpPr>
         <p:cNvPr id="1" name=""/>
@@ -151,7 +153,7 @@
       </p:grpSpPr>
       <p:sp>
         <p:nvSpPr>
-          <p:cNvPr id="2" name="Titolo 1"/>
+          <p:cNvPr id="9" name="Titolo 8"/>
           <p:cNvSpPr>
             <a:spLocks noGrp="1"/>
           </p:cNvSpPr>
@@ -161,144 +163,131 @@
         </p:nvSpPr>
         <p:spPr>
           <a:xfrm>
-            <a:off x="685800" y="2130425"/>
-            <a:ext cx="7772400" cy="1470025"/>
+            <a:off x="533400" y="1371600"/>
+            <a:ext cx="7851648" cy="1828800"/>
+          </a:xfrm>
+          <a:ln>
+            <a:noFill/>
+          </a:ln>
+        </p:spPr>
+        <p:txBody>
+          <a:bodyPr vert="horz" tIns="0" rIns="18288" bIns="0" anchor="b">
+            <a:normAutofit/>
+            <a:scene3d>
+              <a:camera prst="orthographicFront"/>
+              <a:lightRig rig="freezing" dir="t">
+                <a:rot lat="0" lon="0" rev="5640000"/>
+              </a:lightRig>
+            </a:scene3d>
+            <a:sp3d prstMaterial="flat">
+              <a:bevelT w="38100" h="38100"/>
+              <a:contourClr>
+                <a:schemeClr val="tx2"/>
+              </a:contourClr>
+            </a:sp3d>
+          </a:bodyPr>
+          <a:lstStyle>
+            <a:lvl1pPr algn="r" rtl="0">
+              <a:spcBef>
+                <a:spcPct val="0"/>
+              </a:spcBef>
+              <a:buNone/>
+              <a:defRPr sz="5600" b="1">
+                <a:ln>
+                  <a:noFill/>
+                </a:ln>
+                <a:solidFill>
+                  <a:schemeClr val="accent3">
+                    <a:tint val="90000"/>
+                    <a:satMod val="120000"/>
+                  </a:schemeClr>
+                </a:solidFill>
+                <a:effectLst>
+                  <a:outerShdw blurRad="38100" dist="25400" dir="5400000" algn="tl" rotWithShape="0">
+                    <a:srgbClr val="000000">
+                      <a:alpha val="43000"/>
+                    </a:srgbClr>
+                  </a:outerShdw>
+                </a:effectLst>
+                <a:latin typeface="+mj-lt"/>
+                <a:ea typeface="+mj-ea"/>
+                <a:cs typeface="+mj-cs"/>
+              </a:defRPr>
+            </a:lvl1pPr>
+          </a:lstStyle>
+          <a:p>
+            <a:r>
+              <a:rPr kumimoji="0" lang="it-IT" smtClean="0"/>
+              <a:t>Fare clic per modificare lo stile del titolo</a:t>
+            </a:r>
+            <a:endParaRPr kumimoji="0" lang="en-US"/>
+          </a:p>
+        </p:txBody>
+      </p:sp>
+      <p:sp>
+        <p:nvSpPr>
+          <p:cNvPr id="17" name="Sottotitolo 16"/>
+          <p:cNvSpPr>
+            <a:spLocks noGrp="1"/>
+          </p:cNvSpPr>
+          <p:nvPr>
+            <p:ph type="subTitle" idx="1"/>
+          </p:nvPr>
+        </p:nvSpPr>
+        <p:spPr>
+          <a:xfrm>
+            <a:off x="533400" y="3228536"/>
+            <a:ext cx="7854696" cy="1752600"/>
           </a:xfrm>
         </p:spPr>
         <p:txBody>
-          <a:bodyPr/>
-          <a:lstStyle/>
-          <a:p>
-            <a:r>
-              <a:rPr lang="it-IT" smtClean="0"/>
-              <a:t>Fare clic per modificare lo stile del titolo</a:t>
-            </a:r>
-            <a:endParaRPr lang="it-IT"/>
-          </a:p>
-        </p:txBody>
-      </p:sp>
-      <p:sp>
-        <p:nvSpPr>
-          <p:cNvPr id="3" name="Sottotitolo 2"/>
-          <p:cNvSpPr>
-            <a:spLocks noGrp="1"/>
-          </p:cNvSpPr>
-          <p:nvPr>
-            <p:ph type="subTitle" idx="1"/>
-          </p:nvPr>
-        </p:nvSpPr>
-        <p:spPr>
-          <a:xfrm>
-            <a:off x="1371600" y="3886200"/>
-            <a:ext cx="6400800" cy="1752600"/>
-          </a:xfrm>
-        </p:spPr>
-        <p:txBody>
-          <a:bodyPr/>
+          <a:bodyPr lIns="0" rIns="18288"/>
           <a:lstStyle>
-            <a:lvl1pPr marL="0" indent="0" algn="ctr">
+            <a:lvl1pPr marL="0" marR="45720" indent="0" algn="r">
               <a:buNone/>
               <a:defRPr>
                 <a:solidFill>
-                  <a:schemeClr val="tx1">
-                    <a:tint val="75000"/>
-                  </a:schemeClr>
+                  <a:schemeClr val="tx1"/>
                 </a:solidFill>
               </a:defRPr>
             </a:lvl1pPr>
             <a:lvl2pPr marL="457200" indent="0" algn="ctr">
               <a:buNone/>
-              <a:defRPr>
-                <a:solidFill>
-                  <a:schemeClr val="tx1">
-                    <a:tint val="75000"/>
-                  </a:schemeClr>
-                </a:solidFill>
-              </a:defRPr>
             </a:lvl2pPr>
             <a:lvl3pPr marL="914400" indent="0" algn="ctr">
               <a:buNone/>
-              <a:defRPr>
-                <a:solidFill>
-                  <a:schemeClr val="tx1">
-                    <a:tint val="75000"/>
-                  </a:schemeClr>
-                </a:solidFill>
-              </a:defRPr>
             </a:lvl3pPr>
             <a:lvl4pPr marL="1371600" indent="0" algn="ctr">
               <a:buNone/>
-              <a:defRPr>
-                <a:solidFill>
-                  <a:schemeClr val="tx1">
-                    <a:tint val="75000"/>
-                  </a:schemeClr>
-                </a:solidFill>
-              </a:defRPr>
             </a:lvl4pPr>
             <a:lvl5pPr marL="1828800" indent="0" algn="ctr">
               <a:buNone/>
-              <a:defRPr>
-                <a:solidFill>
-                  <a:schemeClr val="tx1">
-                    <a:tint val="75000"/>
-                  </a:schemeClr>
-                </a:solidFill>
-              </a:defRPr>
             </a:lvl5pPr>
             <a:lvl6pPr marL="2286000" indent="0" algn="ctr">
               <a:buNone/>
-              <a:defRPr>
-                <a:solidFill>
-                  <a:schemeClr val="tx1">
-                    <a:tint val="75000"/>
-                  </a:schemeClr>
-                </a:solidFill>
-              </a:defRPr>
             </a:lvl6pPr>
             <a:lvl7pPr marL="2743200" indent="0" algn="ctr">
               <a:buNone/>
-              <a:defRPr>
-                <a:solidFill>
-                  <a:schemeClr val="tx1">
-                    <a:tint val="75000"/>
-                  </a:schemeClr>
-                </a:solidFill>
-              </a:defRPr>
             </a:lvl7pPr>
             <a:lvl8pPr marL="3200400" indent="0" algn="ctr">
               <a:buNone/>
-              <a:defRPr>
-                <a:solidFill>
-                  <a:schemeClr val="tx1">
-                    <a:tint val="75000"/>
-                  </a:schemeClr>
-                </a:solidFill>
-              </a:defRPr>
             </a:lvl8pPr>
             <a:lvl9pPr marL="3657600" indent="0" algn="ctr">
               <a:buNone/>
-              <a:defRPr>
-                <a:solidFill>
-                  <a:schemeClr val="tx1">
-                    <a:tint val="75000"/>
-                  </a:schemeClr>
-                </a:solidFill>
-              </a:defRPr>
             </a:lvl9pPr>
           </a:lstStyle>
           <a:p>
             <a:r>
-              <a:rPr lang="it-IT" smtClean="0"/>
+              <a:rPr kumimoji="0" lang="it-IT" smtClean="0"/>
               <a:t>Fare clic per modificare lo stile del sottotitolo dello schema</a:t>
             </a:r>
-            <a:endParaRPr lang="it-IT"/>
-          </a:p>
-        </p:txBody>
-      </p:sp>
-      <p:sp>
-        <p:nvSpPr>
-          <p:cNvPr id="4" name="Segnaposto data 3"/>
+            <a:endParaRPr kumimoji="0" lang="en-US"/>
+          </a:p>
+        </p:txBody>
+      </p:sp>
+      <p:sp>
+        <p:nvSpPr>
+          <p:cNvPr id="30" name="Segnaposto data 29"/>
           <p:cNvSpPr>
             <a:spLocks noGrp="1"/>
           </p:cNvSpPr>
@@ -314,7 +303,7 @@
             <a:fld id="{4A42198D-A78B-4550-9FFD-73D8C9F3F53C}" type="datetimeFigureOut">
               <a:rPr lang="it-IT" smtClean="0"/>
               <a:pPr/>
-              <a:t>14/07/2011</a:t>
+              <a:t>16/07/2011</a:t>
             </a:fld>
             <a:endParaRPr lang="it-IT"/>
           </a:p>
@@ -322,7 +311,7 @@
       </p:sp>
       <p:sp>
         <p:nvSpPr>
-          <p:cNvPr id="5" name="Segnaposto piè di pagina 4"/>
+          <p:cNvPr id="19" name="Segnaposto piè di pagina 18"/>
           <p:cNvSpPr>
             <a:spLocks noGrp="1"/>
           </p:cNvSpPr>
@@ -341,7 +330,7 @@
       </p:sp>
       <p:sp>
         <p:nvSpPr>
-          <p:cNvPr id="6" name="Segnaposto numero diapositiva 5"/>
+          <p:cNvPr id="27" name="Segnaposto numero diapositiva 26"/>
           <p:cNvSpPr>
             <a:spLocks noGrp="1"/>
           </p:cNvSpPr>
@@ -366,7 +355,7 @@
     </p:spTree>
   </p:cSld>
   <p:clrMapOvr>
-    <a:masterClrMapping/>
+    <a:overrideClrMapping bg1="dk1" tx1="lt1" bg2="dk2" tx2="lt2" accent1="accent1" accent2="accent2" accent3="accent3" accent4="accent4" accent5="accent5" accent6="accent6" hlink="hlink" folHlink="folHlink"/>
   </p:clrMapOvr>
 </p:sldLayout>
 </file>
@@ -404,10 +393,10 @@
           <a:lstStyle/>
           <a:p>
             <a:r>
-              <a:rPr lang="it-IT" smtClean="0"/>
+              <a:rPr kumimoji="0" lang="it-IT" smtClean="0"/>
               <a:t>Fare clic per modificare lo stile del titolo</a:t>
             </a:r>
-            <a:endParaRPr lang="it-IT"/>
+            <a:endParaRPr kumimoji="0" lang="en-US"/>
           </a:p>
         </p:txBody>
       </p:sp>
@@ -426,40 +415,40 @@
           <a:bodyPr vert="eaVert"/>
           <a:lstStyle/>
           <a:p>
-            <a:pPr lvl="0"/>
+            <a:pPr lvl="0" eaLnBrk="1" latinLnBrk="0" hangingPunct="1"/>
             <a:r>
               <a:rPr lang="it-IT" smtClean="0"/>
               <a:t>Fare clic per modificare stili del testo dello schema</a:t>
             </a:r>
           </a:p>
           <a:p>
-            <a:pPr lvl="1"/>
+            <a:pPr lvl="1" eaLnBrk="1" latinLnBrk="0" hangingPunct="1"/>
             <a:r>
               <a:rPr lang="it-IT" smtClean="0"/>
               <a:t>Secondo livello</a:t>
             </a:r>
           </a:p>
           <a:p>
-            <a:pPr lvl="2"/>
+            <a:pPr lvl="2" eaLnBrk="1" latinLnBrk="0" hangingPunct="1"/>
             <a:r>
               <a:rPr lang="it-IT" smtClean="0"/>
               <a:t>Terzo livello</a:t>
             </a:r>
           </a:p>
           <a:p>
-            <a:pPr lvl="3"/>
+            <a:pPr lvl="3" eaLnBrk="1" latinLnBrk="0" hangingPunct="1"/>
             <a:r>
               <a:rPr lang="it-IT" smtClean="0"/>
               <a:t>Quarto livello</a:t>
             </a:r>
           </a:p>
           <a:p>
-            <a:pPr lvl="4"/>
+            <a:pPr lvl="4" eaLnBrk="1" latinLnBrk="0" hangingPunct="1"/>
             <a:r>
               <a:rPr lang="it-IT" smtClean="0"/>
               <a:t>Quinto livello</a:t>
             </a:r>
-            <a:endParaRPr lang="it-IT"/>
+            <a:endParaRPr kumimoji="0" lang="en-US"/>
           </a:p>
         </p:txBody>
       </p:sp>
@@ -481,7 +470,7 @@
             <a:fld id="{4A42198D-A78B-4550-9FFD-73D8C9F3F53C}" type="datetimeFigureOut">
               <a:rPr lang="it-IT" smtClean="0"/>
               <a:pPr/>
-              <a:t>14/07/2011</a:t>
+              <a:t>16/07/2011</a:t>
             </a:fld>
             <a:endParaRPr lang="it-IT"/>
           </a:p>
@@ -567,8 +556,8 @@
         </p:nvSpPr>
         <p:spPr>
           <a:xfrm>
-            <a:off x="6629400" y="274638"/>
-            <a:ext cx="2057400" cy="5851525"/>
+            <a:off x="6629400" y="914401"/>
+            <a:ext cx="2057400" cy="5211763"/>
           </a:xfrm>
         </p:spPr>
         <p:txBody>
@@ -576,10 +565,10 @@
           <a:lstStyle/>
           <a:p>
             <a:r>
-              <a:rPr lang="it-IT" smtClean="0"/>
+              <a:rPr kumimoji="0" lang="it-IT" smtClean="0"/>
               <a:t>Fare clic per modificare lo stile del titolo</a:t>
             </a:r>
-            <a:endParaRPr lang="it-IT"/>
+            <a:endParaRPr kumimoji="0" lang="en-US"/>
           </a:p>
         </p:txBody>
       </p:sp>
@@ -595,48 +584,48 @@
         </p:nvSpPr>
         <p:spPr>
           <a:xfrm>
-            <a:off x="457200" y="274638"/>
-            <a:ext cx="6019800" cy="5851525"/>
+            <a:off x="457200" y="914401"/>
+            <a:ext cx="6019800" cy="5211763"/>
           </a:xfrm>
         </p:spPr>
         <p:txBody>
           <a:bodyPr vert="eaVert"/>
           <a:lstStyle/>
           <a:p>
-            <a:pPr lvl="0"/>
+            <a:pPr lvl="0" eaLnBrk="1" latinLnBrk="0" hangingPunct="1"/>
             <a:r>
               <a:rPr lang="it-IT" smtClean="0"/>
               <a:t>Fare clic per modificare stili del testo dello schema</a:t>
             </a:r>
           </a:p>
           <a:p>
-            <a:pPr lvl="1"/>
+            <a:pPr lvl="1" eaLnBrk="1" latinLnBrk="0" hangingPunct="1"/>
             <a:r>
               <a:rPr lang="it-IT" smtClean="0"/>
               <a:t>Secondo livello</a:t>
             </a:r>
           </a:p>
           <a:p>
-            <a:pPr lvl="2"/>
+            <a:pPr lvl="2" eaLnBrk="1" latinLnBrk="0" hangingPunct="1"/>
             <a:r>
               <a:rPr lang="it-IT" smtClean="0"/>
               <a:t>Terzo livello</a:t>
             </a:r>
           </a:p>
           <a:p>
-            <a:pPr lvl="3"/>
+            <a:pPr lvl="3" eaLnBrk="1" latinLnBrk="0" hangingPunct="1"/>
             <a:r>
               <a:rPr lang="it-IT" smtClean="0"/>
               <a:t>Quarto livello</a:t>
             </a:r>
           </a:p>
           <a:p>
-            <a:pPr lvl="4"/>
+            <a:pPr lvl="4" eaLnBrk="1" latinLnBrk="0" hangingPunct="1"/>
             <a:r>
               <a:rPr lang="it-IT" smtClean="0"/>
               <a:t>Quinto livello</a:t>
             </a:r>
-            <a:endParaRPr lang="it-IT"/>
+            <a:endParaRPr kumimoji="0" lang="en-US"/>
           </a:p>
         </p:txBody>
       </p:sp>
@@ -658,7 +647,7 @@
             <a:fld id="{4A42198D-A78B-4550-9FFD-73D8C9F3F53C}" type="datetimeFigureOut">
               <a:rPr lang="it-IT" smtClean="0"/>
               <a:pPr/>
-              <a:t>14/07/2011</a:t>
+              <a:t>16/07/2011</a:t>
             </a:fld>
             <a:endParaRPr lang="it-IT"/>
           </a:p>
@@ -748,10 +737,10 @@
           <a:lstStyle/>
           <a:p>
             <a:r>
-              <a:rPr lang="it-IT" smtClean="0"/>
+              <a:rPr kumimoji="0" lang="it-IT" smtClean="0"/>
               <a:t>Fare clic per modificare lo stile del titolo</a:t>
             </a:r>
-            <a:endParaRPr lang="it-IT"/>
+            <a:endParaRPr kumimoji="0" lang="en-US"/>
           </a:p>
         </p:txBody>
       </p:sp>
@@ -770,40 +759,40 @@
           <a:bodyPr/>
           <a:lstStyle/>
           <a:p>
-            <a:pPr lvl="0"/>
+            <a:pPr lvl="0" eaLnBrk="1" latinLnBrk="0" hangingPunct="1"/>
             <a:r>
               <a:rPr lang="it-IT" smtClean="0"/>
               <a:t>Fare clic per modificare stili del testo dello schema</a:t>
             </a:r>
           </a:p>
           <a:p>
-            <a:pPr lvl="1"/>
+            <a:pPr lvl="1" eaLnBrk="1" latinLnBrk="0" hangingPunct="1"/>
             <a:r>
               <a:rPr lang="it-IT" smtClean="0"/>
               <a:t>Secondo livello</a:t>
             </a:r>
           </a:p>
           <a:p>
-            <a:pPr lvl="2"/>
+            <a:pPr lvl="2" eaLnBrk="1" latinLnBrk="0" hangingPunct="1"/>
             <a:r>
               <a:rPr lang="it-IT" smtClean="0"/>
               <a:t>Terzo livello</a:t>
             </a:r>
           </a:p>
           <a:p>
-            <a:pPr lvl="3"/>
+            <a:pPr lvl="3" eaLnBrk="1" latinLnBrk="0" hangingPunct="1"/>
             <a:r>
               <a:rPr lang="it-IT" smtClean="0"/>
               <a:t>Quarto livello</a:t>
             </a:r>
           </a:p>
           <a:p>
-            <a:pPr lvl="4"/>
+            <a:pPr lvl="4" eaLnBrk="1" latinLnBrk="0" hangingPunct="1"/>
             <a:r>
               <a:rPr lang="it-IT" smtClean="0"/>
               <a:t>Quinto livello</a:t>
             </a:r>
-            <a:endParaRPr lang="it-IT"/>
+            <a:endParaRPr kumimoji="0" lang="en-US"/>
           </a:p>
         </p:txBody>
       </p:sp>
@@ -825,7 +814,7 @@
             <a:fld id="{4A42198D-A78B-4550-9FFD-73D8C9F3F53C}" type="datetimeFigureOut">
               <a:rPr lang="it-IT" smtClean="0"/>
               <a:pPr/>
-              <a:t>14/07/2011</a:t>
+              <a:t>16/07/2011</a:t>
             </a:fld>
             <a:endParaRPr lang="it-IT"/>
           </a:p>
@@ -885,6 +874,11 @@
 <file path=ppt/slideLayouts/slideLayout3.xml><?xml version="1.0" encoding="utf-8"?>
 <p:sldLayout xmlns:a="http://schemas.openxmlformats.org/drawingml/2006/main" xmlns:r="http://schemas.openxmlformats.org/officeDocument/2006/relationships" xmlns:p="http://schemas.openxmlformats.org/presentationml/2006/main" type="secHead" preserve="1">
   <p:cSld name="Intestazione sezione">
+    <p:bg>
+      <p:bgRef idx="1002">
+        <a:schemeClr val="bg2"/>
+      </p:bgRef>
+    </p:bg>
     <p:spTree>
       <p:nvGrpSpPr>
         <p:cNvPr id="1" name=""/>
@@ -911,56 +905,92 @@
         </p:nvSpPr>
         <p:spPr>
           <a:xfrm>
-            <a:off x="722313" y="4406900"/>
-            <a:ext cx="7772400" cy="1362075"/>
+            <a:off x="530352" y="1316736"/>
+            <a:ext cx="7772400" cy="1362456"/>
+          </a:xfrm>
+          <a:ln>
+            <a:noFill/>
+          </a:ln>
+        </p:spPr>
+        <p:txBody>
+          <a:bodyPr vert="horz" tIns="0" bIns="0" anchor="b">
+            <a:noAutofit/>
+            <a:scene3d>
+              <a:camera prst="orthographicFront"/>
+              <a:lightRig rig="freezing" dir="t">
+                <a:rot lat="0" lon="0" rev="5640000"/>
+              </a:lightRig>
+            </a:scene3d>
+            <a:sp3d prstMaterial="flat">
+              <a:bevelT w="38100" h="38100"/>
+            </a:sp3d>
+          </a:bodyPr>
+          <a:lstStyle>
+            <a:lvl1pPr algn="l" rtl="0">
+              <a:spcBef>
+                <a:spcPct val="0"/>
+              </a:spcBef>
+              <a:buNone/>
+              <a:defRPr lang="en-US" sz="5600" b="1" cap="none" baseline="0" dirty="0">
+                <a:ln w="635">
+                  <a:noFill/>
+                </a:ln>
+                <a:solidFill>
+                  <a:schemeClr val="accent4">
+                    <a:tint val="90000"/>
+                    <a:satMod val="125000"/>
+                  </a:schemeClr>
+                </a:solidFill>
+                <a:effectLst>
+                  <a:outerShdw blurRad="38100" dist="25400" dir="5400000" algn="tl" rotWithShape="0">
+                    <a:srgbClr val="000000">
+                      <a:alpha val="43000"/>
+                    </a:srgbClr>
+                  </a:outerShdw>
+                </a:effectLst>
+                <a:latin typeface="+mj-lt"/>
+                <a:ea typeface="+mj-ea"/>
+                <a:cs typeface="+mj-cs"/>
+              </a:defRPr>
+            </a:lvl1pPr>
+          </a:lstStyle>
+          <a:p>
+            <a:r>
+              <a:rPr kumimoji="0" lang="it-IT" smtClean="0"/>
+              <a:t>Fare clic per modificare lo stile del titolo</a:t>
+            </a:r>
+            <a:endParaRPr kumimoji="0" lang="en-US"/>
+          </a:p>
+        </p:txBody>
+      </p:sp>
+      <p:sp>
+        <p:nvSpPr>
+          <p:cNvPr id="3" name="Segnaposto testo 2"/>
+          <p:cNvSpPr>
+            <a:spLocks noGrp="1"/>
+          </p:cNvSpPr>
+          <p:nvPr>
+            <p:ph type="body" idx="1"/>
+          </p:nvPr>
+        </p:nvSpPr>
+        <p:spPr>
+          <a:xfrm>
+            <a:off x="530352" y="2704664"/>
+            <a:ext cx="7772400" cy="1509712"/>
           </a:xfrm>
         </p:spPr>
         <p:txBody>
-          <a:bodyPr anchor="t"/>
-          <a:lstStyle>
-            <a:lvl1pPr algn="l">
-              <a:defRPr sz="4000" b="1" cap="all"/>
-            </a:lvl1pPr>
-          </a:lstStyle>
-          <a:p>
-            <a:r>
-              <a:rPr lang="it-IT" smtClean="0"/>
-              <a:t>Fare clic per modificare lo stile del titolo</a:t>
-            </a:r>
-            <a:endParaRPr lang="it-IT"/>
-          </a:p>
-        </p:txBody>
-      </p:sp>
-      <p:sp>
-        <p:nvSpPr>
-          <p:cNvPr id="3" name="Segnaposto testo 2"/>
-          <p:cNvSpPr>
-            <a:spLocks noGrp="1"/>
-          </p:cNvSpPr>
-          <p:nvPr>
-            <p:ph type="body" idx="1"/>
-          </p:nvPr>
-        </p:nvSpPr>
-        <p:spPr>
-          <a:xfrm>
-            <a:off x="722313" y="2906713"/>
-            <a:ext cx="7772400" cy="1500187"/>
-          </a:xfrm>
-        </p:spPr>
-        <p:txBody>
-          <a:bodyPr anchor="b"/>
+          <a:bodyPr lIns="45720" rIns="45720" anchor="t"/>
           <a:lstStyle>
             <a:lvl1pPr marL="0" indent="0">
               <a:buNone/>
-              <a:defRPr sz="2000">
+              <a:defRPr sz="2200">
                 <a:solidFill>
-                  <a:schemeClr val="tx1">
-                    <a:tint val="75000"/>
-                  </a:schemeClr>
+                  <a:schemeClr val="tx1"/>
                 </a:solidFill>
               </a:defRPr>
             </a:lvl1pPr>
-            <a:lvl2pPr marL="457200" indent="0">
+            <a:lvl2pPr>
               <a:buNone/>
               <a:defRPr sz="1800">
                 <a:solidFill>
@@ -970,7 +1000,7 @@
                 </a:solidFill>
               </a:defRPr>
             </a:lvl2pPr>
-            <a:lvl3pPr marL="914400" indent="0">
+            <a:lvl3pPr>
               <a:buNone/>
               <a:defRPr sz="1600">
                 <a:solidFill>
@@ -980,7 +1010,7 @@
                 </a:solidFill>
               </a:defRPr>
             </a:lvl3pPr>
-            <a:lvl4pPr marL="1371600" indent="0">
+            <a:lvl4pPr>
               <a:buNone/>
               <a:defRPr sz="1400">
                 <a:solidFill>
@@ -990,7 +1020,7 @@
                 </a:solidFill>
               </a:defRPr>
             </a:lvl4pPr>
-            <a:lvl5pPr marL="1828800" indent="0">
+            <a:lvl5pPr>
               <a:buNone/>
               <a:defRPr sz="1400">
                 <a:solidFill>
@@ -1000,51 +1030,11 @@
                 </a:solidFill>
               </a:defRPr>
             </a:lvl5pPr>
-            <a:lvl6pPr marL="2286000" indent="0">
-              <a:buNone/>
-              <a:defRPr sz="1400">
-                <a:solidFill>
-                  <a:schemeClr val="tx1">
-                    <a:tint val="75000"/>
-                  </a:schemeClr>
-                </a:solidFill>
-              </a:defRPr>
-            </a:lvl6pPr>
-            <a:lvl7pPr marL="2743200" indent="0">
-              <a:buNone/>
-              <a:defRPr sz="1400">
-                <a:solidFill>
-                  <a:schemeClr val="tx1">
-                    <a:tint val="75000"/>
-                  </a:schemeClr>
-                </a:solidFill>
-              </a:defRPr>
-            </a:lvl7pPr>
-            <a:lvl8pPr marL="3200400" indent="0">
-              <a:buNone/>
-              <a:defRPr sz="1400">
-                <a:solidFill>
-                  <a:schemeClr val="tx1">
-                    <a:tint val="75000"/>
-                  </a:schemeClr>
-                </a:solidFill>
-              </a:defRPr>
-            </a:lvl8pPr>
-            <a:lvl9pPr marL="3657600" indent="0">
-              <a:buNone/>
-              <a:defRPr sz="1400">
-                <a:solidFill>
-                  <a:schemeClr val="tx1">
-                    <a:tint val="75000"/>
-                  </a:schemeClr>
-                </a:solidFill>
-              </a:defRPr>
-            </a:lvl9pPr>
           </a:lstStyle>
           <a:p>
-            <a:pPr lvl="0"/>
-            <a:r>
-              <a:rPr lang="it-IT" smtClean="0"/>
+            <a:pPr lvl="0" eaLnBrk="1" latinLnBrk="0" hangingPunct="1"/>
+            <a:r>
+              <a:rPr kumimoji="0" lang="it-IT" smtClean="0"/>
               <a:t>Fare clic per modificare stili del testo dello schema</a:t>
             </a:r>
           </a:p>
@@ -1068,7 +1058,7 @@
             <a:fld id="{4A42198D-A78B-4550-9FFD-73D8C9F3F53C}" type="datetimeFigureOut">
               <a:rPr lang="it-IT" smtClean="0"/>
               <a:pPr/>
-              <a:t>14/07/2011</a:t>
+              <a:t>16/07/2011</a:t>
             </a:fld>
             <a:endParaRPr lang="it-IT"/>
           </a:p>
@@ -1120,7 +1110,7 @@
     </p:spTree>
   </p:cSld>
   <p:clrMapOvr>
-    <a:masterClrMapping/>
+    <a:overrideClrMapping bg1="dk1" tx1="lt1" bg2="dk2" tx2="lt2" accent1="accent1" accent2="accent2" accent3="accent3" accent4="accent4" accent5="accent5" accent6="accent6" hlink="hlink" folHlink="folHlink"/>
   </p:clrMapOvr>
 </p:sldLayout>
 </file>
@@ -1152,40 +1142,45 @@
             <p:ph type="title"/>
           </p:nvPr>
         </p:nvSpPr>
-        <p:spPr/>
-        <p:txBody>
-          <a:bodyPr/>
-          <a:lstStyle/>
-          <a:p>
-            <a:r>
-              <a:rPr lang="it-IT" smtClean="0"/>
-              <a:t>Fare clic per modificare lo stile del titolo</a:t>
-            </a:r>
-            <a:endParaRPr lang="it-IT"/>
-          </a:p>
-        </p:txBody>
-      </p:sp>
-      <p:sp>
-        <p:nvSpPr>
-          <p:cNvPr id="3" name="Segnaposto contenuto 2"/>
-          <p:cNvSpPr>
-            <a:spLocks noGrp="1"/>
-          </p:cNvSpPr>
-          <p:nvPr>
-            <p:ph sz="half" idx="1"/>
-          </p:nvPr>
-        </p:nvSpPr>
         <p:spPr>
           <a:xfrm>
-            <a:off x="457200" y="1600200"/>
-            <a:ext cx="4038600" cy="4525963"/>
+            <a:off x="457200" y="704088"/>
+            <a:ext cx="8229600" cy="1143000"/>
+          </a:xfrm>
+        </p:spPr>
+        <p:txBody>
+          <a:bodyPr/>
+          <a:lstStyle/>
+          <a:p>
+            <a:r>
+              <a:rPr kumimoji="0" lang="it-IT" smtClean="0"/>
+              <a:t>Fare clic per modificare lo stile del titolo</a:t>
+            </a:r>
+            <a:endParaRPr kumimoji="0" lang="en-US"/>
+          </a:p>
+        </p:txBody>
+      </p:sp>
+      <p:sp>
+        <p:nvSpPr>
+          <p:cNvPr id="3" name="Segnaposto contenuto 2"/>
+          <p:cNvSpPr>
+            <a:spLocks noGrp="1"/>
+          </p:cNvSpPr>
+          <p:nvPr>
+            <p:ph sz="half" idx="1"/>
+          </p:nvPr>
+        </p:nvSpPr>
+        <p:spPr>
+          <a:xfrm>
+            <a:off x="457200" y="1920085"/>
+            <a:ext cx="4038600" cy="4434840"/>
           </a:xfrm>
         </p:spPr>
         <p:txBody>
           <a:bodyPr/>
           <a:lstStyle>
             <a:lvl1pPr>
-              <a:defRPr sz="2800"/>
+              <a:defRPr sz="2600"/>
             </a:lvl1pPr>
             <a:lvl2pPr>
               <a:defRPr sz="2400"/>
@@ -1199,54 +1194,42 @@
             <a:lvl5pPr>
               <a:defRPr sz="1800"/>
             </a:lvl5pPr>
-            <a:lvl6pPr>
-              <a:defRPr sz="1800"/>
-            </a:lvl6pPr>
-            <a:lvl7pPr>
-              <a:defRPr sz="1800"/>
-            </a:lvl7pPr>
-            <a:lvl8pPr>
-              <a:defRPr sz="1800"/>
-            </a:lvl8pPr>
-            <a:lvl9pPr>
-              <a:defRPr sz="1800"/>
-            </a:lvl9pPr>
           </a:lstStyle>
           <a:p>
-            <a:pPr lvl="0"/>
+            <a:pPr lvl="0" eaLnBrk="1" latinLnBrk="0" hangingPunct="1"/>
             <a:r>
               <a:rPr lang="it-IT" smtClean="0"/>
               <a:t>Fare clic per modificare stili del testo dello schema</a:t>
             </a:r>
           </a:p>
           <a:p>
-            <a:pPr lvl="1"/>
+            <a:pPr lvl="1" eaLnBrk="1" latinLnBrk="0" hangingPunct="1"/>
             <a:r>
               <a:rPr lang="it-IT" smtClean="0"/>
               <a:t>Secondo livello</a:t>
             </a:r>
           </a:p>
           <a:p>
-            <a:pPr lvl="2"/>
+            <a:pPr lvl="2" eaLnBrk="1" latinLnBrk="0" hangingPunct="1"/>
             <a:r>
               <a:rPr lang="it-IT" smtClean="0"/>
               <a:t>Terzo livello</a:t>
             </a:r>
           </a:p>
           <a:p>
-            <a:pPr lvl="3"/>
+            <a:pPr lvl="3" eaLnBrk="1" latinLnBrk="0" hangingPunct="1"/>
             <a:r>
               <a:rPr lang="it-IT" smtClean="0"/>
               <a:t>Quarto livello</a:t>
             </a:r>
           </a:p>
           <a:p>
-            <a:pPr lvl="4"/>
+            <a:pPr lvl="4" eaLnBrk="1" latinLnBrk="0" hangingPunct="1"/>
             <a:r>
               <a:rPr lang="it-IT" smtClean="0"/>
               <a:t>Quinto livello</a:t>
             </a:r>
-            <a:endParaRPr lang="it-IT"/>
+            <a:endParaRPr kumimoji="0" lang="en-US"/>
           </a:p>
         </p:txBody>
       </p:sp>
@@ -1262,15 +1245,15 @@
         </p:nvSpPr>
         <p:spPr>
           <a:xfrm>
-            <a:off x="4648200" y="1600200"/>
-            <a:ext cx="4038600" cy="4525963"/>
+            <a:off x="4648200" y="1920085"/>
+            <a:ext cx="4038600" cy="4434840"/>
           </a:xfrm>
         </p:spPr>
         <p:txBody>
           <a:bodyPr/>
           <a:lstStyle>
             <a:lvl1pPr>
-              <a:defRPr sz="2800"/>
+              <a:defRPr sz="2600"/>
             </a:lvl1pPr>
             <a:lvl2pPr>
               <a:defRPr sz="2400"/>
@@ -1284,54 +1267,42 @@
             <a:lvl5pPr>
               <a:defRPr sz="1800"/>
             </a:lvl5pPr>
-            <a:lvl6pPr>
-              <a:defRPr sz="1800"/>
-            </a:lvl6pPr>
-            <a:lvl7pPr>
-              <a:defRPr sz="1800"/>
-            </a:lvl7pPr>
-            <a:lvl8pPr>
-              <a:defRPr sz="1800"/>
-            </a:lvl8pPr>
-            <a:lvl9pPr>
-              <a:defRPr sz="1800"/>
-            </a:lvl9pPr>
           </a:lstStyle>
           <a:p>
-            <a:pPr lvl="0"/>
+            <a:pPr lvl="0" eaLnBrk="1" latinLnBrk="0" hangingPunct="1"/>
             <a:r>
               <a:rPr lang="it-IT" smtClean="0"/>
               <a:t>Fare clic per modificare stili del testo dello schema</a:t>
             </a:r>
           </a:p>
           <a:p>
-            <a:pPr lvl="1"/>
+            <a:pPr lvl="1" eaLnBrk="1" latinLnBrk="0" hangingPunct="1"/>
             <a:r>
               <a:rPr lang="it-IT" smtClean="0"/>
               <a:t>Secondo livello</a:t>
             </a:r>
           </a:p>
           <a:p>
-            <a:pPr lvl="2"/>
+            <a:pPr lvl="2" eaLnBrk="1" latinLnBrk="0" hangingPunct="1"/>
             <a:r>
               <a:rPr lang="it-IT" smtClean="0"/>
               <a:t>Terzo livello</a:t>
             </a:r>
           </a:p>
           <a:p>
-            <a:pPr lvl="3"/>
+            <a:pPr lvl="3" eaLnBrk="1" latinLnBrk="0" hangingPunct="1"/>
             <a:r>
               <a:rPr lang="it-IT" smtClean="0"/>
               <a:t>Quarto livello</a:t>
             </a:r>
           </a:p>
           <a:p>
-            <a:pPr lvl="4"/>
+            <a:pPr lvl="4" eaLnBrk="1" latinLnBrk="0" hangingPunct="1"/>
             <a:r>
               <a:rPr lang="it-IT" smtClean="0"/>
               <a:t>Quinto livello</a:t>
             </a:r>
-            <a:endParaRPr lang="it-IT"/>
+            <a:endParaRPr kumimoji="0" lang="en-US"/>
           </a:p>
         </p:txBody>
       </p:sp>
@@ -1353,7 +1324,7 @@
             <a:fld id="{4A42198D-A78B-4550-9FFD-73D8C9F3F53C}" type="datetimeFigureOut">
               <a:rPr lang="it-IT" smtClean="0"/>
               <a:pPr/>
-              <a:t>14/07/2011</a:t>
+              <a:t>16/07/2011</a:t>
             </a:fld>
             <a:endParaRPr lang="it-IT"/>
           </a:p>
@@ -1437,9 +1408,14 @@
             <p:ph type="title"/>
           </p:nvPr>
         </p:nvSpPr>
-        <p:spPr/>
-        <p:txBody>
-          <a:bodyPr/>
+        <p:spPr>
+          <a:xfrm>
+            <a:off x="457200" y="704088"/>
+            <a:ext cx="8229600" cy="1143000"/>
+          </a:xfrm>
+        </p:spPr>
+        <p:txBody>
+          <a:bodyPr tIns="45720" anchor="b"/>
           <a:lstStyle>
             <a:lvl1pPr>
               <a:defRPr/>
@@ -1447,10 +1423,10 @@
           </a:lstStyle>
           <a:p>
             <a:r>
-              <a:rPr lang="it-IT" smtClean="0"/>
+              <a:rPr kumimoji="0" lang="it-IT" smtClean="0"/>
               <a:t>Fare clic per modificare lo stile del titolo</a:t>
             </a:r>
-            <a:endParaRPr lang="it-IT"/>
+            <a:endParaRPr kumimoji="0" lang="en-US"/>
           </a:p>
         </p:txBody>
       </p:sp>
@@ -1466,54 +1442,99 @@
         </p:nvSpPr>
         <p:spPr>
           <a:xfrm>
-            <a:off x="457200" y="1535113"/>
-            <a:ext cx="4040188" cy="639762"/>
+            <a:off x="457200" y="1855248"/>
+            <a:ext cx="4040188" cy="659352"/>
           </a:xfrm>
         </p:spPr>
         <p:txBody>
-          <a:bodyPr anchor="b"/>
+          <a:bodyPr lIns="45720" tIns="0" rIns="45720" bIns="0" anchor="ctr">
+            <a:noAutofit/>
+          </a:bodyPr>
           <a:lstStyle>
             <a:lvl1pPr marL="0" indent="0">
               <a:buNone/>
-              <a:defRPr sz="2400" b="1"/>
+              <a:defRPr sz="2400" b="1" cap="none" baseline="0">
+                <a:solidFill>
+                  <a:schemeClr val="tx2"/>
+                </a:solidFill>
+                <a:effectLst/>
+              </a:defRPr>
             </a:lvl1pPr>
-            <a:lvl2pPr marL="457200" indent="0">
+            <a:lvl2pPr>
               <a:buNone/>
               <a:defRPr sz="2000" b="1"/>
             </a:lvl2pPr>
-            <a:lvl3pPr marL="914400" indent="0">
+            <a:lvl3pPr>
               <a:buNone/>
               <a:defRPr sz="1800" b="1"/>
             </a:lvl3pPr>
-            <a:lvl4pPr marL="1371600" indent="0">
+            <a:lvl4pPr>
               <a:buNone/>
               <a:defRPr sz="1600" b="1"/>
             </a:lvl4pPr>
-            <a:lvl5pPr marL="1828800" indent="0">
+            <a:lvl5pPr>
               <a:buNone/>
               <a:defRPr sz="1600" b="1"/>
             </a:lvl5pPr>
-            <a:lvl6pPr marL="2286000" indent="0">
+          </a:lstStyle>
+          <a:p>
+            <a:pPr lvl="0" eaLnBrk="1" latinLnBrk="0" hangingPunct="1"/>
+            <a:r>
+              <a:rPr kumimoji="0" lang="it-IT" smtClean="0"/>
+              <a:t>Fare clic per modificare stili del testo dello schema</a:t>
+            </a:r>
+          </a:p>
+        </p:txBody>
+      </p:sp>
+      <p:sp>
+        <p:nvSpPr>
+          <p:cNvPr id="4" name="Segnaposto testo 3"/>
+          <p:cNvSpPr>
+            <a:spLocks noGrp="1"/>
+          </p:cNvSpPr>
+          <p:nvPr>
+            <p:ph type="body" sz="half" idx="3"/>
+          </p:nvPr>
+        </p:nvSpPr>
+        <p:spPr>
+          <a:xfrm>
+            <a:off x="4645025" y="1859757"/>
+            <a:ext cx="4041775" cy="654843"/>
+          </a:xfrm>
+        </p:spPr>
+        <p:txBody>
+          <a:bodyPr lIns="45720" tIns="0" rIns="45720" bIns="0" anchor="ctr"/>
+          <a:lstStyle>
+            <a:lvl1pPr marL="0" indent="0">
+              <a:buNone/>
+              <a:defRPr sz="2400" b="1" cap="none" baseline="0">
+                <a:solidFill>
+                  <a:schemeClr val="tx2"/>
+                </a:solidFill>
+                <a:effectLst/>
+              </a:defRPr>
+            </a:lvl1pPr>
+            <a:lvl2pPr>
+              <a:buNone/>
+              <a:defRPr sz="2000" b="1"/>
+            </a:lvl2pPr>
+            <a:lvl3pPr>
+              <a:buNone/>
+              <a:defRPr sz="1800" b="1"/>
+            </a:lvl3pPr>
+            <a:lvl4pPr>
               <a:buNone/>
               <a:defRPr sz="1600" b="1"/>
-            </a:lvl6pPr>
-            <a:lvl7pPr marL="2743200" indent="0">
+            </a:lvl4pPr>
+            <a:lvl5pPr>
               <a:buNone/>
               <a:defRPr sz="1600" b="1"/>
-            </a:lvl7pPr>
-            <a:lvl8pPr marL="3200400" indent="0">
-              <a:buNone/>
-              <a:defRPr sz="1600" b="1"/>
-            </a:lvl8pPr>
-            <a:lvl9pPr marL="3657600" indent="0">
-              <a:buNone/>
-              <a:defRPr sz="1600" b="1"/>
-            </a:lvl9pPr>
+            </a:lvl5pPr>
           </a:lstStyle>
           <a:p>
-            <a:pPr lvl="0"/>
-            <a:r>
-              <a:rPr lang="it-IT" smtClean="0"/>
+            <a:pPr lvl="0" eaLnBrk="1" latinLnBrk="0" hangingPunct="1"/>
+            <a:r>
+              <a:rPr kumimoji="0" lang="it-IT" smtClean="0"/>
               <a:t>Fare clic per modificare stili del testo dello schema</a:t>
             </a:r>
           </a:p>
@@ -1521,25 +1542,25 @@
       </p:sp>
       <p:sp>
         <p:nvSpPr>
-          <p:cNvPr id="4" name="Segnaposto contenuto 3"/>
-          <p:cNvSpPr>
-            <a:spLocks noGrp="1"/>
-          </p:cNvSpPr>
-          <p:nvPr>
-            <p:ph sz="half" idx="2"/>
+          <p:cNvPr id="5" name="Segnaposto contenuto 4"/>
+          <p:cNvSpPr>
+            <a:spLocks noGrp="1"/>
+          </p:cNvSpPr>
+          <p:nvPr>
+            <p:ph sz="quarter" idx="2"/>
           </p:nvPr>
         </p:nvSpPr>
         <p:spPr>
           <a:xfrm>
-            <a:off x="457200" y="2174875"/>
-            <a:ext cx="4040188" cy="3951288"/>
+            <a:off x="457200" y="2514600"/>
+            <a:ext cx="4040188" cy="3845720"/>
           </a:xfrm>
         </p:spPr>
         <p:txBody>
-          <a:bodyPr/>
+          <a:bodyPr tIns="0"/>
           <a:lstStyle>
             <a:lvl1pPr>
-              <a:defRPr sz="2400"/>
+              <a:defRPr sz="2200"/>
             </a:lvl1pPr>
             <a:lvl2pPr>
               <a:defRPr sz="2000"/>
@@ -1553,143 +1574,66 @@
             <a:lvl5pPr>
               <a:defRPr sz="1600"/>
             </a:lvl5pPr>
-            <a:lvl6pPr>
-              <a:defRPr sz="1600"/>
-            </a:lvl6pPr>
-            <a:lvl7pPr>
-              <a:defRPr sz="1600"/>
-            </a:lvl7pPr>
-            <a:lvl8pPr>
-              <a:defRPr sz="1600"/>
-            </a:lvl8pPr>
-            <a:lvl9pPr>
-              <a:defRPr sz="1600"/>
-            </a:lvl9pPr>
           </a:lstStyle>
           <a:p>
-            <a:pPr lvl="0"/>
+            <a:pPr lvl="0" eaLnBrk="1" latinLnBrk="0" hangingPunct="1"/>
             <a:r>
               <a:rPr lang="it-IT" smtClean="0"/>
               <a:t>Fare clic per modificare stili del testo dello schema</a:t>
             </a:r>
           </a:p>
           <a:p>
-            <a:pPr lvl="1"/>
+            <a:pPr lvl="1" eaLnBrk="1" latinLnBrk="0" hangingPunct="1"/>
             <a:r>
               <a:rPr lang="it-IT" smtClean="0"/>
               <a:t>Secondo livello</a:t>
             </a:r>
           </a:p>
           <a:p>
-            <a:pPr lvl="2"/>
+            <a:pPr lvl="2" eaLnBrk="1" latinLnBrk="0" hangingPunct="1"/>
             <a:r>
               <a:rPr lang="it-IT" smtClean="0"/>
               <a:t>Terzo livello</a:t>
             </a:r>
           </a:p>
           <a:p>
-            <a:pPr lvl="3"/>
+            <a:pPr lvl="3" eaLnBrk="1" latinLnBrk="0" hangingPunct="1"/>
             <a:r>
               <a:rPr lang="it-IT" smtClean="0"/>
               <a:t>Quarto livello</a:t>
             </a:r>
           </a:p>
           <a:p>
-            <a:pPr lvl="4"/>
+            <a:pPr lvl="4" eaLnBrk="1" latinLnBrk="0" hangingPunct="1"/>
             <a:r>
               <a:rPr lang="it-IT" smtClean="0"/>
               <a:t>Quinto livello</a:t>
             </a:r>
-            <a:endParaRPr lang="it-IT"/>
-          </a:p>
-        </p:txBody>
-      </p:sp>
-      <p:sp>
-        <p:nvSpPr>
-          <p:cNvPr id="5" name="Segnaposto testo 4"/>
-          <p:cNvSpPr>
-            <a:spLocks noGrp="1"/>
-          </p:cNvSpPr>
-          <p:nvPr>
-            <p:ph type="body" sz="quarter" idx="3"/>
+            <a:endParaRPr kumimoji="0" lang="en-US"/>
+          </a:p>
+        </p:txBody>
+      </p:sp>
+      <p:sp>
+        <p:nvSpPr>
+          <p:cNvPr id="6" name="Segnaposto contenuto 5"/>
+          <p:cNvSpPr>
+            <a:spLocks noGrp="1"/>
+          </p:cNvSpPr>
+          <p:nvPr>
+            <p:ph sz="quarter" idx="4"/>
           </p:nvPr>
         </p:nvSpPr>
         <p:spPr>
           <a:xfrm>
-            <a:off x="4645025" y="1535113"/>
-            <a:ext cx="4041775" cy="639762"/>
+            <a:off x="4645025" y="2514600"/>
+            <a:ext cx="4041775" cy="3845720"/>
           </a:xfrm>
         </p:spPr>
         <p:txBody>
-          <a:bodyPr anchor="b"/>
-          <a:lstStyle>
-            <a:lvl1pPr marL="0" indent="0">
-              <a:buNone/>
-              <a:defRPr sz="2400" b="1"/>
-            </a:lvl1pPr>
-            <a:lvl2pPr marL="457200" indent="0">
-              <a:buNone/>
-              <a:defRPr sz="2000" b="1"/>
-            </a:lvl2pPr>
-            <a:lvl3pPr marL="914400" indent="0">
-              <a:buNone/>
-              <a:defRPr sz="1800" b="1"/>
-            </a:lvl3pPr>
-            <a:lvl4pPr marL="1371600" indent="0">
-              <a:buNone/>
-              <a:defRPr sz="1600" b="1"/>
-            </a:lvl4pPr>
-            <a:lvl5pPr marL="1828800" indent="0">
-              <a:buNone/>
-              <a:defRPr sz="1600" b="1"/>
-            </a:lvl5pPr>
-            <a:lvl6pPr marL="2286000" indent="0">
-              <a:buNone/>
-              <a:defRPr sz="1600" b="1"/>
-            </a:lvl6pPr>
-            <a:lvl7pPr marL="2743200" indent="0">
-              <a:buNone/>
-              <a:defRPr sz="1600" b="1"/>
-            </a:lvl7pPr>
-            <a:lvl8pPr marL="3200400" indent="0">
-              <a:buNone/>
-              <a:defRPr sz="1600" b="1"/>
-            </a:lvl8pPr>
-            <a:lvl9pPr marL="3657600" indent="0">
-              <a:buNone/>
-              <a:defRPr sz="1600" b="1"/>
-            </a:lvl9pPr>
-          </a:lstStyle>
-          <a:p>
-            <a:pPr lvl="0"/>
-            <a:r>
-              <a:rPr lang="it-IT" smtClean="0"/>
-              <a:t>Fare clic per modificare stili del testo dello schema</a:t>
-            </a:r>
-          </a:p>
-        </p:txBody>
-      </p:sp>
-      <p:sp>
-        <p:nvSpPr>
-          <p:cNvPr id="6" name="Segnaposto contenuto 5"/>
-          <p:cNvSpPr>
-            <a:spLocks noGrp="1"/>
-          </p:cNvSpPr>
-          <p:nvPr>
-            <p:ph sz="quarter" idx="4"/>
-          </p:nvPr>
-        </p:nvSpPr>
-        <p:spPr>
-          <a:xfrm>
-            <a:off x="4645025" y="2174875"/>
-            <a:ext cx="4041775" cy="3951288"/>
-          </a:xfrm>
-        </p:spPr>
-        <p:txBody>
-          <a:bodyPr/>
+          <a:bodyPr tIns="0"/>
           <a:lstStyle>
             <a:lvl1pPr>
-              <a:defRPr sz="2400"/>
+              <a:defRPr sz="2200"/>
             </a:lvl1pPr>
             <a:lvl2pPr>
               <a:defRPr sz="2000"/>
@@ -1703,54 +1647,42 @@
             <a:lvl5pPr>
               <a:defRPr sz="1600"/>
             </a:lvl5pPr>
-            <a:lvl6pPr>
-              <a:defRPr sz="1600"/>
-            </a:lvl6pPr>
-            <a:lvl7pPr>
-              <a:defRPr sz="1600"/>
-            </a:lvl7pPr>
-            <a:lvl8pPr>
-              <a:defRPr sz="1600"/>
-            </a:lvl8pPr>
-            <a:lvl9pPr>
-              <a:defRPr sz="1600"/>
-            </a:lvl9pPr>
           </a:lstStyle>
           <a:p>
-            <a:pPr lvl="0"/>
+            <a:pPr lvl="0" eaLnBrk="1" latinLnBrk="0" hangingPunct="1"/>
             <a:r>
               <a:rPr lang="it-IT" smtClean="0"/>
               <a:t>Fare clic per modificare stili del testo dello schema</a:t>
             </a:r>
           </a:p>
           <a:p>
-            <a:pPr lvl="1"/>
+            <a:pPr lvl="1" eaLnBrk="1" latinLnBrk="0" hangingPunct="1"/>
             <a:r>
               <a:rPr lang="it-IT" smtClean="0"/>
               <a:t>Secondo livello</a:t>
             </a:r>
           </a:p>
           <a:p>
-            <a:pPr lvl="2"/>
+            <a:pPr lvl="2" eaLnBrk="1" latinLnBrk="0" hangingPunct="1"/>
             <a:r>
               <a:rPr lang="it-IT" smtClean="0"/>
               <a:t>Terzo livello</a:t>
             </a:r>
           </a:p>
           <a:p>
-            <a:pPr lvl="3"/>
+            <a:pPr lvl="3" eaLnBrk="1" latinLnBrk="0" hangingPunct="1"/>
             <a:r>
               <a:rPr lang="it-IT" smtClean="0"/>
               <a:t>Quarto livello</a:t>
             </a:r>
           </a:p>
           <a:p>
-            <a:pPr lvl="4"/>
+            <a:pPr lvl="4" eaLnBrk="1" latinLnBrk="0" hangingPunct="1"/>
             <a:r>
               <a:rPr lang="it-IT" smtClean="0"/>
               <a:t>Quinto livello</a:t>
             </a:r>
-            <a:endParaRPr lang="it-IT"/>
+            <a:endParaRPr kumimoji="0" lang="en-US"/>
           </a:p>
         </p:txBody>
       </p:sp>
@@ -1772,7 +1704,7 @@
             <a:fld id="{4A42198D-A78B-4550-9FFD-73D8C9F3F53C}" type="datetimeFigureOut">
               <a:rPr lang="it-IT" smtClean="0"/>
               <a:pPr/>
-              <a:t>14/07/2011</a:t>
+              <a:t>16/07/2011</a:t>
             </a:fld>
             <a:endParaRPr lang="it-IT"/>
           </a:p>
@@ -1856,16 +1788,53 @@
             <p:ph type="title"/>
           </p:nvPr>
         </p:nvSpPr>
-        <p:spPr/>
-        <p:txBody>
-          <a:bodyPr/>
-          <a:lstStyle/>
-          <a:p>
-            <a:r>
-              <a:rPr lang="it-IT" smtClean="0"/>
+        <p:spPr>
+          <a:xfrm>
+            <a:off x="457200" y="704088"/>
+            <a:ext cx="8305800" cy="1143000"/>
+          </a:xfrm>
+        </p:spPr>
+        <p:txBody>
+          <a:bodyPr vert="horz" tIns="45720" bIns="0" anchor="b">
+            <a:normAutofit/>
+            <a:scene3d>
+              <a:camera prst="orthographicFront"/>
+              <a:lightRig rig="freezing" dir="t">
+                <a:rot lat="0" lon="0" rev="5640000"/>
+              </a:lightRig>
+            </a:scene3d>
+            <a:sp3d prstMaterial="flat">
+              <a:contourClr>
+                <a:schemeClr val="tx2"/>
+              </a:contourClr>
+            </a:sp3d>
+          </a:bodyPr>
+          <a:lstStyle>
+            <a:lvl1pPr algn="l" rtl="0">
+              <a:spcBef>
+                <a:spcPct val="0"/>
+              </a:spcBef>
+              <a:buNone/>
+              <a:defRPr sz="5000" b="0">
+                <a:ln>
+                  <a:noFill/>
+                </a:ln>
+                <a:solidFill>
+                  <a:schemeClr val="tx2"/>
+                </a:solidFill>
+                <a:effectLst/>
+                <a:latin typeface="+mj-lt"/>
+                <a:ea typeface="+mj-ea"/>
+                <a:cs typeface="+mj-cs"/>
+              </a:defRPr>
+            </a:lvl1pPr>
+          </a:lstStyle>
+          <a:p>
+            <a:r>
+              <a:rPr kumimoji="0" lang="it-IT" smtClean="0"/>
               <a:t>Fare clic per modificare lo stile del titolo</a:t>
             </a:r>
-            <a:endParaRPr lang="it-IT"/>
+            <a:endParaRPr kumimoji="0" lang="en-US"/>
           </a:p>
         </p:txBody>
       </p:sp>
@@ -1887,7 +1856,7 @@
             <a:fld id="{4A42198D-A78B-4550-9FFD-73D8C9F3F53C}" type="datetimeFigureOut">
               <a:rPr lang="it-IT" smtClean="0"/>
               <a:pPr/>
-              <a:t>14/07/2011</a:t>
+              <a:t>16/07/2011</a:t>
             </a:fld>
             <a:endParaRPr lang="it-IT"/>
           </a:p>
@@ -1979,7 +1948,7 @@
             <a:fld id="{4A42198D-A78B-4550-9FFD-73D8C9F3F53C}" type="datetimeFigureOut">
               <a:rPr lang="it-IT" smtClean="0"/>
               <a:pPr/>
-              <a:t>14/07/2011</a:t>
+              <a:t>16/07/2011</a:t>
             </a:fld>
             <a:endParaRPr lang="it-IT"/>
           </a:p>
@@ -2065,50 +2034,116 @@
         </p:nvSpPr>
         <p:spPr>
           <a:xfrm>
-            <a:off x="457200" y="273050"/>
-            <a:ext cx="3008313" cy="1162050"/>
+            <a:off x="685800" y="514352"/>
+            <a:ext cx="2743200" cy="1162050"/>
           </a:xfrm>
         </p:spPr>
         <p:txBody>
-          <a:bodyPr anchor="b"/>
+          <a:bodyPr lIns="0" anchor="b">
+            <a:noAutofit/>
+          </a:bodyPr>
           <a:lstStyle>
-            <a:lvl1pPr algn="l">
-              <a:defRPr sz="2000" b="1"/>
+            <a:lvl1pPr algn="l" rtl="0">
+              <a:spcBef>
+                <a:spcPct val="0"/>
+              </a:spcBef>
+              <a:buNone/>
+              <a:defRPr sz="2600" b="0">
+                <a:ln>
+                  <a:noFill/>
+                </a:ln>
+                <a:solidFill>
+                  <a:schemeClr val="tx2"/>
+                </a:solidFill>
+                <a:effectLst/>
+                <a:latin typeface="+mj-lt"/>
+                <a:ea typeface="+mj-ea"/>
+                <a:cs typeface="+mj-cs"/>
+              </a:defRPr>
             </a:lvl1pPr>
           </a:lstStyle>
           <a:p>
             <a:r>
-              <a:rPr lang="it-IT" smtClean="0"/>
+              <a:rPr kumimoji="0" lang="it-IT" smtClean="0"/>
               <a:t>Fare clic per modificare lo stile del titolo</a:t>
             </a:r>
-            <a:endParaRPr lang="it-IT"/>
-          </a:p>
-        </p:txBody>
-      </p:sp>
-      <p:sp>
-        <p:nvSpPr>
-          <p:cNvPr id="3" name="Segnaposto contenuto 2"/>
-          <p:cNvSpPr>
-            <a:spLocks noGrp="1"/>
-          </p:cNvSpPr>
-          <p:nvPr>
-            <p:ph idx="1"/>
+            <a:endParaRPr kumimoji="0" lang="en-US"/>
+          </a:p>
+        </p:txBody>
+      </p:sp>
+      <p:sp>
+        <p:nvSpPr>
+          <p:cNvPr id="3" name="Segnaposto testo 2"/>
+          <p:cNvSpPr>
+            <a:spLocks noGrp="1"/>
+          </p:cNvSpPr>
+          <p:nvPr>
+            <p:ph type="body" idx="2"/>
           </p:nvPr>
         </p:nvSpPr>
         <p:spPr>
           <a:xfrm>
-            <a:off x="3575050" y="273050"/>
-            <a:ext cx="5111750" cy="5853113"/>
+            <a:off x="685800" y="1676400"/>
+            <a:ext cx="2743200" cy="4572000"/>
           </a:xfrm>
         </p:spPr>
         <p:txBody>
-          <a:bodyPr/>
+          <a:bodyPr lIns="18288" rIns="18288"/>
+          <a:lstStyle>
+            <a:lvl1pPr marL="0" indent="0" algn="l">
+              <a:buNone/>
+              <a:defRPr sz="1400"/>
+            </a:lvl1pPr>
+            <a:lvl2pPr indent="0" algn="l">
+              <a:buNone/>
+              <a:defRPr sz="1200"/>
+            </a:lvl2pPr>
+            <a:lvl3pPr indent="0" algn="l">
+              <a:buNone/>
+              <a:defRPr sz="1000"/>
+            </a:lvl3pPr>
+            <a:lvl4pPr indent="0" algn="l">
+              <a:buNone/>
+              <a:defRPr sz="900"/>
+            </a:lvl4pPr>
+            <a:lvl5pPr indent="0" algn="l">
+              <a:buNone/>
+              <a:defRPr sz="900"/>
+            </a:lvl5pPr>
+          </a:lstStyle>
+          <a:p>
+            <a:pPr lvl="0" eaLnBrk="1" latinLnBrk="0" hangingPunct="1"/>
+            <a:r>
+              <a:rPr kumimoji="0" lang="it-IT" smtClean="0"/>
+              <a:t>Fare clic per modificare stili del testo dello schema</a:t>
+            </a:r>
+          </a:p>
+        </p:txBody>
+      </p:sp>
+      <p:sp>
+        <p:nvSpPr>
+          <p:cNvPr id="4" name="Segnaposto contenuto 3"/>
+          <p:cNvSpPr>
+            <a:spLocks noGrp="1"/>
+          </p:cNvSpPr>
+          <p:nvPr>
+            <p:ph sz="half" idx="1"/>
+          </p:nvPr>
+        </p:nvSpPr>
+        <p:spPr>
+          <a:xfrm>
+            <a:off x="3575050" y="1676400"/>
+            <a:ext cx="5111750" cy="4572000"/>
+          </a:xfrm>
+        </p:spPr>
+        <p:txBody>
+          <a:bodyPr tIns="0"/>
           <a:lstStyle>
             <a:lvl1pPr>
-              <a:defRPr sz="3200"/>
+              <a:defRPr sz="2800"/>
             </a:lvl1pPr>
             <a:lvl2pPr>
-              <a:defRPr sz="2800"/>
+              <a:defRPr sz="2600"/>
             </a:lvl2pPr>
             <a:lvl3pPr>
               <a:defRPr sz="2400"/>
@@ -2117,121 +2152,44 @@
               <a:defRPr sz="2000"/>
             </a:lvl4pPr>
             <a:lvl5pPr>
-              <a:defRPr sz="2000"/>
+              <a:defRPr sz="1800"/>
             </a:lvl5pPr>
-            <a:lvl6pPr>
-              <a:defRPr sz="2000"/>
-            </a:lvl6pPr>
-            <a:lvl7pPr>
-              <a:defRPr sz="2000"/>
-            </a:lvl7pPr>
-            <a:lvl8pPr>
-              <a:defRPr sz="2000"/>
-            </a:lvl8pPr>
-            <a:lvl9pPr>
-              <a:defRPr sz="2000"/>
-            </a:lvl9pPr>
           </a:lstStyle>
           <a:p>
-            <a:pPr lvl="0"/>
+            <a:pPr lvl="0" eaLnBrk="1" latinLnBrk="0" hangingPunct="1"/>
             <a:r>
               <a:rPr lang="it-IT" smtClean="0"/>
               <a:t>Fare clic per modificare stili del testo dello schema</a:t>
             </a:r>
           </a:p>
           <a:p>
-            <a:pPr lvl="1"/>
+            <a:pPr lvl="1" eaLnBrk="1" latinLnBrk="0" hangingPunct="1"/>
             <a:r>
               <a:rPr lang="it-IT" smtClean="0"/>
               <a:t>Secondo livello</a:t>
             </a:r>
           </a:p>
           <a:p>
-            <a:pPr lvl="2"/>
+            <a:pPr lvl="2" eaLnBrk="1" latinLnBrk="0" hangingPunct="1"/>
             <a:r>
               <a:rPr lang="it-IT" smtClean="0"/>
               <a:t>Terzo livello</a:t>
             </a:r>
           </a:p>
           <a:p>
-            <a:pPr lvl="3"/>
+            <a:pPr lvl="3" eaLnBrk="1" latinLnBrk="0" hangingPunct="1"/>
             <a:r>
               <a:rPr lang="it-IT" smtClean="0"/>
               <a:t>Quarto livello</a:t>
             </a:r>
           </a:p>
           <a:p>
-            <a:pPr lvl="4"/>
+            <a:pPr lvl="4" eaLnBrk="1" latinLnBrk="0" hangingPunct="1"/>
             <a:r>
               <a:rPr lang="it-IT" smtClean="0"/>
               <a:t>Quinto livello</a:t>
             </a:r>
-            <a:endParaRPr lang="it-IT"/>
-          </a:p>
-        </p:txBody>
-      </p:sp>
-      <p:sp>
-        <p:nvSpPr>
-          <p:cNvPr id="4" name="Segnaposto testo 3"/>
-          <p:cNvSpPr>
-            <a:spLocks noGrp="1"/>
-          </p:cNvSpPr>
-          <p:nvPr>
-            <p:ph type="body" sz="half" idx="2"/>
-          </p:nvPr>
-        </p:nvSpPr>
-        <p:spPr>
-          <a:xfrm>
-            <a:off x="457200" y="1435100"/>
-            <a:ext cx="3008313" cy="4691063"/>
-          </a:xfrm>
-        </p:spPr>
-        <p:txBody>
-          <a:bodyPr/>
-          <a:lstStyle>
-            <a:lvl1pPr marL="0" indent="0">
-              <a:buNone/>
-              <a:defRPr sz="1400"/>
-            </a:lvl1pPr>
-            <a:lvl2pPr marL="457200" indent="0">
-              <a:buNone/>
-              <a:defRPr sz="1200"/>
-            </a:lvl2pPr>
-            <a:lvl3pPr marL="914400" indent="0">
-              <a:buNone/>
-              <a:defRPr sz="1000"/>
-            </a:lvl3pPr>
-            <a:lvl4pPr marL="1371600" indent="0">
-              <a:buNone/>
-              <a:defRPr sz="900"/>
-            </a:lvl4pPr>
-            <a:lvl5pPr marL="1828800" indent="0">
-              <a:buNone/>
-              <a:defRPr sz="900"/>
-            </a:lvl5pPr>
-            <a:lvl6pPr marL="2286000" indent="0">
-              <a:buNone/>
-              <a:defRPr sz="900"/>
-            </a:lvl6pPr>
-            <a:lvl7pPr marL="2743200" indent="0">
-              <a:buNone/>
-              <a:defRPr sz="900"/>
-            </a:lvl7pPr>
-            <a:lvl8pPr marL="3200400" indent="0">
-              <a:buNone/>
-              <a:defRPr sz="900"/>
-            </a:lvl8pPr>
-            <a:lvl9pPr marL="3657600" indent="0">
-              <a:buNone/>
-              <a:defRPr sz="900"/>
-            </a:lvl9pPr>
-          </a:lstStyle>
-          <a:p>
-            <a:pPr lvl="0"/>
-            <a:r>
-              <a:rPr lang="it-IT" smtClean="0"/>
-              <a:t>Fare clic per modificare stili del testo dello schema</a:t>
-            </a:r>
+            <a:endParaRPr kumimoji="0" lang="en-US"/>
           </a:p>
         </p:txBody>
       </p:sp>
@@ -2253,7 +2211,7 @@
             <a:fld id="{4A42198D-A78B-4550-9FFD-73D8C9F3F53C}" type="datetimeFigureOut">
               <a:rPr lang="it-IT" smtClean="0"/>
               <a:pPr/>
-              <a:t>14/07/2011</a:t>
+              <a:t>16/07/2011</a:t>
             </a:fld>
             <a:endParaRPr lang="it-IT"/>
           </a:p>
@@ -2311,7 +2269,7 @@
 </file>
 
 <file path=ppt/slideLayouts/slideLayout9.xml><?xml version="1.0" encoding="utf-8"?>
-<p:sldLayout xmlns:a="http://schemas.openxmlformats.org/drawingml/2006/main" xmlns:r="http://schemas.openxmlformats.org/officeDocument/2006/relationships" xmlns:p="http://schemas.openxmlformats.org/presentationml/2006/main" type="picTx" preserve="1">
+<p:sldLayout xmlns:a="http://schemas.openxmlformats.org/drawingml/2006/main" xmlns:r="http://schemas.openxmlformats.org/officeDocument/2006/relationships" xmlns:p="http://schemas.openxmlformats.org/presentationml/2006/main" showMasterSp="0" type="picTx" preserve="1">
   <p:cSld name="Immagine con didascalia">
     <p:spTree>
       <p:nvGrpSpPr>
@@ -2329,6 +2287,118 @@
       </p:grpSpPr>
       <p:sp>
         <p:nvSpPr>
+          <p:cNvPr id="9" name="Ritaglia e arrotonda singolo angolo rettangolo 8"/>
+          <p:cNvSpPr/>
+          <p:nvPr/>
+        </p:nvSpPr>
+        <p:spPr>
+          <a:xfrm rot="420000" flipV="1">
+            <a:off x="3165753" y="1108077"/>
+            <a:ext cx="5257800" cy="4114800"/>
+          </a:xfrm>
+          <a:prstGeom prst="snipRoundRect">
+            <a:avLst>
+              <a:gd name="adj1" fmla="val 0"/>
+              <a:gd name="adj2" fmla="val 3646"/>
+            </a:avLst>
+          </a:prstGeom>
+          <a:solidFill>
+            <a:srgbClr val="FFFFFF"/>
+          </a:solidFill>
+          <a:ln w="3175" cap="rnd" cmpd="sng" algn="ctr">
+            <a:solidFill>
+              <a:srgbClr val="C0C0C0"/>
+            </a:solidFill>
+            <a:prstDash val="solid"/>
+          </a:ln>
+          <a:effectLst>
+            <a:outerShdw blurRad="63500" dist="38500" dir="7500000" sx="98500" sy="100080" kx="100000" algn="tl" rotWithShape="0">
+              <a:srgbClr val="000000">
+                <a:alpha val="25000"/>
+              </a:srgbClr>
+            </a:outerShdw>
+          </a:effectLst>
+        </p:spPr>
+        <p:style>
+          <a:lnRef idx="2">
+            <a:schemeClr val="accent1"/>
+          </a:lnRef>
+          <a:fillRef idx="1">
+            <a:schemeClr val="accent1"/>
+          </a:fillRef>
+          <a:effectRef idx="0">
+            <a:schemeClr val="accent1"/>
+          </a:effectRef>
+          <a:fontRef idx="minor">
+            <a:schemeClr val="lt1"/>
+          </a:fontRef>
+        </p:style>
+        <p:txBody>
+          <a:bodyPr rtlCol="0" anchor="ctr"/>
+          <a:lstStyle/>
+          <a:p>
+            <a:pPr algn="ctr" eaLnBrk="1" latinLnBrk="0" hangingPunct="1"/>
+            <a:endParaRPr kumimoji="0" lang="en-US"/>
+          </a:p>
+        </p:txBody>
+      </p:sp>
+      <p:sp>
+        <p:nvSpPr>
+          <p:cNvPr id="12" name="Triangolo rettangolo 11"/>
+          <p:cNvSpPr/>
+          <p:nvPr/>
+        </p:nvSpPr>
+        <p:spPr>
+          <a:xfrm rot="420000" flipV="1">
+            <a:off x="8004134" y="5359769"/>
+            <a:ext cx="155448" cy="155448"/>
+          </a:xfrm>
+          <a:prstGeom prst="rtTriangle">
+            <a:avLst/>
+          </a:prstGeom>
+          <a:solidFill>
+            <a:srgbClr val="FFFFFF"/>
+          </a:solidFill>
+          <a:ln w="12700" cap="flat" cmpd="sng" algn="ctr">
+            <a:solidFill>
+              <a:srgbClr val="FFFFFF"/>
+            </a:solidFill>
+            <a:prstDash val="solid"/>
+            <a:bevel/>
+          </a:ln>
+          <a:effectLst>
+            <a:outerShdw blurRad="19685" dist="6350" dir="12900000" algn="tl" rotWithShape="0">
+              <a:srgbClr val="000000">
+                <a:alpha val="47000"/>
+              </a:srgbClr>
+            </a:outerShdw>
+          </a:effectLst>
+        </p:spPr>
+        <p:style>
+          <a:lnRef idx="2">
+            <a:schemeClr val="accent1"/>
+          </a:lnRef>
+          <a:fillRef idx="1">
+            <a:schemeClr val="accent1"/>
+          </a:fillRef>
+          <a:effectRef idx="0">
+            <a:schemeClr val="accent1"/>
+          </a:effectRef>
+          <a:fontRef idx="minor">
+            <a:schemeClr val="lt1"/>
+          </a:fontRef>
+        </p:style>
+        <p:txBody>
+          <a:bodyPr rtlCol="0" anchor="ctr"/>
+          <a:lstStyle/>
+          <a:p>
+            <a:pPr algn="ctr" eaLnBrk="1" latinLnBrk="0" hangingPunct="1"/>
+            <a:endParaRPr kumimoji="0" lang="en-US"/>
+          </a:p>
+        </p:txBody>
+      </p:sp>
+      <p:sp>
+        <p:nvSpPr>
           <p:cNvPr id="2" name="Titolo 1"/>
           <p:cNvSpPr>
             <a:spLocks noGrp="1"/>
@@ -2339,41 +2409,180 @@
         </p:nvSpPr>
         <p:spPr>
           <a:xfrm>
-            <a:off x="1792288" y="4800600"/>
-            <a:ext cx="5486400" cy="566738"/>
+            <a:off x="609600" y="1176996"/>
+            <a:ext cx="2212848" cy="1582621"/>
           </a:xfrm>
         </p:spPr>
         <p:txBody>
-          <a:bodyPr anchor="b"/>
+          <a:bodyPr vert="horz" lIns="45720" tIns="45720" rIns="45720" bIns="45720" anchor="b"/>
           <a:lstStyle>
             <a:lvl1pPr algn="l">
-              <a:defRPr sz="2000" b="1"/>
+              <a:buNone/>
+              <a:defRPr sz="2000" b="1">
+                <a:solidFill>
+                  <a:schemeClr val="tx2"/>
+                </a:solidFill>
+              </a:defRPr>
             </a:lvl1pPr>
           </a:lstStyle>
           <a:p>
             <a:r>
-              <a:rPr lang="it-IT" smtClean="0"/>
+              <a:rPr kumimoji="0" lang="it-IT" smtClean="0"/>
               <a:t>Fare clic per modificare lo stile del titolo</a:t>
             </a:r>
-            <a:endParaRPr lang="it-IT"/>
-          </a:p>
-        </p:txBody>
-      </p:sp>
-      <p:sp>
-        <p:nvSpPr>
-          <p:cNvPr id="3" name="Segnaposto immagine 2"/>
-          <p:cNvSpPr>
-            <a:spLocks noGrp="1"/>
-          </p:cNvSpPr>
-          <p:nvPr>
-            <p:ph type="pic" idx="1"/>
+            <a:endParaRPr kumimoji="0" lang="en-US"/>
+          </a:p>
+        </p:txBody>
+      </p:sp>
+      <p:sp>
+        <p:nvSpPr>
+          <p:cNvPr id="4" name="Segnaposto testo 3"/>
+          <p:cNvSpPr>
+            <a:spLocks noGrp="1"/>
+          </p:cNvSpPr>
+          <p:nvPr>
+            <p:ph type="body" sz="half" idx="2"/>
           </p:nvPr>
         </p:nvSpPr>
         <p:spPr>
           <a:xfrm>
-            <a:off x="1792288" y="612775"/>
-            <a:ext cx="5486400" cy="4114800"/>
+            <a:off x="609600" y="2828785"/>
+            <a:ext cx="2209800" cy="2179320"/>
           </a:xfrm>
+        </p:spPr>
+        <p:txBody>
+          <a:bodyPr lIns="64008" rIns="45720" bIns="45720" anchor="t"/>
+          <a:lstStyle>
+            <a:lvl1pPr marL="0" indent="0" algn="l">
+              <a:spcBef>
+                <a:spcPts val="250"/>
+              </a:spcBef>
+              <a:buFontTx/>
+              <a:buNone/>
+              <a:defRPr sz="1300"/>
+            </a:lvl1pPr>
+            <a:lvl2pPr>
+              <a:defRPr sz="1200"/>
+            </a:lvl2pPr>
+            <a:lvl3pPr>
+              <a:defRPr sz="1000"/>
+            </a:lvl3pPr>
+            <a:lvl4pPr>
+              <a:defRPr sz="900"/>
+            </a:lvl4pPr>
+            <a:lvl5pPr>
+              <a:defRPr sz="900"/>
+            </a:lvl5pPr>
+          </a:lstStyle>
+          <a:p>
+            <a:pPr lvl="0" eaLnBrk="1" latinLnBrk="0" hangingPunct="1"/>
+            <a:r>
+              <a:rPr kumimoji="0" lang="it-IT" smtClean="0"/>
+              <a:t>Fare clic per modificare stili del testo dello schema</a:t>
+            </a:r>
+          </a:p>
+        </p:txBody>
+      </p:sp>
+      <p:sp>
+        <p:nvSpPr>
+          <p:cNvPr id="5" name="Segnaposto data 4"/>
+          <p:cNvSpPr>
+            <a:spLocks noGrp="1"/>
+          </p:cNvSpPr>
+          <p:nvPr>
+            <p:ph type="dt" sz="half" idx="10"/>
+          </p:nvPr>
+        </p:nvSpPr>
+        <p:spPr/>
+        <p:txBody>
+          <a:bodyPr/>
+          <a:lstStyle/>
+          <a:p>
+            <a:fld id="{4A42198D-A78B-4550-9FFD-73D8C9F3F53C}" type="datetimeFigureOut">
+              <a:rPr lang="it-IT" smtClean="0"/>
+              <a:pPr/>
+              <a:t>16/07/2011</a:t>
+            </a:fld>
+            <a:endParaRPr lang="it-IT"/>
+          </a:p>
+        </p:txBody>
+      </p:sp>
+      <p:sp>
+        <p:nvSpPr>
+          <p:cNvPr id="6" name="Segnaposto piè di pagina 5"/>
+          <p:cNvSpPr>
+            <a:spLocks noGrp="1"/>
+          </p:cNvSpPr>
+          <p:nvPr>
+            <p:ph type="ftr" sz="quarter" idx="11"/>
+          </p:nvPr>
+        </p:nvSpPr>
+        <p:spPr/>
+        <p:txBody>
+          <a:bodyPr/>
+          <a:lstStyle/>
+          <a:p>
+            <a:endParaRPr lang="it-IT"/>
+          </a:p>
+        </p:txBody>
+      </p:sp>
+      <p:sp>
+        <p:nvSpPr>
+          <p:cNvPr id="7" name="Segnaposto numero diapositiva 6"/>
+          <p:cNvSpPr>
+            <a:spLocks noGrp="1"/>
+          </p:cNvSpPr>
+          <p:nvPr>
+            <p:ph type="sldNum" sz="quarter" idx="12"/>
+          </p:nvPr>
+        </p:nvSpPr>
+        <p:spPr>
+          <a:xfrm>
+            <a:off x="8077200" y="6356350"/>
+            <a:ext cx="609600" cy="365125"/>
+          </a:xfrm>
+        </p:spPr>
+        <p:txBody>
+          <a:bodyPr/>
+          <a:lstStyle/>
+          <a:p>
+            <a:fld id="{21C8327F-6B7B-470F-AF34-A7A7C757AC5C}" type="slidenum">
+              <a:rPr lang="it-IT" smtClean="0"/>
+              <a:pPr/>
+              <a:t>‹N›</a:t>
+            </a:fld>
+            <a:endParaRPr lang="it-IT"/>
+          </a:p>
+        </p:txBody>
+      </p:sp>
+      <p:sp>
+        <p:nvSpPr>
+          <p:cNvPr id="3" name="Segnaposto immagine 2"/>
+          <p:cNvSpPr>
+            <a:spLocks noGrp="1"/>
+          </p:cNvSpPr>
+          <p:nvPr>
+            <p:ph type="pic" idx="1"/>
+          </p:nvPr>
+        </p:nvSpPr>
+        <p:spPr>
+          <a:xfrm rot="420000">
+            <a:off x="3485793" y="1199517"/>
+            <a:ext cx="4617720" cy="3931920"/>
+          </a:xfrm>
+          <a:prstGeom prst="rect">
+            <a:avLst/>
+          </a:prstGeom>
+          <a:solidFill>
+            <a:schemeClr val="bg2"/>
+          </a:solidFill>
+          <a:ln w="3000" cap="rnd">
+            <a:solidFill>
+              <a:srgbClr val="C0C0C0"/>
+            </a:solidFill>
+            <a:round/>
+          </a:ln>
+          <a:effectLst/>
         </p:spPr>
         <p:txBody>
           <a:bodyPr/>
@@ -2382,173 +2591,269 @@
               <a:buNone/>
               <a:defRPr sz="3200"/>
             </a:lvl1pPr>
-            <a:lvl2pPr marL="457200" indent="0">
-              <a:buNone/>
-              <a:defRPr sz="2800"/>
-            </a:lvl2pPr>
-            <a:lvl3pPr marL="914400" indent="0">
-              <a:buNone/>
-              <a:defRPr sz="2400"/>
-            </a:lvl3pPr>
-            <a:lvl4pPr marL="1371600" indent="0">
-              <a:buNone/>
-              <a:defRPr sz="2000"/>
-            </a:lvl4pPr>
-            <a:lvl5pPr marL="1828800" indent="0">
-              <a:buNone/>
-              <a:defRPr sz="2000"/>
-            </a:lvl5pPr>
-            <a:lvl6pPr marL="2286000" indent="0">
-              <a:buNone/>
-              <a:defRPr sz="2000"/>
-            </a:lvl6pPr>
-            <a:lvl7pPr marL="2743200" indent="0">
-              <a:buNone/>
-              <a:defRPr sz="2000"/>
-            </a:lvl7pPr>
-            <a:lvl8pPr marL="3200400" indent="0">
-              <a:buNone/>
-              <a:defRPr sz="2000"/>
-            </a:lvl8pPr>
-            <a:lvl9pPr marL="3657600" indent="0">
-              <a:buNone/>
-              <a:defRPr sz="2000"/>
-            </a:lvl9pPr>
           </a:lstStyle>
           <a:p>
-            <a:endParaRPr lang="it-IT"/>
-          </a:p>
-        </p:txBody>
-      </p:sp>
-      <p:sp>
-        <p:nvSpPr>
-          <p:cNvPr id="4" name="Segnaposto testo 3"/>
-          <p:cNvSpPr>
-            <a:spLocks noGrp="1"/>
-          </p:cNvSpPr>
-          <p:nvPr>
-            <p:ph type="body" sz="half" idx="2"/>
-          </p:nvPr>
-        </p:nvSpPr>
-        <p:spPr>
-          <a:xfrm>
-            <a:off x="1792288" y="5367338"/>
-            <a:ext cx="5486400" cy="804862"/>
+            <a:r>
+              <a:rPr kumimoji="0" lang="it-IT" smtClean="0"/>
+              <a:t>Fare clic sull'icona per inserire un'immagine</a:t>
+            </a:r>
+            <a:endParaRPr kumimoji="0" lang="en-US" dirty="0"/>
+          </a:p>
+        </p:txBody>
+      </p:sp>
+      <p:sp>
+        <p:nvSpPr>
+          <p:cNvPr id="10" name="Figura a mano libera 9"/>
+          <p:cNvSpPr>
+            <a:spLocks/>
+          </p:cNvSpPr>
+          <p:nvPr/>
+        </p:nvSpPr>
+        <p:spPr bwMode="auto">
+          <a:xfrm flipV="1">
+            <a:off x="-9525" y="5816600"/>
+            <a:ext cx="9163050" cy="1041400"/>
           </a:xfrm>
+          <a:custGeom>
+            <a:avLst>
+              <a:gd name="A1" fmla="val 0"/>
+              <a:gd name="A2" fmla="val 0"/>
+              <a:gd name="A3" fmla="val 0"/>
+              <a:gd name="A4" fmla="val 0"/>
+              <a:gd name="A5" fmla="val 0"/>
+              <a:gd name="A6" fmla="val 0"/>
+              <a:gd name="A7" fmla="val 0"/>
+              <a:gd name="A8" fmla="val 0"/>
+            </a:avLst>
+            <a:gdLst/>
+            <a:ahLst/>
+            <a:cxnLst>
+              <a:cxn ang="0">
+                <a:pos x="6" y="2"/>
+              </a:cxn>
+              <a:cxn ang="0">
+                <a:pos x="2542" y="0"/>
+              </a:cxn>
+              <a:cxn ang="0">
+                <a:pos x="4374" y="367"/>
+              </a:cxn>
+              <a:cxn ang="0">
+                <a:pos x="5766" y="55"/>
+              </a:cxn>
+              <a:cxn ang="0">
+                <a:pos x="5772" y="213"/>
+              </a:cxn>
+              <a:cxn ang="0">
+                <a:pos x="4302" y="439"/>
+              </a:cxn>
+              <a:cxn ang="0">
+                <a:pos x="1488" y="201"/>
+              </a:cxn>
+              <a:cxn ang="0">
+                <a:pos x="0" y="656"/>
+              </a:cxn>
+              <a:cxn ang="0">
+                <a:pos x="6" y="2"/>
+              </a:cxn>
+            </a:cxnLst>
+            <a:rect l="0" t="0" r="0" b="0"/>
+            <a:pathLst>
+              <a:path w="5772" h="656">
+                <a:moveTo>
+                  <a:pt x="6" y="2"/>
+                </a:moveTo>
+                <a:lnTo>
+                  <a:pt x="2542" y="0"/>
+                </a:lnTo>
+                <a:cubicBezTo>
+                  <a:pt x="2746" y="101"/>
+                  <a:pt x="3828" y="367"/>
+                  <a:pt x="4374" y="367"/>
+                </a:cubicBezTo>
+                <a:cubicBezTo>
+                  <a:pt x="4920" y="367"/>
+                  <a:pt x="5526" y="152"/>
+                  <a:pt x="5766" y="55"/>
+                </a:cubicBezTo>
+                <a:lnTo>
+                  <a:pt x="5772" y="213"/>
+                </a:lnTo>
+                <a:cubicBezTo>
+                  <a:pt x="5670" y="257"/>
+                  <a:pt x="5016" y="441"/>
+                  <a:pt x="4302" y="439"/>
+                </a:cubicBezTo>
+                <a:cubicBezTo>
+                  <a:pt x="3588" y="437"/>
+                  <a:pt x="2205" y="165"/>
+                  <a:pt x="1488" y="201"/>
+                </a:cubicBezTo>
+                <a:cubicBezTo>
+                  <a:pt x="750" y="209"/>
+                  <a:pt x="270" y="482"/>
+                  <a:pt x="0" y="656"/>
+                </a:cubicBezTo>
+                <a:lnTo>
+                  <a:pt x="6" y="2"/>
+                </a:lnTo>
+                <a:close/>
+              </a:path>
+            </a:pathLst>
+          </a:custGeom>
+          <a:gradFill>
+            <a:gsLst>
+              <a:gs pos="0">
+                <a:schemeClr val="accent2">
+                  <a:shade val="50000"/>
+                  <a:alpha val="45000"/>
+                  <a:satMod val="120000"/>
+                </a:schemeClr>
+              </a:gs>
+              <a:gs pos="100000">
+                <a:schemeClr val="accent3">
+                  <a:shade val="80000"/>
+                  <a:alpha val="55000"/>
+                  <a:satMod val="155000"/>
+                </a:schemeClr>
+              </a:gs>
+            </a:gsLst>
+            <a:lin ang="5400000" scaled="1"/>
+          </a:gradFill>
+          <a:ln w="9525" cap="flat" cmpd="sng" algn="ctr">
+            <a:noFill/>
+            <a:prstDash val="solid"/>
+            <a:round/>
+            <a:headEnd type="none" w="med" len="med"/>
+            <a:tailEnd type="none" w="med" len="med"/>
+          </a:ln>
+          <a:effectLst/>
         </p:spPr>
         <p:txBody>
-          <a:bodyPr/>
-          <a:lstStyle>
-            <a:lvl1pPr marL="0" indent="0">
-              <a:buNone/>
-              <a:defRPr sz="1400"/>
-            </a:lvl1pPr>
-            <a:lvl2pPr marL="457200" indent="0">
-              <a:buNone/>
-              <a:defRPr sz="1200"/>
-            </a:lvl2pPr>
-            <a:lvl3pPr marL="914400" indent="0">
-              <a:buNone/>
-              <a:defRPr sz="1000"/>
-            </a:lvl3pPr>
-            <a:lvl4pPr marL="1371600" indent="0">
-              <a:buNone/>
-              <a:defRPr sz="900"/>
-            </a:lvl4pPr>
-            <a:lvl5pPr marL="1828800" indent="0">
-              <a:buNone/>
-              <a:defRPr sz="900"/>
-            </a:lvl5pPr>
-            <a:lvl6pPr marL="2286000" indent="0">
-              <a:buNone/>
-              <a:defRPr sz="900"/>
-            </a:lvl6pPr>
-            <a:lvl7pPr marL="2743200" indent="0">
-              <a:buNone/>
-              <a:defRPr sz="900"/>
-            </a:lvl7pPr>
-            <a:lvl8pPr marL="3200400" indent="0">
-              <a:buNone/>
-              <a:defRPr sz="900"/>
-            </a:lvl8pPr>
-            <a:lvl9pPr marL="3657600" indent="0">
-              <a:buNone/>
-              <a:defRPr sz="900"/>
-            </a:lvl9pPr>
-          </a:lstStyle>
-          <a:p>
-            <a:pPr lvl="0"/>
-            <a:r>
-              <a:rPr lang="it-IT" smtClean="0"/>
-              <a:t>Fare clic per modificare stili del testo dello schema</a:t>
-            </a:r>
-          </a:p>
-        </p:txBody>
-      </p:sp>
-      <p:sp>
-        <p:nvSpPr>
-          <p:cNvPr id="5" name="Segnaposto data 4"/>
-          <p:cNvSpPr>
-            <a:spLocks noGrp="1"/>
-          </p:cNvSpPr>
-          <p:nvPr>
-            <p:ph type="dt" sz="half" idx="10"/>
-          </p:nvPr>
-        </p:nvSpPr>
-        <p:spPr/>
-        <p:txBody>
-          <a:bodyPr/>
-          <a:lstStyle/>
-          <a:p>
-            <a:fld id="{4A42198D-A78B-4550-9FFD-73D8C9F3F53C}" type="datetimeFigureOut">
-              <a:rPr lang="it-IT" smtClean="0"/>
-              <a:pPr/>
-              <a:t>14/07/2011</a:t>
-            </a:fld>
-            <a:endParaRPr lang="it-IT"/>
-          </a:p>
-        </p:txBody>
-      </p:sp>
-      <p:sp>
-        <p:nvSpPr>
-          <p:cNvPr id="6" name="Segnaposto piè di pagina 5"/>
-          <p:cNvSpPr>
-            <a:spLocks noGrp="1"/>
-          </p:cNvSpPr>
-          <p:nvPr>
-            <p:ph type="ftr" sz="quarter" idx="11"/>
-          </p:nvPr>
-        </p:nvSpPr>
-        <p:spPr/>
-        <p:txBody>
-          <a:bodyPr/>
-          <a:lstStyle/>
-          <a:p>
-            <a:endParaRPr lang="it-IT"/>
-          </a:p>
-        </p:txBody>
-      </p:sp>
-      <p:sp>
-        <p:nvSpPr>
-          <p:cNvPr id="7" name="Segnaposto numero diapositiva 6"/>
-          <p:cNvSpPr>
-            <a:spLocks noGrp="1"/>
-          </p:cNvSpPr>
-          <p:nvPr>
-            <p:ph type="sldNum" sz="quarter" idx="12"/>
-          </p:nvPr>
-        </p:nvSpPr>
-        <p:spPr/>
-        <p:txBody>
-          <a:bodyPr/>
-          <a:lstStyle/>
-          <a:p>
-            <a:fld id="{21C8327F-6B7B-470F-AF34-A7A7C757AC5C}" type="slidenum">
-              <a:rPr lang="it-IT" smtClean="0"/>
-              <a:pPr/>
-              <a:t>‹N›</a:t>
-            </a:fld>
-            <a:endParaRPr lang="it-IT"/>
+          <a:bodyPr vert="horz" wrap="square" lIns="91440" tIns="45720" rIns="91440" bIns="45720" anchor="t" compatLnSpc="1"/>
+          <a:lstStyle/>
+          <a:p>
+            <a:pPr marL="0" algn="l" rtl="0" eaLnBrk="1" latinLnBrk="0" hangingPunct="1"/>
+            <a:endParaRPr kumimoji="0" lang="en-US">
+              <a:solidFill>
+                <a:schemeClr val="tx1"/>
+              </a:solidFill>
+              <a:latin typeface="+mn-lt"/>
+              <a:ea typeface="+mn-ea"/>
+              <a:cs typeface="+mn-cs"/>
+            </a:endParaRPr>
+          </a:p>
+        </p:txBody>
+      </p:sp>
+      <p:sp>
+        <p:nvSpPr>
+          <p:cNvPr id="11" name="Figura a mano libera 10"/>
+          <p:cNvSpPr>
+            <a:spLocks/>
+          </p:cNvSpPr>
+          <p:nvPr/>
+        </p:nvSpPr>
+        <p:spPr bwMode="auto">
+          <a:xfrm flipV="1">
+            <a:off x="4381500" y="6219825"/>
+            <a:ext cx="4762500" cy="638175"/>
+          </a:xfrm>
+          <a:custGeom>
+            <a:avLst>
+              <a:gd name="A1" fmla="val 0"/>
+              <a:gd name="A2" fmla="val 0"/>
+              <a:gd name="A3" fmla="val 0"/>
+              <a:gd name="A4" fmla="val 0"/>
+              <a:gd name="A5" fmla="val 0"/>
+              <a:gd name="A6" fmla="val 0"/>
+              <a:gd name="A7" fmla="val 0"/>
+              <a:gd name="A8" fmla="val 0"/>
+            </a:avLst>
+            <a:gdLst/>
+            <a:ahLst/>
+            <a:cxnLst>
+              <a:cxn ang="0">
+                <a:pos x="0" y="0"/>
+              </a:cxn>
+              <a:cxn ang="0">
+                <a:pos x="1668" y="564"/>
+              </a:cxn>
+              <a:cxn ang="0">
+                <a:pos x="3000" y="186"/>
+              </a:cxn>
+              <a:cxn ang="0">
+                <a:pos x="3000" y="6"/>
+              </a:cxn>
+              <a:cxn ang="0">
+                <a:pos x="0" y="0"/>
+              </a:cxn>
+            </a:cxnLst>
+            <a:rect l="0" t="0" r="0" b="0"/>
+            <a:pathLst>
+              <a:path w="3000" h="595">
+                <a:moveTo>
+                  <a:pt x="0" y="0"/>
+                </a:moveTo>
+                <a:cubicBezTo>
+                  <a:pt x="174" y="102"/>
+                  <a:pt x="1168" y="533"/>
+                  <a:pt x="1668" y="564"/>
+                </a:cubicBezTo>
+                <a:cubicBezTo>
+                  <a:pt x="2168" y="595"/>
+                  <a:pt x="2778" y="279"/>
+                  <a:pt x="3000" y="186"/>
+                </a:cubicBezTo>
+                <a:lnTo>
+                  <a:pt x="3000" y="6"/>
+                </a:lnTo>
+                <a:lnTo>
+                  <a:pt x="0" y="0"/>
+                </a:lnTo>
+                <a:close/>
+              </a:path>
+            </a:pathLst>
+          </a:custGeom>
+          <a:gradFill>
+            <a:gsLst>
+              <a:gs pos="0">
+                <a:schemeClr val="accent3">
+                  <a:shade val="50000"/>
+                  <a:alpha val="30000"/>
+                  <a:satMod val="130000"/>
+                </a:schemeClr>
+              </a:gs>
+              <a:gs pos="80000">
+                <a:schemeClr val="accent2">
+                  <a:shade val="75000"/>
+                  <a:alpha val="45000"/>
+                  <a:satMod val="140000"/>
+                </a:schemeClr>
+              </a:gs>
+            </a:gsLst>
+            <a:lin ang="5400000" scaled="1"/>
+          </a:gradFill>
+          <a:ln w="9525" cap="flat" cmpd="sng" algn="ctr">
+            <a:noFill/>
+            <a:prstDash val="solid"/>
+            <a:round/>
+            <a:headEnd type="none" w="med" len="med"/>
+            <a:tailEnd type="none" w="med" len="med"/>
+          </a:ln>
+          <a:effectLst/>
+        </p:spPr>
+        <p:txBody>
+          <a:bodyPr vert="horz" wrap="square" lIns="91440" tIns="45720" rIns="91440" bIns="45720" anchor="t" compatLnSpc="1"/>
+          <a:lstStyle/>
+          <a:p>
+            <a:pPr marL="0" algn="l" rtl="0" eaLnBrk="1" latinLnBrk="0" hangingPunct="1"/>
+            <a:endParaRPr kumimoji="0" lang="en-US">
+              <a:solidFill>
+                <a:schemeClr val="tx1"/>
+              </a:solidFill>
+              <a:latin typeface="+mn-lt"/>
+              <a:ea typeface="+mn-ea"/>
+              <a:cs typeface="+mn-cs"/>
+            </a:endParaRPr>
           </a:p>
         </p:txBody>
       </p:sp>
@@ -2564,7 +2869,7 @@
 <p:sldMaster xmlns:a="http://schemas.openxmlformats.org/drawingml/2006/main" xmlns:r="http://schemas.openxmlformats.org/officeDocument/2006/relationships" xmlns:p="http://schemas.openxmlformats.org/presentationml/2006/main">
   <p:cSld>
     <p:bg>
-      <p:bgRef idx="1001">
+      <p:bgRef idx="1003">
         <a:schemeClr val="bg1"/>
       </p:bgRef>
     </p:bg>
@@ -2584,7 +2889,263 @@
       </p:grpSpPr>
       <p:sp>
         <p:nvSpPr>
-          <p:cNvPr id="2" name="Segnaposto titolo 1"/>
+          <p:cNvPr id="7" name="Figura a mano libera 6"/>
+          <p:cNvSpPr>
+            <a:spLocks/>
+          </p:cNvSpPr>
+          <p:nvPr/>
+        </p:nvSpPr>
+        <p:spPr bwMode="auto">
+          <a:xfrm>
+            <a:off x="-9525" y="-7144"/>
+            <a:ext cx="9163050" cy="1041400"/>
+          </a:xfrm>
+          <a:custGeom>
+            <a:avLst>
+              <a:gd name="A1" fmla="val 0"/>
+              <a:gd name="A2" fmla="val 0"/>
+              <a:gd name="A3" fmla="val 0"/>
+              <a:gd name="A4" fmla="val 0"/>
+              <a:gd name="A5" fmla="val 0"/>
+              <a:gd name="A6" fmla="val 0"/>
+              <a:gd name="A7" fmla="val 0"/>
+              <a:gd name="A8" fmla="val 0"/>
+            </a:avLst>
+            <a:gdLst/>
+            <a:ahLst/>
+            <a:cxnLst>
+              <a:cxn ang="0">
+                <a:pos x="6" y="2"/>
+              </a:cxn>
+              <a:cxn ang="0">
+                <a:pos x="2542" y="0"/>
+              </a:cxn>
+              <a:cxn ang="0">
+                <a:pos x="4374" y="367"/>
+              </a:cxn>
+              <a:cxn ang="0">
+                <a:pos x="5766" y="55"/>
+              </a:cxn>
+              <a:cxn ang="0">
+                <a:pos x="5772" y="213"/>
+              </a:cxn>
+              <a:cxn ang="0">
+                <a:pos x="4302" y="439"/>
+              </a:cxn>
+              <a:cxn ang="0">
+                <a:pos x="1488" y="201"/>
+              </a:cxn>
+              <a:cxn ang="0">
+                <a:pos x="0" y="656"/>
+              </a:cxn>
+              <a:cxn ang="0">
+                <a:pos x="6" y="2"/>
+              </a:cxn>
+            </a:cxnLst>
+            <a:rect l="0" t="0" r="0" b="0"/>
+            <a:pathLst>
+              <a:path w="5772" h="656">
+                <a:moveTo>
+                  <a:pt x="6" y="2"/>
+                </a:moveTo>
+                <a:lnTo>
+                  <a:pt x="2542" y="0"/>
+                </a:lnTo>
+                <a:cubicBezTo>
+                  <a:pt x="2746" y="101"/>
+                  <a:pt x="3828" y="367"/>
+                  <a:pt x="4374" y="367"/>
+                </a:cubicBezTo>
+                <a:cubicBezTo>
+                  <a:pt x="4920" y="367"/>
+                  <a:pt x="5526" y="152"/>
+                  <a:pt x="5766" y="55"/>
+                </a:cubicBezTo>
+                <a:lnTo>
+                  <a:pt x="5772" y="213"/>
+                </a:lnTo>
+                <a:cubicBezTo>
+                  <a:pt x="5670" y="257"/>
+                  <a:pt x="5016" y="441"/>
+                  <a:pt x="4302" y="439"/>
+                </a:cubicBezTo>
+                <a:cubicBezTo>
+                  <a:pt x="3588" y="437"/>
+                  <a:pt x="2205" y="165"/>
+                  <a:pt x="1488" y="201"/>
+                </a:cubicBezTo>
+                <a:cubicBezTo>
+                  <a:pt x="750" y="209"/>
+                  <a:pt x="270" y="482"/>
+                  <a:pt x="0" y="656"/>
+                </a:cubicBezTo>
+                <a:lnTo>
+                  <a:pt x="6" y="2"/>
+                </a:lnTo>
+                <a:close/>
+              </a:path>
+            </a:pathLst>
+          </a:custGeom>
+          <a:gradFill>
+            <a:gsLst>
+              <a:gs pos="0">
+                <a:schemeClr val="accent2">
+                  <a:shade val="50000"/>
+                  <a:alpha val="45000"/>
+                  <a:satMod val="120000"/>
+                </a:schemeClr>
+              </a:gs>
+              <a:gs pos="100000">
+                <a:schemeClr val="accent3">
+                  <a:shade val="80000"/>
+                  <a:alpha val="55000"/>
+                  <a:satMod val="155000"/>
+                </a:schemeClr>
+              </a:gs>
+            </a:gsLst>
+            <a:lin ang="5400000" scaled="1"/>
+          </a:gradFill>
+          <a:ln w="9525" cap="flat" cmpd="sng" algn="ctr">
+            <a:noFill/>
+            <a:prstDash val="solid"/>
+            <a:round/>
+            <a:headEnd type="none" w="med" len="med"/>
+            <a:tailEnd type="none" w="med" len="med"/>
+          </a:ln>
+          <a:effectLst/>
+        </p:spPr>
+        <p:txBody>
+          <a:bodyPr vert="horz" wrap="square" lIns="91440" tIns="45720" rIns="91440" bIns="45720" anchor="t" compatLnSpc="1"/>
+          <a:lstStyle/>
+          <a:p>
+            <a:pPr marL="0" algn="l" rtl="0" eaLnBrk="1" latinLnBrk="0" hangingPunct="1"/>
+            <a:endParaRPr kumimoji="0" lang="en-US">
+              <a:solidFill>
+                <a:schemeClr val="tx1"/>
+              </a:solidFill>
+              <a:latin typeface="+mn-lt"/>
+              <a:ea typeface="+mn-ea"/>
+              <a:cs typeface="+mn-cs"/>
+            </a:endParaRPr>
+          </a:p>
+        </p:txBody>
+      </p:sp>
+      <p:sp>
+        <p:nvSpPr>
+          <p:cNvPr id="8" name="Figura a mano libera 7"/>
+          <p:cNvSpPr>
+            <a:spLocks/>
+          </p:cNvSpPr>
+          <p:nvPr/>
+        </p:nvSpPr>
+        <p:spPr bwMode="auto">
+          <a:xfrm>
+            <a:off x="4381500" y="-7144"/>
+            <a:ext cx="4762500" cy="638175"/>
+          </a:xfrm>
+          <a:custGeom>
+            <a:avLst>
+              <a:gd name="A1" fmla="val 0"/>
+              <a:gd name="A2" fmla="val 0"/>
+              <a:gd name="A3" fmla="val 0"/>
+              <a:gd name="A4" fmla="val 0"/>
+              <a:gd name="A5" fmla="val 0"/>
+              <a:gd name="A6" fmla="val 0"/>
+              <a:gd name="A7" fmla="val 0"/>
+              <a:gd name="A8" fmla="val 0"/>
+            </a:avLst>
+            <a:gdLst/>
+            <a:ahLst/>
+            <a:cxnLst>
+              <a:cxn ang="0">
+                <a:pos x="0" y="0"/>
+              </a:cxn>
+              <a:cxn ang="0">
+                <a:pos x="1668" y="564"/>
+              </a:cxn>
+              <a:cxn ang="0">
+                <a:pos x="3000" y="186"/>
+              </a:cxn>
+              <a:cxn ang="0">
+                <a:pos x="3000" y="6"/>
+              </a:cxn>
+              <a:cxn ang="0">
+                <a:pos x="0" y="0"/>
+              </a:cxn>
+            </a:cxnLst>
+            <a:rect l="0" t="0" r="0" b="0"/>
+            <a:pathLst>
+              <a:path w="3000" h="595">
+                <a:moveTo>
+                  <a:pt x="0" y="0"/>
+                </a:moveTo>
+                <a:cubicBezTo>
+                  <a:pt x="174" y="102"/>
+                  <a:pt x="1168" y="533"/>
+                  <a:pt x="1668" y="564"/>
+                </a:cubicBezTo>
+                <a:cubicBezTo>
+                  <a:pt x="2168" y="595"/>
+                  <a:pt x="2778" y="279"/>
+                  <a:pt x="3000" y="186"/>
+                </a:cubicBezTo>
+                <a:lnTo>
+                  <a:pt x="3000" y="6"/>
+                </a:lnTo>
+                <a:lnTo>
+                  <a:pt x="0" y="0"/>
+                </a:lnTo>
+                <a:close/>
+              </a:path>
+            </a:pathLst>
+          </a:custGeom>
+          <a:gradFill>
+            <a:gsLst>
+              <a:gs pos="0">
+                <a:schemeClr val="accent3">
+                  <a:shade val="50000"/>
+                  <a:alpha val="30000"/>
+                  <a:satMod val="130000"/>
+                </a:schemeClr>
+              </a:gs>
+              <a:gs pos="80000">
+                <a:schemeClr val="accent2">
+                  <a:shade val="75000"/>
+                  <a:alpha val="45000"/>
+                  <a:satMod val="140000"/>
+                </a:schemeClr>
+              </a:gs>
+            </a:gsLst>
+            <a:lin ang="5400000" scaled="1"/>
+          </a:gradFill>
+          <a:ln w="9525" cap="flat" cmpd="sng" algn="ctr">
+            <a:noFill/>
+            <a:prstDash val="solid"/>
+            <a:round/>
+            <a:headEnd type="none" w="med" len="med"/>
+            <a:tailEnd type="none" w="med" len="med"/>
+          </a:ln>
+          <a:effectLst/>
+        </p:spPr>
+        <p:txBody>
+          <a:bodyPr vert="horz" wrap="square" lIns="91440" tIns="45720" rIns="91440" bIns="45720" anchor="t" compatLnSpc="1"/>
+          <a:lstStyle/>
+          <a:p>
+            <a:pPr marL="0" algn="l" rtl="0" eaLnBrk="1" latinLnBrk="0" hangingPunct="1"/>
+            <a:endParaRPr kumimoji="0" lang="en-US">
+              <a:solidFill>
+                <a:schemeClr val="tx1"/>
+              </a:solidFill>
+              <a:latin typeface="+mn-lt"/>
+              <a:ea typeface="+mn-ea"/>
+              <a:cs typeface="+mn-cs"/>
+            </a:endParaRPr>
+          </a:p>
+        </p:txBody>
+      </p:sp>
+      <p:sp>
+        <p:nvSpPr>
+          <p:cNvPr id="9" name="Segnaposto titolo 8"/>
           <p:cNvSpPr>
             <a:spLocks noGrp="1"/>
           </p:cNvSpPr>
@@ -2594,7 +3155,7 @@
         </p:nvSpPr>
         <p:spPr>
           <a:xfrm>
-            <a:off x="457200" y="274638"/>
+            <a:off x="457200" y="704088"/>
             <a:ext cx="8229600" cy="1143000"/>
           </a:xfrm>
           <a:prstGeom prst="rect">
@@ -2602,22 +3163,22 @@
           </a:prstGeom>
         </p:spPr>
         <p:txBody>
-          <a:bodyPr vert="horz" lIns="91440" tIns="45720" rIns="91440" bIns="45720" rtlCol="0" anchor="ctr">
+          <a:bodyPr vert="horz" lIns="0" rIns="0" bIns="0" anchor="b">
             <a:normAutofit/>
           </a:bodyPr>
           <a:lstStyle/>
           <a:p>
             <a:r>
-              <a:rPr lang="it-IT" smtClean="0"/>
+              <a:rPr kumimoji="0" lang="it-IT" smtClean="0"/>
               <a:t>Fare clic per modificare lo stile del titolo</a:t>
             </a:r>
-            <a:endParaRPr lang="it-IT"/>
-          </a:p>
-        </p:txBody>
-      </p:sp>
-      <p:sp>
-        <p:nvSpPr>
-          <p:cNvPr id="3" name="Segnaposto testo 2"/>
+            <a:endParaRPr kumimoji="0" lang="en-US"/>
+          </a:p>
+        </p:txBody>
+      </p:sp>
+      <p:sp>
+        <p:nvSpPr>
+          <p:cNvPr id="30" name="Segnaposto testo 29"/>
           <p:cNvSpPr>
             <a:spLocks noGrp="1"/>
           </p:cNvSpPr>
@@ -2627,59 +3188,59 @@
         </p:nvSpPr>
         <p:spPr>
           <a:xfrm>
-            <a:off x="457200" y="1600200"/>
-            <a:ext cx="8229600" cy="4525963"/>
+            <a:off x="457200" y="1935480"/>
+            <a:ext cx="8229600" cy="4389120"/>
           </a:xfrm>
           <a:prstGeom prst="rect">
             <a:avLst/>
           </a:prstGeom>
         </p:spPr>
         <p:txBody>
-          <a:bodyPr vert="horz" lIns="91440" tIns="45720" rIns="91440" bIns="45720" rtlCol="0">
+          <a:bodyPr vert="horz">
             <a:normAutofit/>
           </a:bodyPr>
           <a:lstStyle/>
           <a:p>
-            <a:pPr lvl="0"/>
-            <a:r>
-              <a:rPr lang="it-IT" smtClean="0"/>
+            <a:pPr lvl="0" eaLnBrk="1" latinLnBrk="0" hangingPunct="1"/>
+            <a:r>
+              <a:rPr kumimoji="0" lang="it-IT" smtClean="0"/>
               <a:t>Fare clic per modificare stili del testo dello schema</a:t>
             </a:r>
           </a:p>
           <a:p>
-            <a:pPr lvl="1"/>
-            <a:r>
-              <a:rPr lang="it-IT" smtClean="0"/>
+            <a:pPr lvl="1" eaLnBrk="1" latinLnBrk="0" hangingPunct="1"/>
+            <a:r>
+              <a:rPr kumimoji="0" lang="it-IT" smtClean="0"/>
               <a:t>Secondo livello</a:t>
             </a:r>
           </a:p>
           <a:p>
-            <a:pPr lvl="2"/>
-            <a:r>
-              <a:rPr lang="it-IT" smtClean="0"/>
+            <a:pPr lvl="2" eaLnBrk="1" latinLnBrk="0" hangingPunct="1"/>
+            <a:r>
+              <a:rPr kumimoji="0" lang="it-IT" smtClean="0"/>
               <a:t>Terzo livello</a:t>
             </a:r>
           </a:p>
           <a:p>
-            <a:pPr lvl="3"/>
-            <a:r>
-              <a:rPr lang="it-IT" smtClean="0"/>
+            <a:pPr lvl="3" eaLnBrk="1" latinLnBrk="0" hangingPunct="1"/>
+            <a:r>
+              <a:rPr kumimoji="0" lang="it-IT" smtClean="0"/>
               <a:t>Quarto livello</a:t>
             </a:r>
           </a:p>
           <a:p>
-            <a:pPr lvl="4"/>
-            <a:r>
-              <a:rPr lang="it-IT" smtClean="0"/>
+            <a:pPr lvl="4" eaLnBrk="1" latinLnBrk="0" hangingPunct="1"/>
+            <a:r>
+              <a:rPr kumimoji="0" lang="it-IT" smtClean="0"/>
               <a:t>Quinto livello</a:t>
             </a:r>
-            <a:endParaRPr lang="it-IT"/>
-          </a:p>
-        </p:txBody>
-      </p:sp>
-      <p:sp>
-        <p:nvSpPr>
-          <p:cNvPr id="4" name="Segnaposto data 3"/>
+            <a:endParaRPr kumimoji="0" lang="en-US"/>
+          </a:p>
+        </p:txBody>
+      </p:sp>
+      <p:sp>
+        <p:nvSpPr>
+          <p:cNvPr id="10" name="Segnaposto data 9"/>
           <p:cNvSpPr>
             <a:spLocks noGrp="1"/>
           </p:cNvSpPr>
@@ -2697,13 +3258,13 @@
           </a:prstGeom>
         </p:spPr>
         <p:txBody>
-          <a:bodyPr vert="horz" lIns="91440" tIns="45720" rIns="91440" bIns="45720" rtlCol="0" anchor="ctr"/>
+          <a:bodyPr vert="horz" lIns="0" tIns="0" rIns="0" bIns="0" anchor="b"/>
           <a:lstStyle>
-            <a:lvl1pPr algn="l">
-              <a:defRPr sz="1200">
+            <a:lvl1pPr algn="l" eaLnBrk="1" latinLnBrk="0" hangingPunct="1">
+              <a:defRPr kumimoji="0" sz="1200">
                 <a:solidFill>
-                  <a:schemeClr val="tx1">
-                    <a:tint val="75000"/>
+                  <a:schemeClr val="tx2">
+                    <a:shade val="90000"/>
                   </a:schemeClr>
                 </a:solidFill>
               </a:defRPr>
@@ -2713,7 +3274,7 @@
             <a:fld id="{4A42198D-A78B-4550-9FFD-73D8C9F3F53C}" type="datetimeFigureOut">
               <a:rPr lang="it-IT" smtClean="0"/>
               <a:pPr/>
-              <a:t>14/07/2011</a:t>
+              <a:t>16/07/2011</a:t>
             </a:fld>
             <a:endParaRPr lang="it-IT"/>
           </a:p>
@@ -2721,7 +3282,7 @@
       </p:sp>
       <p:sp>
         <p:nvSpPr>
-          <p:cNvPr id="5" name="Segnaposto piè di pagina 4"/>
+          <p:cNvPr id="22" name="Segnaposto piè di pagina 21"/>
           <p:cNvSpPr>
             <a:spLocks noGrp="1"/>
           </p:cNvSpPr>
@@ -2731,21 +3292,21 @@
         </p:nvSpPr>
         <p:spPr>
           <a:xfrm>
-            <a:off x="3124200" y="6356350"/>
-            <a:ext cx="2895600" cy="365125"/>
+            <a:off x="2667000" y="6356350"/>
+            <a:ext cx="3352800" cy="365125"/>
           </a:xfrm>
           <a:prstGeom prst="rect">
             <a:avLst/>
           </a:prstGeom>
         </p:spPr>
         <p:txBody>
-          <a:bodyPr vert="horz" lIns="91440" tIns="45720" rIns="91440" bIns="45720" rtlCol="0" anchor="ctr"/>
+          <a:bodyPr vert="horz" lIns="0" tIns="0" rIns="0" bIns="0" anchor="b"/>
           <a:lstStyle>
-            <a:lvl1pPr algn="ctr">
-              <a:defRPr sz="1200">
+            <a:lvl1pPr algn="l" eaLnBrk="1" latinLnBrk="0" hangingPunct="1">
+              <a:defRPr kumimoji="0" sz="1200">
                 <a:solidFill>
-                  <a:schemeClr val="tx1">
-                    <a:tint val="75000"/>
+                  <a:schemeClr val="tx2">
+                    <a:shade val="90000"/>
                   </a:schemeClr>
                 </a:solidFill>
               </a:defRPr>
@@ -2758,7 +3319,7 @@
       </p:sp>
       <p:sp>
         <p:nvSpPr>
-          <p:cNvPr id="6" name="Segnaposto numero diapositiva 5"/>
+          <p:cNvPr id="18" name="Segnaposto numero diapositiva 17"/>
           <p:cNvSpPr>
             <a:spLocks noGrp="1"/>
           </p:cNvSpPr>
@@ -2768,21 +3329,21 @@
         </p:nvSpPr>
         <p:spPr>
           <a:xfrm>
-            <a:off x="6553200" y="6356350"/>
-            <a:ext cx="2133600" cy="365125"/>
+            <a:off x="7924800" y="6356350"/>
+            <a:ext cx="762000" cy="365125"/>
           </a:xfrm>
           <a:prstGeom prst="rect">
             <a:avLst/>
           </a:prstGeom>
         </p:spPr>
         <p:txBody>
-          <a:bodyPr vert="horz" lIns="91440" tIns="45720" rIns="91440" bIns="45720" rtlCol="0" anchor="ctr"/>
+          <a:bodyPr vert="horz" lIns="0" tIns="0" rIns="0" bIns="0" anchor="b"/>
           <a:lstStyle>
-            <a:lvl1pPr algn="r">
-              <a:defRPr sz="1200">
+            <a:lvl1pPr algn="r" eaLnBrk="1" latinLnBrk="0" hangingPunct="1">
+              <a:defRPr kumimoji="0" sz="1200">
                 <a:solidFill>
-                  <a:schemeClr val="tx1">
-                    <a:tint val="75000"/>
+                  <a:schemeClr val="tx2">
+                    <a:shade val="90000"/>
                   </a:schemeClr>
                 </a:solidFill>
               </a:defRPr>
@@ -2798,33 +3359,251 @@
           </a:p>
         </p:txBody>
       </p:sp>
+      <p:grpSp>
+        <p:nvGrpSpPr>
+          <p:cNvPr id="2" name="Gruppo 1"/>
+          <p:cNvGrpSpPr/>
+          <p:nvPr/>
+        </p:nvGrpSpPr>
+        <p:grpSpPr>
+          <a:xfrm>
+            <a:off x="-19017" y="202408"/>
+            <a:ext cx="9180548" cy="649224"/>
+            <a:chOff x="-19045" y="216550"/>
+            <a:chExt cx="9180548" cy="649224"/>
+          </a:xfrm>
+        </p:grpSpPr>
+        <p:sp>
+          <p:nvSpPr>
+            <p:cNvPr id="12" name="Figura a mano libera 11"/>
+            <p:cNvSpPr>
+              <a:spLocks/>
+            </p:cNvSpPr>
+            <p:nvPr/>
+          </p:nvSpPr>
+          <p:spPr bwMode="auto">
+            <a:xfrm rot="21435692">
+              <a:off x="-19045" y="216550"/>
+              <a:ext cx="9163050" cy="649224"/>
+            </a:xfrm>
+            <a:custGeom>
+              <a:avLst>
+                <a:gd name="A1" fmla="val 0"/>
+                <a:gd name="A2" fmla="val 0"/>
+                <a:gd name="A3" fmla="val 0"/>
+                <a:gd name="A4" fmla="val 0"/>
+                <a:gd name="A5" fmla="val 0"/>
+                <a:gd name="A6" fmla="val 0"/>
+                <a:gd name="A7" fmla="val 0"/>
+                <a:gd name="A8" fmla="val 0"/>
+              </a:avLst>
+              <a:gdLst/>
+              <a:ahLst/>
+              <a:cxnLst>
+                <a:cxn ang="0">
+                  <a:pos x="0" y="966"/>
+                </a:cxn>
+                <a:cxn ang="0">
+                  <a:pos x="1608" y="282"/>
+                </a:cxn>
+                <a:cxn ang="0">
+                  <a:pos x="4110" y="1008"/>
+                </a:cxn>
+                <a:cxn ang="0">
+                  <a:pos x="5772" y="0"/>
+                </a:cxn>
+              </a:cxnLst>
+              <a:rect l="0" t="0" r="0" b="0"/>
+              <a:pathLst>
+                <a:path w="5772" h="1055">
+                  <a:moveTo>
+                    <a:pt x="0" y="966"/>
+                  </a:moveTo>
+                  <a:cubicBezTo>
+                    <a:pt x="282" y="738"/>
+                    <a:pt x="923" y="275"/>
+                    <a:pt x="1608" y="282"/>
+                  </a:cubicBezTo>
+                  <a:cubicBezTo>
+                    <a:pt x="2293" y="289"/>
+                    <a:pt x="3416" y="1055"/>
+                    <a:pt x="4110" y="1008"/>
+                  </a:cubicBezTo>
+                  <a:cubicBezTo>
+                    <a:pt x="4804" y="961"/>
+                    <a:pt x="5426" y="210"/>
+                    <a:pt x="5772" y="0"/>
+                  </a:cubicBezTo>
+                </a:path>
+              </a:pathLst>
+            </a:custGeom>
+            <a:noFill/>
+            <a:ln w="10795" cap="flat" cmpd="sng" algn="ctr">
+              <a:gradFill>
+                <a:gsLst>
+                  <a:gs pos="74000">
+                    <a:schemeClr val="accent3">
+                      <a:shade val="75000"/>
+                    </a:schemeClr>
+                  </a:gs>
+                  <a:gs pos="86000">
+                    <a:schemeClr val="tx1">
+                      <a:alpha val="29000"/>
+                    </a:schemeClr>
+                  </a:gs>
+                  <a:gs pos="16000">
+                    <a:schemeClr val="accent2">
+                      <a:shade val="75000"/>
+                      <a:alpha val="56000"/>
+                    </a:schemeClr>
+                  </a:gs>
+                </a:gsLst>
+                <a:lin ang="5400000" scaled="1"/>
+              </a:gradFill>
+              <a:prstDash val="solid"/>
+              <a:round/>
+              <a:headEnd type="none" w="med" len="med"/>
+              <a:tailEnd type="none" w="med" len="med"/>
+            </a:ln>
+            <a:effectLst/>
+          </p:spPr>
+          <p:txBody>
+            <a:bodyPr vert="horz" wrap="square" lIns="91440" tIns="45720" rIns="91440" bIns="45720" anchor="t" compatLnSpc="1"/>
+            <a:lstStyle/>
+            <a:p>
+              <a:endParaRPr kumimoji="0" lang="en-US"/>
+            </a:p>
+          </p:txBody>
+        </p:sp>
+        <p:sp>
+          <p:nvSpPr>
+            <p:cNvPr id="13" name="Figura a mano libera 12"/>
+            <p:cNvSpPr>
+              <a:spLocks/>
+            </p:cNvSpPr>
+            <p:nvPr/>
+          </p:nvSpPr>
+          <p:spPr bwMode="auto">
+            <a:xfrm rot="21435692">
+              <a:off x="-14309" y="290003"/>
+              <a:ext cx="9175812" cy="530352"/>
+            </a:xfrm>
+            <a:custGeom>
+              <a:avLst>
+                <a:gd name="A1" fmla="val 0"/>
+                <a:gd name="A2" fmla="val 0"/>
+                <a:gd name="A3" fmla="val 0"/>
+                <a:gd name="A4" fmla="val 0"/>
+                <a:gd name="A5" fmla="val 0"/>
+                <a:gd name="A6" fmla="val 0"/>
+                <a:gd name="A7" fmla="val 0"/>
+                <a:gd name="A8" fmla="val 0"/>
+              </a:avLst>
+              <a:gdLst/>
+              <a:ahLst/>
+              <a:cxnLst>
+                <a:cxn ang="0">
+                  <a:pos x="0" y="732"/>
+                </a:cxn>
+                <a:cxn ang="0">
+                  <a:pos x="1638" y="228"/>
+                </a:cxn>
+                <a:cxn ang="0">
+                  <a:pos x="4122" y="816"/>
+                </a:cxn>
+                <a:cxn ang="0">
+                  <a:pos x="5766" y="0"/>
+                </a:cxn>
+              </a:cxnLst>
+              <a:rect l="0" t="0" r="0" b="0"/>
+              <a:pathLst>
+                <a:path w="5766" h="854">
+                  <a:moveTo>
+                    <a:pt x="0" y="732"/>
+                  </a:moveTo>
+                  <a:cubicBezTo>
+                    <a:pt x="273" y="647"/>
+                    <a:pt x="951" y="214"/>
+                    <a:pt x="1638" y="228"/>
+                  </a:cubicBezTo>
+                  <a:cubicBezTo>
+                    <a:pt x="2325" y="242"/>
+                    <a:pt x="3434" y="854"/>
+                    <a:pt x="4122" y="816"/>
+                  </a:cubicBezTo>
+                  <a:cubicBezTo>
+                    <a:pt x="4810" y="778"/>
+                    <a:pt x="5424" y="170"/>
+                    <a:pt x="5766" y="0"/>
+                  </a:cubicBezTo>
+                </a:path>
+              </a:pathLst>
+            </a:custGeom>
+            <a:noFill/>
+            <a:ln w="9525" cap="flat" cmpd="sng" algn="ctr">
+              <a:gradFill>
+                <a:gsLst>
+                  <a:gs pos="74000">
+                    <a:schemeClr val="accent4"/>
+                  </a:gs>
+                  <a:gs pos="44000">
+                    <a:schemeClr val="accent1"/>
+                  </a:gs>
+                  <a:gs pos="33000">
+                    <a:schemeClr val="accent2">
+                      <a:alpha val="56000"/>
+                    </a:schemeClr>
+                  </a:gs>
+                </a:gsLst>
+                <a:lin ang="5400000" scaled="1"/>
+              </a:gradFill>
+              <a:prstDash val="solid"/>
+              <a:round/>
+              <a:headEnd type="none" w="med" len="med"/>
+              <a:tailEnd type="none" w="med" len="med"/>
+            </a:ln>
+            <a:effectLst/>
+          </p:spPr>
+          <p:txBody>
+            <a:bodyPr vert="horz" wrap="square" lIns="91440" tIns="45720" rIns="91440" bIns="45720" anchor="t" compatLnSpc="1"/>
+            <a:lstStyle/>
+            <a:p>
+              <a:endParaRPr kumimoji="0" lang="en-US"/>
+            </a:p>
+          </p:txBody>
+        </p:sp>
+      </p:grpSp>
     </p:spTree>
   </p:cSld>
   <p:clrMap bg1="lt1" tx1="dk1" bg2="lt2" tx2="dk2" accent1="accent1" accent2="accent2" accent3="accent3" accent4="accent4" accent5="accent5" accent6="accent6" hlink="hlink" folHlink="folHlink"/>
   <p:sldLayoutIdLst>
-    <p:sldLayoutId id="2147483697" r:id="rId1"/>
-    <p:sldLayoutId id="2147483698" r:id="rId2"/>
-    <p:sldLayoutId id="2147483699" r:id="rId3"/>
-    <p:sldLayoutId id="2147483700" r:id="rId4"/>
-    <p:sldLayoutId id="2147483701" r:id="rId5"/>
-    <p:sldLayoutId id="2147483702" r:id="rId6"/>
-    <p:sldLayoutId id="2147483703" r:id="rId7"/>
-    <p:sldLayoutId id="2147483704" r:id="rId8"/>
-    <p:sldLayoutId id="2147483705" r:id="rId9"/>
-    <p:sldLayoutId id="2147483706" r:id="rId10"/>
-    <p:sldLayoutId id="2147483707" r:id="rId11"/>
+    <p:sldLayoutId id="2147483709" r:id="rId1"/>
+    <p:sldLayoutId id="2147483710" r:id="rId2"/>
+    <p:sldLayoutId id="2147483711" r:id="rId3"/>
+    <p:sldLayoutId id="2147483712" r:id="rId4"/>
+    <p:sldLayoutId id="2147483713" r:id="rId5"/>
+    <p:sldLayoutId id="2147483714" r:id="rId6"/>
+    <p:sldLayoutId id="2147483715" r:id="rId7"/>
+    <p:sldLayoutId id="2147483716" r:id="rId8"/>
+    <p:sldLayoutId id="2147483717" r:id="rId9"/>
+    <p:sldLayoutId id="2147483718" r:id="rId10"/>
+    <p:sldLayoutId id="2147483719" r:id="rId11"/>
   </p:sldLayoutIdLst>
   <p:txStyles>
     <p:titleStyle>
-      <a:lvl1pPr algn="ctr" defTabSz="914400" rtl="0" eaLnBrk="1" latinLnBrk="0" hangingPunct="1">
+      <a:lvl1pPr algn="l" rtl="0" eaLnBrk="1" latinLnBrk="0" hangingPunct="1">
         <a:spcBef>
           <a:spcPct val="0"/>
         </a:spcBef>
         <a:buNone/>
-        <a:defRPr sz="4400" kern="1200">
+        <a:defRPr kumimoji="0" sz="5000" b="0" kern="1200">
+          <a:ln>
+            <a:noFill/>
+          </a:ln>
           <a:solidFill>
-            <a:schemeClr val="tx1"/>
+            <a:schemeClr val="tx2"/>
           </a:solidFill>
+          <a:effectLst/>
           <a:latin typeface="+mj-lt"/>
           <a:ea typeface="+mj-ea"/>
           <a:cs typeface="+mj-cs"/>
@@ -2832,13 +3611,17 @@
       </a:lvl1pPr>
     </p:titleStyle>
     <p:bodyStyle>
-      <a:lvl1pPr marL="342900" indent="-342900" algn="l" defTabSz="914400" rtl="0" eaLnBrk="1" latinLnBrk="0" hangingPunct="1">
+      <a:lvl1pPr marL="274320" indent="-274320" algn="l" rtl="0" eaLnBrk="1" latinLnBrk="0" hangingPunct="1">
         <a:spcBef>
           <a:spcPct val="20000"/>
         </a:spcBef>
-        <a:buFont typeface="Arial" pitchFamily="34" charset="0"/>
-        <a:buChar char="•"/>
-        <a:defRPr sz="3200" kern="1200">
+        <a:buClr>
+          <a:schemeClr val="accent3"/>
+        </a:buClr>
+        <a:buSzPct val="95000"/>
+        <a:buFont typeface="Wingdings 2"/>
+        <a:buChar char=""/>
+        <a:defRPr kumimoji="0" sz="2600" kern="1200">
           <a:solidFill>
             <a:schemeClr val="tx1"/>
           </a:solidFill>
@@ -2847,13 +3630,17 @@
           <a:cs typeface="+mn-cs"/>
         </a:defRPr>
       </a:lvl1pPr>
-      <a:lvl2pPr marL="742950" indent="-285750" algn="l" defTabSz="914400" rtl="0" eaLnBrk="1" latinLnBrk="0" hangingPunct="1">
+      <a:lvl2pPr marL="640080" indent="-246888" algn="l" rtl="0" eaLnBrk="1" latinLnBrk="0" hangingPunct="1">
         <a:spcBef>
           <a:spcPct val="20000"/>
         </a:spcBef>
-        <a:buFont typeface="Arial" pitchFamily="34" charset="0"/>
-        <a:buChar char="–"/>
-        <a:defRPr sz="2800" kern="1200">
+        <a:buClr>
+          <a:schemeClr val="accent1"/>
+        </a:buClr>
+        <a:buSzPct val="85000"/>
+        <a:buFont typeface="Wingdings 2"/>
+        <a:buChar char=""/>
+        <a:defRPr kumimoji="0" sz="2400" kern="1200">
           <a:solidFill>
             <a:schemeClr val="tx1"/>
           </a:solidFill>
@@ -2862,13 +3649,17 @@
           <a:cs typeface="+mn-cs"/>
         </a:defRPr>
       </a:lvl2pPr>
-      <a:lvl3pPr marL="1143000" indent="-228600" algn="l" defTabSz="914400" rtl="0" eaLnBrk="1" latinLnBrk="0" hangingPunct="1">
+      <a:lvl3pPr marL="914400" indent="-246888" algn="l" rtl="0" eaLnBrk="1" latinLnBrk="0" hangingPunct="1">
         <a:spcBef>
           <a:spcPct val="20000"/>
         </a:spcBef>
-        <a:buFont typeface="Arial" pitchFamily="34" charset="0"/>
-        <a:buChar char="•"/>
-        <a:defRPr sz="2400" kern="1200">
+        <a:buClr>
+          <a:schemeClr val="accent2"/>
+        </a:buClr>
+        <a:buSzPct val="70000"/>
+        <a:buFont typeface="Wingdings 2"/>
+        <a:buChar char=""/>
+        <a:defRPr kumimoji="0" sz="2100" kern="1200">
           <a:solidFill>
             <a:schemeClr val="tx1"/>
           </a:solidFill>
@@ -2877,13 +3668,17 @@
           <a:cs typeface="+mn-cs"/>
         </a:defRPr>
       </a:lvl3pPr>
-      <a:lvl4pPr marL="1600200" indent="-228600" algn="l" defTabSz="914400" rtl="0" eaLnBrk="1" latinLnBrk="0" hangingPunct="1">
+      <a:lvl4pPr marL="1188720" indent="-210312" algn="l" rtl="0" eaLnBrk="1" latinLnBrk="0" hangingPunct="1">
         <a:spcBef>
           <a:spcPct val="20000"/>
         </a:spcBef>
-        <a:buFont typeface="Arial" pitchFamily="34" charset="0"/>
-        <a:buChar char="–"/>
-        <a:defRPr sz="2000" kern="1200">
+        <a:buClr>
+          <a:schemeClr val="accent3"/>
+        </a:buClr>
+        <a:buSzPct val="65000"/>
+        <a:buFont typeface="Wingdings 2"/>
+        <a:buChar char=""/>
+        <a:defRPr kumimoji="0" sz="2000" kern="1200">
           <a:solidFill>
             <a:schemeClr val="tx1"/>
           </a:solidFill>
@@ -2892,13 +3687,17 @@
           <a:cs typeface="+mn-cs"/>
         </a:defRPr>
       </a:lvl4pPr>
-      <a:lvl5pPr marL="2057400" indent="-228600" algn="l" defTabSz="914400" rtl="0" eaLnBrk="1" latinLnBrk="0" hangingPunct="1">
+      <a:lvl5pPr marL="1463040" indent="-210312" algn="l" rtl="0" eaLnBrk="1" latinLnBrk="0" hangingPunct="1">
         <a:spcBef>
           <a:spcPct val="20000"/>
         </a:spcBef>
-        <a:buFont typeface="Arial" pitchFamily="34" charset="0"/>
-        <a:buChar char="»"/>
-        <a:defRPr sz="2000" kern="1200">
+        <a:buClr>
+          <a:schemeClr val="accent4"/>
+        </a:buClr>
+        <a:buSzPct val="65000"/>
+        <a:buFont typeface="Wingdings 2"/>
+        <a:buChar char=""/>
+        <a:defRPr kumimoji="0" sz="2000" kern="1200">
           <a:solidFill>
             <a:schemeClr val="tx1"/>
           </a:solidFill>
@@ -2907,13 +3706,17 @@
           <a:cs typeface="+mn-cs"/>
         </a:defRPr>
       </a:lvl5pPr>
-      <a:lvl6pPr marL="2514600" indent="-228600" algn="l" defTabSz="914400" rtl="0" eaLnBrk="1" latinLnBrk="0" hangingPunct="1">
+      <a:lvl6pPr marL="1737360" indent="-210312" algn="l" rtl="0" eaLnBrk="1" latinLnBrk="0" hangingPunct="1">
         <a:spcBef>
           <a:spcPct val="20000"/>
         </a:spcBef>
-        <a:buFont typeface="Arial" pitchFamily="34" charset="0"/>
-        <a:buChar char="•"/>
-        <a:defRPr sz="2000" kern="1200">
+        <a:buClr>
+          <a:schemeClr val="accent5"/>
+        </a:buClr>
+        <a:buSzPct val="80000"/>
+        <a:buFont typeface="Wingdings 2"/>
+        <a:buChar char=""/>
+        <a:defRPr kumimoji="0" sz="1800" kern="1200">
           <a:solidFill>
             <a:schemeClr val="tx1"/>
           </a:solidFill>
@@ -2922,13 +3725,17 @@
           <a:cs typeface="+mn-cs"/>
         </a:defRPr>
       </a:lvl6pPr>
-      <a:lvl7pPr marL="2971800" indent="-228600" algn="l" defTabSz="914400" rtl="0" eaLnBrk="1" latinLnBrk="0" hangingPunct="1">
+      <a:lvl7pPr marL="1920240" indent="-182880" algn="l" rtl="0" eaLnBrk="1" latinLnBrk="0" hangingPunct="1">
         <a:spcBef>
           <a:spcPct val="20000"/>
         </a:spcBef>
-        <a:buFont typeface="Arial" pitchFamily="34" charset="0"/>
-        <a:buChar char="•"/>
-        <a:defRPr sz="2000" kern="1200">
+        <a:buClr>
+          <a:schemeClr val="accent6"/>
+        </a:buClr>
+        <a:buSzPct val="80000"/>
+        <a:buFont typeface="Wingdings 2"/>
+        <a:buChar char=""/>
+        <a:defRPr kumimoji="0" sz="1600" kern="1200" baseline="0">
           <a:solidFill>
             <a:schemeClr val="tx1"/>
           </a:solidFill>
@@ -2937,13 +3744,15 @@
           <a:cs typeface="+mn-cs"/>
         </a:defRPr>
       </a:lvl7pPr>
-      <a:lvl8pPr marL="3429000" indent="-228600" algn="l" defTabSz="914400" rtl="0" eaLnBrk="1" latinLnBrk="0" hangingPunct="1">
+      <a:lvl8pPr marL="2194560" indent="-182880" algn="l" rtl="0" eaLnBrk="1" latinLnBrk="0" hangingPunct="1">
         <a:spcBef>
           <a:spcPct val="20000"/>
         </a:spcBef>
-        <a:buFont typeface="Arial" pitchFamily="34" charset="0"/>
+        <a:buClr>
+          <a:schemeClr val="tx2"/>
+        </a:buClr>
         <a:buChar char="•"/>
-        <a:defRPr sz="2000" kern="1200">
+        <a:defRPr kumimoji="0" sz="1600" kern="1200">
           <a:solidFill>
             <a:schemeClr val="tx1"/>
           </a:solidFill>
@@ -2952,13 +3761,16 @@
           <a:cs typeface="+mn-cs"/>
         </a:defRPr>
       </a:lvl8pPr>
-      <a:lvl9pPr marL="3886200" indent="-228600" algn="l" defTabSz="914400" rtl="0" eaLnBrk="1" latinLnBrk="0" hangingPunct="1">
+      <a:lvl9pPr marL="2468880" indent="-182880" algn="l" rtl="0" eaLnBrk="1" latinLnBrk="0" hangingPunct="1">
         <a:spcBef>
           <a:spcPct val="20000"/>
         </a:spcBef>
-        <a:buFont typeface="Arial" pitchFamily="34" charset="0"/>
+        <a:buClr>
+          <a:schemeClr val="tx2"/>
+        </a:buClr>
+        <a:buFontTx/>
         <a:buChar char="•"/>
-        <a:defRPr sz="2000" kern="1200">
+        <a:defRPr kumimoji="0" sz="1400" kern="1200" baseline="0">
           <a:solidFill>
             <a:schemeClr val="tx1"/>
           </a:solidFill>
@@ -2969,11 +3781,8 @@
       </a:lvl9pPr>
     </p:bodyStyle>
     <p:otherStyle>
-      <a:defPPr>
-        <a:defRPr lang="it-IT"/>
-      </a:defPPr>
-      <a:lvl1pPr marL="0" algn="l" defTabSz="914400" rtl="0" eaLnBrk="1" latinLnBrk="0" hangingPunct="1">
-        <a:defRPr sz="1800" kern="1200">
+      <a:lvl1pPr marL="0" algn="l" rtl="0" eaLnBrk="1" latinLnBrk="0" hangingPunct="1">
+        <a:defRPr kumimoji="0" kern="1200">
           <a:solidFill>
             <a:schemeClr val="tx1"/>
           </a:solidFill>
@@ -2982,8 +3791,8 @@
           <a:cs typeface="+mn-cs"/>
         </a:defRPr>
       </a:lvl1pPr>
-      <a:lvl2pPr marL="457200" algn="l" defTabSz="914400" rtl="0" eaLnBrk="1" latinLnBrk="0" hangingPunct="1">
-        <a:defRPr sz="1800" kern="1200">
+      <a:lvl2pPr marL="457200" algn="l" rtl="0" eaLnBrk="1" latinLnBrk="0" hangingPunct="1">
+        <a:defRPr kumimoji="0" kern="1200">
           <a:solidFill>
             <a:schemeClr val="tx1"/>
           </a:solidFill>
@@ -2992,8 +3801,8 @@
           <a:cs typeface="+mn-cs"/>
         </a:defRPr>
       </a:lvl2pPr>
-      <a:lvl3pPr marL="914400" algn="l" defTabSz="914400" rtl="0" eaLnBrk="1" latinLnBrk="0" hangingPunct="1">
-        <a:defRPr sz="1800" kern="1200">
+      <a:lvl3pPr marL="914400" algn="l" rtl="0" eaLnBrk="1" latinLnBrk="0" hangingPunct="1">
+        <a:defRPr kumimoji="0" kern="1200">
           <a:solidFill>
             <a:schemeClr val="tx1"/>
           </a:solidFill>
@@ -3002,8 +3811,8 @@
           <a:cs typeface="+mn-cs"/>
         </a:defRPr>
       </a:lvl3pPr>
-      <a:lvl4pPr marL="1371600" algn="l" defTabSz="914400" rtl="0" eaLnBrk="1" latinLnBrk="0" hangingPunct="1">
-        <a:defRPr sz="1800" kern="1200">
+      <a:lvl4pPr marL="1371600" algn="l" rtl="0" eaLnBrk="1" latinLnBrk="0" hangingPunct="1">
+        <a:defRPr kumimoji="0" kern="1200">
           <a:solidFill>
             <a:schemeClr val="tx1"/>
           </a:solidFill>
@@ -3012,8 +3821,8 @@
           <a:cs typeface="+mn-cs"/>
         </a:defRPr>
       </a:lvl4pPr>
-      <a:lvl5pPr marL="1828800" algn="l" defTabSz="914400" rtl="0" eaLnBrk="1" latinLnBrk="0" hangingPunct="1">
-        <a:defRPr sz="1800" kern="1200">
+      <a:lvl5pPr marL="1828800" algn="l" rtl="0" eaLnBrk="1" latinLnBrk="0" hangingPunct="1">
+        <a:defRPr kumimoji="0" kern="1200">
           <a:solidFill>
             <a:schemeClr val="tx1"/>
           </a:solidFill>
@@ -3022,8 +3831,8 @@
           <a:cs typeface="+mn-cs"/>
         </a:defRPr>
       </a:lvl5pPr>
-      <a:lvl6pPr marL="2286000" algn="l" defTabSz="914400" rtl="0" eaLnBrk="1" latinLnBrk="0" hangingPunct="1">
-        <a:defRPr sz="1800" kern="1200">
+      <a:lvl6pPr marL="2286000" algn="l" rtl="0" eaLnBrk="1" latinLnBrk="0" hangingPunct="1">
+        <a:defRPr kumimoji="0" kern="1200">
           <a:solidFill>
             <a:schemeClr val="tx1"/>
           </a:solidFill>
@@ -3032,8 +3841,8 @@
           <a:cs typeface="+mn-cs"/>
         </a:defRPr>
       </a:lvl6pPr>
-      <a:lvl7pPr marL="2743200" algn="l" defTabSz="914400" rtl="0" eaLnBrk="1" latinLnBrk="0" hangingPunct="1">
-        <a:defRPr sz="1800" kern="1200">
+      <a:lvl7pPr marL="2743200" algn="l" rtl="0" eaLnBrk="1" latinLnBrk="0" hangingPunct="1">
+        <a:defRPr kumimoji="0" kern="1200">
           <a:solidFill>
             <a:schemeClr val="tx1"/>
           </a:solidFill>
@@ -3042,8 +3851,8 @@
           <a:cs typeface="+mn-cs"/>
         </a:defRPr>
       </a:lvl7pPr>
-      <a:lvl8pPr marL="3200400" algn="l" defTabSz="914400" rtl="0" eaLnBrk="1" latinLnBrk="0" hangingPunct="1">
-        <a:defRPr sz="1800" kern="1200">
+      <a:lvl8pPr marL="3200400" algn="l" rtl="0" eaLnBrk="1" latinLnBrk="0" hangingPunct="1">
+        <a:defRPr kumimoji="0" kern="1200">
           <a:solidFill>
             <a:schemeClr val="tx1"/>
           </a:solidFill>
@@ -3052,8 +3861,8 @@
           <a:cs typeface="+mn-cs"/>
         </a:defRPr>
       </a:lvl8pPr>
-      <a:lvl9pPr marL="3657600" algn="l" defTabSz="914400" rtl="0" eaLnBrk="1" latinLnBrk="0" hangingPunct="1">
-        <a:defRPr sz="1800" kern="1200">
+      <a:lvl9pPr marL="3657600" algn="l" rtl="0" eaLnBrk="1" latinLnBrk="0" hangingPunct="1">
+        <a:defRPr kumimoji="0" kern="1200">
           <a:solidFill>
             <a:schemeClr val="tx1"/>
           </a:solidFill>
@@ -3132,7 +3941,7 @@
         </p:spPr>
         <p:txBody>
           <a:bodyPr>
-            <a:normAutofit fontScale="70000" lnSpcReduction="20000"/>
+            <a:normAutofit fontScale="85000" lnSpcReduction="10000"/>
           </a:bodyPr>
           <a:lstStyle/>
           <a:p>
@@ -3456,16 +4265,14 @@
         </p:nvSpPr>
         <p:spPr/>
         <p:txBody>
-          <a:bodyPr/>
-          <a:lstStyle/>
-          <a:p>
-            <a:r>
-              <a:rPr lang="it-IT" dirty="0" smtClean="0"/>
-              <a:t>Prime estensioni: </a:t>
-            </a:r>
-            <a:r>
-              <a:rPr lang="it-IT" dirty="0" err="1" smtClean="0"/>
-              <a:t>BusyWait</a:t>
+          <a:bodyPr>
+            <a:normAutofit fontScale="90000"/>
+          </a:bodyPr>
+          <a:lstStyle/>
+          <a:p>
+            <a:r>
+              <a:rPr lang="it-IT" dirty="0" smtClean="0"/>
+              <a:t>Uno scheduler EDF per java Real-Time</a:t>
             </a:r>
             <a:endParaRPr lang="it-IT" dirty="0"/>
           </a:p>
@@ -3484,80 +4291,145 @@
         <p:spPr/>
         <p:txBody>
           <a:bodyPr>
-            <a:normAutofit fontScale="77500" lnSpcReduction="20000"/>
+            <a:normAutofit fontScale="70000" lnSpcReduction="20000"/>
           </a:bodyPr>
           <a:lstStyle/>
           <a:p>
             <a:r>
               <a:rPr lang="it-IT" dirty="0" smtClean="0"/>
-              <a:t>Necessità di modellare l’esecuzione di lunghezza desiderata</a:t>
-            </a:r>
-          </a:p>
-          <a:p>
-            <a:r>
-              <a:rPr lang="it-IT" dirty="0" smtClean="0"/>
-              <a:t>Non si può usare sospensione perché il thread può subire </a:t>
-            </a:r>
-            <a:r>
-              <a:rPr lang="it-IT" dirty="0" err="1" smtClean="0"/>
-              <a:t>preeemption</a:t>
-            </a:r>
-            <a:r>
-              <a:rPr lang="it-IT" dirty="0" smtClean="0"/>
-              <a:t> ed il tempo va comunque avanti</a:t>
-            </a:r>
-          </a:p>
-          <a:p>
-            <a:r>
-              <a:rPr lang="it-IT" dirty="0" smtClean="0"/>
-              <a:t>Occorre occupare la cpu per un tempo desiderato con </a:t>
-            </a:r>
-            <a:r>
-              <a:rPr lang="it-IT" dirty="0" smtClean="0"/>
-              <a:t>operazione di nessuna utilità</a:t>
+              <a:t>Lo scheduler pone in esecuzione il thread che ha la deadline più imminente. Lo scheduler è pensato per un sistema monoprocessore, </a:t>
+            </a:r>
+            <a:r>
+              <a:rPr lang="it-IT" dirty="0" err="1" smtClean="0"/>
+              <a:t>sepur</a:t>
+            </a:r>
+            <a:r>
+              <a:rPr lang="it-IT" dirty="0" smtClean="0"/>
+              <a:t> è stato pensato per esser facilmente esteso al caso multiprocessore</a:t>
+            </a:r>
+          </a:p>
+          <a:p>
+            <a:r>
+              <a:rPr lang="it-IT" dirty="0" smtClean="0"/>
+              <a:t>Tiene i processi pronti in una coda a bassa priorità ordinati per deadline</a:t>
+            </a:r>
+          </a:p>
+          <a:p>
+            <a:r>
+              <a:rPr lang="it-IT" dirty="0" smtClean="0"/>
+              <a:t>Quattro livelli di priorità</a:t>
+            </a:r>
+          </a:p>
+          <a:p>
+            <a:pPr marL="971550" lvl="1" indent="-514350">
+              <a:buFont typeface="+mj-lt"/>
+              <a:buAutoNum type="arabicPeriod"/>
+            </a:pPr>
+            <a:r>
+              <a:rPr lang="it-IT" dirty="0" smtClean="0"/>
+              <a:t>Scheduler </a:t>
+            </a:r>
+            <a:r>
+              <a:rPr lang="it-IT" dirty="0" err="1" smtClean="0"/>
+              <a:t>priority</a:t>
+            </a:r>
+            <a:endParaRPr lang="it-IT" dirty="0" smtClean="0"/>
+          </a:p>
+          <a:p>
+            <a:pPr marL="971550" lvl="1" indent="-514350">
+              <a:buFont typeface="+mj-lt"/>
+              <a:buAutoNum type="arabicPeriod"/>
+            </a:pPr>
+            <a:r>
+              <a:rPr lang="it-IT" dirty="0" smtClean="0"/>
+              <a:t>Handler </a:t>
+            </a:r>
+            <a:r>
+              <a:rPr lang="it-IT" dirty="0" err="1" smtClean="0"/>
+              <a:t>priority</a:t>
+            </a:r>
+            <a:endParaRPr lang="it-IT" dirty="0" smtClean="0"/>
+          </a:p>
+          <a:p>
+            <a:pPr marL="971550" lvl="1" indent="-514350">
+              <a:buFont typeface="+mj-lt"/>
+              <a:buAutoNum type="arabicPeriod"/>
+            </a:pPr>
+            <a:r>
+              <a:rPr lang="it-IT" dirty="0" err="1" smtClean="0"/>
+              <a:t>excecutingPriority</a:t>
+            </a:r>
+            <a:endParaRPr lang="it-IT" dirty="0" smtClean="0"/>
+          </a:p>
+          <a:p>
+            <a:pPr marL="971550" lvl="1" indent="-514350">
+              <a:buFont typeface="+mj-lt"/>
+              <a:buAutoNum type="arabicPeriod"/>
+            </a:pPr>
+            <a:r>
+              <a:rPr lang="it-IT" dirty="0" err="1" smtClean="0"/>
+              <a:t>Ready</a:t>
             </a:r>
             <a:r>
               <a:rPr lang="it-IT" dirty="0" smtClean="0"/>
               <a:t> </a:t>
             </a:r>
-          </a:p>
-          <a:p>
-            <a:r>
-              <a:rPr lang="it-IT" dirty="0" smtClean="0"/>
-              <a:t>Il componente deve essere riutilizzabile su sistemi con capacità computazionali diverse</a:t>
+            <a:r>
+              <a:rPr lang="it-IT" dirty="0" err="1" smtClean="0"/>
+              <a:t>Priority</a:t>
             </a:r>
             <a:endParaRPr lang="it-IT" dirty="0" smtClean="0"/>
           </a:p>
           <a:p>
-            <a:r>
-              <a:rPr lang="it-IT" dirty="0" smtClean="0"/>
-              <a:t>Prima di poter essere utilizzato va inizializzato in </a:t>
-            </a:r>
-            <a:r>
-              <a:rPr lang="it-IT" dirty="0" smtClean="0"/>
-              <a:t>modo </a:t>
-            </a:r>
-            <a:r>
-              <a:rPr lang="it-IT" dirty="0" smtClean="0"/>
-              <a:t>che calcoli un </a:t>
-            </a:r>
-            <a:r>
-              <a:rPr lang="it-IT" dirty="0" smtClean="0"/>
-              <a:t>valore che esprime quante iterazioni il sistema è in grado di eseguire in certo lasso di tempo.</a:t>
-            </a:r>
-          </a:p>
-          <a:p>
-            <a:r>
-              <a:rPr lang="it-IT" dirty="0" smtClean="0"/>
-              <a:t>Dualmente, si ricava il numero di iterazioni necessarie per eseguire una </a:t>
-            </a:r>
-            <a:r>
-              <a:rPr lang="it-IT" dirty="0" err="1" smtClean="0"/>
-              <a:t>busyWait</a:t>
-            </a:r>
-            <a:r>
-              <a:rPr lang="it-IT" dirty="0" smtClean="0"/>
-              <a:t> di durata desiderata</a:t>
+            <a:pPr marL="571500" indent="-514350"/>
+            <a:r>
+              <a:rPr lang="it-IT" dirty="0" smtClean="0"/>
+              <a:t>I processi eseguono un prologo ed un epilogo a priorità massima</a:t>
+            </a:r>
+          </a:p>
+          <a:p>
+            <a:pPr marL="971550" lvl="1" indent="-514350"/>
+            <a:r>
+              <a:rPr lang="it-IT" dirty="0" smtClean="0"/>
+              <a:t>Il prologo calcola la prossima </a:t>
+            </a:r>
+            <a:r>
+              <a:rPr lang="it-IT" dirty="0" err="1" smtClean="0"/>
+              <a:t>dedline</a:t>
+            </a:r>
+            <a:r>
+              <a:rPr lang="it-IT" dirty="0" smtClean="0"/>
+              <a:t> ed inserisce il thread nella coda dei processi pronti o lo pone in esecuzione</a:t>
+            </a:r>
+          </a:p>
+          <a:p>
+            <a:pPr marL="971550" lvl="1" indent="-514350"/>
+            <a:r>
+              <a:rPr lang="it-IT" dirty="0" smtClean="0"/>
+              <a:t>L’epilogo pone il thread a priorità massima perché non subisca preemption al prossimo avvio e mette in esecuzione il primo thread della coda</a:t>
+            </a:r>
+          </a:p>
+          <a:p>
+            <a:pPr marL="571500" indent="-514350"/>
+            <a:r>
+              <a:rPr lang="it-IT" dirty="0" smtClean="0"/>
+              <a:t>Grazie a </a:t>
+            </a:r>
+            <a:r>
+              <a:rPr lang="it-IT" dirty="0" err="1" smtClean="0"/>
+              <a:t>priority</a:t>
+            </a:r>
+            <a:r>
+              <a:rPr lang="it-IT" dirty="0" smtClean="0"/>
+              <a:t> </a:t>
+            </a:r>
+            <a:r>
+              <a:rPr lang="it-IT" dirty="0" err="1" smtClean="0"/>
+              <a:t>inherintance</a:t>
+            </a:r>
+            <a:r>
+              <a:rPr lang="it-IT" dirty="0" smtClean="0"/>
+              <a:t> scheduler robusto anche in caso di blocco su accesso a risorse condivise da parte del processo in esecuzione</a:t>
             </a:r>
           </a:p>
         </p:txBody>
@@ -3606,271 +4478,6 @@
         </p:nvSpPr>
         <p:spPr/>
         <p:txBody>
-          <a:bodyPr/>
-          <a:lstStyle/>
-          <a:p>
-            <a:r>
-              <a:rPr lang="it-IT" dirty="0" smtClean="0"/>
-              <a:t>Prime estensioni: </a:t>
-            </a:r>
-            <a:r>
-              <a:rPr lang="it-IT" dirty="0" err="1" smtClean="0"/>
-              <a:t>logging</a:t>
-            </a:r>
-            <a:endParaRPr lang="it-IT" dirty="0"/>
-          </a:p>
-        </p:txBody>
-      </p:sp>
-      <p:sp>
-        <p:nvSpPr>
-          <p:cNvPr id="3" name="Segnaposto contenuto 2"/>
-          <p:cNvSpPr>
-            <a:spLocks noGrp="1"/>
-          </p:cNvSpPr>
-          <p:nvPr>
-            <p:ph idx="1"/>
-          </p:nvPr>
-        </p:nvSpPr>
-        <p:spPr/>
-        <p:txBody>
-          <a:bodyPr>
-            <a:normAutofit lnSpcReduction="10000"/>
-          </a:bodyPr>
-          <a:lstStyle/>
-          <a:p>
-            <a:r>
-              <a:rPr lang="it-IT" dirty="0" smtClean="0"/>
-              <a:t>Necessità di monitorare l’attività delle varie entità durate l’esecuzione, senza incorrere in rallentamenti e problemi di sincronizzazione</a:t>
-            </a:r>
-          </a:p>
-          <a:p>
-            <a:r>
-              <a:rPr lang="it-IT" dirty="0" smtClean="0"/>
-              <a:t>Una zona di memoria riservata per ogni entità</a:t>
-            </a:r>
-          </a:p>
-          <a:p>
-            <a:r>
-              <a:rPr lang="it-IT" dirty="0" smtClean="0"/>
-              <a:t>Le scritture </a:t>
-            </a:r>
-            <a:r>
-              <a:rPr lang="it-IT" dirty="0" smtClean="0"/>
-              <a:t>sono </a:t>
-            </a:r>
-            <a:r>
-              <a:rPr lang="it-IT" dirty="0" smtClean="0"/>
-              <a:t>il più rapide e sintetiche possibile</a:t>
-            </a:r>
-          </a:p>
-          <a:p>
-            <a:r>
-              <a:rPr lang="it-IT" dirty="0" smtClean="0"/>
-              <a:t>A fine dell’esecuzione una serie di utility permettono di unire i fari log e fornire un risultato </a:t>
-            </a:r>
-            <a:r>
-              <a:rPr lang="it-IT" dirty="0" smtClean="0"/>
-              <a:t>in forma </a:t>
-            </a:r>
-            <a:r>
-              <a:rPr lang="it-IT" dirty="0" err="1" smtClean="0"/>
-              <a:t>user-</a:t>
-            </a:r>
-            <a:r>
-              <a:rPr lang="it-IT" dirty="0" smtClean="0"/>
-              <a:t> </a:t>
-            </a:r>
-            <a:r>
-              <a:rPr lang="it-IT" dirty="0" err="1" smtClean="0"/>
-              <a:t>friendly</a:t>
-            </a:r>
-            <a:endParaRPr lang="it-IT" dirty="0"/>
-          </a:p>
-        </p:txBody>
-      </p:sp>
-    </p:spTree>
-  </p:cSld>
-  <p:clrMapOvr>
-    <a:masterClrMapping/>
-  </p:clrMapOvr>
-  <p:timing>
-    <p:tnLst>
-      <p:par>
-        <p:cTn id="1" dur="indefinite" restart="never" nodeType="tmRoot"/>
-      </p:par>
-    </p:tnLst>
-  </p:timing>
-</p:sld>
-</file>
-
-<file path=ppt/slides/slide12.xml><?xml version="1.0" encoding="utf-8"?>
-<p:sld xmlns:a="http://schemas.openxmlformats.org/drawingml/2006/main" xmlns:r="http://schemas.openxmlformats.org/officeDocument/2006/relationships" xmlns:p="http://schemas.openxmlformats.org/presentationml/2006/main">
-  <p:cSld>
-    <p:spTree>
-      <p:nvGrpSpPr>
-        <p:cNvPr id="1" name=""/>
-        <p:cNvGrpSpPr/>
-        <p:nvPr/>
-      </p:nvGrpSpPr>
-      <p:grpSpPr>
-        <a:xfrm>
-          <a:off x="0" y="0"/>
-          <a:ext cx="0" cy="0"/>
-          <a:chOff x="0" y="0"/>
-          <a:chExt cx="0" cy="0"/>
-        </a:xfrm>
-      </p:grpSpPr>
-      <p:sp>
-        <p:nvSpPr>
-          <p:cNvPr id="2" name="Titolo 1"/>
-          <p:cNvSpPr>
-            <a:spLocks noGrp="1"/>
-          </p:cNvSpPr>
-          <p:nvPr>
-            <p:ph type="title"/>
-          </p:nvPr>
-        </p:nvSpPr>
-        <p:spPr/>
-        <p:txBody>
-          <a:bodyPr>
-            <a:normAutofit/>
-          </a:bodyPr>
-          <a:lstStyle/>
-          <a:p>
-            <a:r>
-              <a:rPr lang="it-IT" dirty="0" smtClean="0"/>
-              <a:t>Lo scheduling in Java </a:t>
-            </a:r>
-            <a:r>
-              <a:rPr lang="it-IT" dirty="0" err="1" smtClean="0"/>
-              <a:t>Real</a:t>
-            </a:r>
-            <a:r>
-              <a:rPr lang="it-IT" dirty="0" smtClean="0"/>
-              <a:t> - </a:t>
-            </a:r>
-            <a:r>
-              <a:rPr lang="it-IT" dirty="0" err="1" smtClean="0"/>
-              <a:t>Time</a:t>
-            </a:r>
-            <a:endParaRPr lang="it-IT" dirty="0"/>
-          </a:p>
-        </p:txBody>
-      </p:sp>
-      <p:sp>
-        <p:nvSpPr>
-          <p:cNvPr id="3" name="Segnaposto contenuto 2"/>
-          <p:cNvSpPr>
-            <a:spLocks noGrp="1"/>
-          </p:cNvSpPr>
-          <p:nvPr>
-            <p:ph idx="1"/>
-          </p:nvPr>
-        </p:nvSpPr>
-        <p:spPr/>
-        <p:txBody>
-          <a:bodyPr>
-            <a:normAutofit fontScale="92500"/>
-          </a:bodyPr>
-          <a:lstStyle/>
-          <a:p>
-            <a:r>
-              <a:rPr lang="it-IT" dirty="0" smtClean="0"/>
-              <a:t>La specifica prevede solo uno scheduler basato su priorità statica (</a:t>
-            </a:r>
-            <a:r>
-              <a:rPr lang="it-IT" dirty="0" err="1" smtClean="0"/>
-              <a:t>PriorityScheduler</a:t>
-            </a:r>
-            <a:r>
-              <a:rPr lang="it-IT" dirty="0" smtClean="0"/>
-              <a:t>)</a:t>
-            </a:r>
-          </a:p>
-          <a:p>
-            <a:r>
-              <a:rPr lang="it-IT" dirty="0" smtClean="0"/>
-              <a:t>Entra in esecuzione il thread a priorità maggiore (priorità espressa </a:t>
-            </a:r>
-            <a:r>
-              <a:rPr lang="it-IT" dirty="0" smtClean="0"/>
-              <a:t>dall’utente nei </a:t>
-            </a:r>
-            <a:r>
-              <a:rPr lang="it-IT" dirty="0" err="1" smtClean="0"/>
-              <a:t>PriorityParametres</a:t>
-            </a:r>
-            <a:r>
-              <a:rPr lang="it-IT" dirty="0" smtClean="0"/>
-              <a:t>)</a:t>
-            </a:r>
-          </a:p>
-          <a:p>
-            <a:r>
-              <a:rPr lang="it-IT" dirty="0" smtClean="0"/>
-              <a:t>RTJS implementa questa specifica mappando direttamente i thread Java nei thread di sistema.</a:t>
-            </a:r>
-          </a:p>
-          <a:p>
-            <a:pPr lvl="1"/>
-            <a:r>
-              <a:rPr lang="it-IT" dirty="0" smtClean="0"/>
-              <a:t>Di fatto</a:t>
-            </a:r>
-            <a:r>
-              <a:rPr lang="it-IT" dirty="0" smtClean="0"/>
-              <a:t>, è il sistema operativo che provvede a mettere in esecuzione il thread più prioritario</a:t>
-            </a:r>
-          </a:p>
-          <a:p>
-            <a:endParaRPr lang="it-IT" dirty="0"/>
-          </a:p>
-        </p:txBody>
-      </p:sp>
-    </p:spTree>
-  </p:cSld>
-  <p:clrMapOvr>
-    <a:masterClrMapping/>
-  </p:clrMapOvr>
-  <p:timing>
-    <p:tnLst>
-      <p:par>
-        <p:cTn id="1" dur="indefinite" restart="never" nodeType="tmRoot"/>
-      </p:par>
-    </p:tnLst>
-  </p:timing>
-</p:sld>
-</file>
-
-<file path=ppt/slides/slide13.xml><?xml version="1.0" encoding="utf-8"?>
-<p:sld xmlns:a="http://schemas.openxmlformats.org/drawingml/2006/main" xmlns:r="http://schemas.openxmlformats.org/officeDocument/2006/relationships" xmlns:p="http://schemas.openxmlformats.org/presentationml/2006/main">
-  <p:cSld>
-    <p:spTree>
-      <p:nvGrpSpPr>
-        <p:cNvPr id="1" name=""/>
-        <p:cNvGrpSpPr/>
-        <p:nvPr/>
-      </p:nvGrpSpPr>
-      <p:grpSpPr>
-        <a:xfrm>
-          <a:off x="0" y="0"/>
-          <a:ext cx="0" cy="0"/>
-          <a:chOff x="0" y="0"/>
-          <a:chExt cx="0" cy="0"/>
-        </a:xfrm>
-      </p:grpSpPr>
-      <p:sp>
-        <p:nvSpPr>
-          <p:cNvPr id="2" name="Titolo 1"/>
-          <p:cNvSpPr>
-            <a:spLocks noGrp="1"/>
-          </p:cNvSpPr>
-          <p:nvPr>
-            <p:ph type="title"/>
-          </p:nvPr>
-        </p:nvSpPr>
-        <p:spPr/>
-        <p:txBody>
           <a:bodyPr>
             <a:normAutofit fontScale="90000"/>
           </a:bodyPr>
@@ -3878,7 +4485,7 @@
           <a:p>
             <a:r>
               <a:rPr lang="it-IT" dirty="0" smtClean="0"/>
-              <a:t>Uno scheduler EDF per java Real-Time</a:t>
+              <a:t>Confronto performance tra EDF e RMPO</a:t>
             </a:r>
             <a:endParaRPr lang="it-IT" dirty="0"/>
           </a:p>
@@ -3896,242 +4503,12 @@
         </p:nvSpPr>
         <p:spPr/>
         <p:txBody>
-          <a:bodyPr>
-            <a:normAutofit fontScale="62500" lnSpcReduction="20000"/>
-          </a:bodyPr>
-          <a:lstStyle/>
-          <a:p>
-            <a:r>
-              <a:rPr lang="it-IT" dirty="0" smtClean="0"/>
-              <a:t>Lo scheduler pone in esecuzione il thread che ha la deadline più </a:t>
-            </a:r>
-            <a:r>
-              <a:rPr lang="it-IT" dirty="0" smtClean="0"/>
-              <a:t>imminente. Lo scheduler è pensato per un sistema monoprocessore, </a:t>
-            </a:r>
-            <a:r>
-              <a:rPr lang="it-IT" dirty="0" err="1" smtClean="0"/>
-              <a:t>sepur</a:t>
-            </a:r>
-            <a:r>
-              <a:rPr lang="it-IT" dirty="0" smtClean="0"/>
-              <a:t> è stato pensato per esser facilmente esteso al caso multiprocessore</a:t>
-            </a:r>
-            <a:endParaRPr lang="it-IT" dirty="0" smtClean="0"/>
-          </a:p>
-          <a:p>
-            <a:r>
-              <a:rPr lang="it-IT" dirty="0" smtClean="0"/>
-              <a:t>Tiene i processi pronti in una coda a bassa priorità ordinati per deadline</a:t>
-            </a:r>
-          </a:p>
-          <a:p>
-            <a:r>
-              <a:rPr lang="it-IT" dirty="0" smtClean="0"/>
-              <a:t>Quattro livelli di priorità</a:t>
-            </a:r>
-          </a:p>
-          <a:p>
-            <a:pPr marL="971550" lvl="1" indent="-514350">
-              <a:buFont typeface="+mj-lt"/>
-              <a:buAutoNum type="arabicPeriod"/>
-            </a:pPr>
-            <a:r>
-              <a:rPr lang="it-IT" dirty="0" smtClean="0"/>
-              <a:t>Scheduler </a:t>
-            </a:r>
-            <a:r>
-              <a:rPr lang="it-IT" dirty="0" err="1" smtClean="0"/>
-              <a:t>priority</a:t>
-            </a:r>
-            <a:endParaRPr lang="it-IT" dirty="0" smtClean="0"/>
-          </a:p>
-          <a:p>
-            <a:pPr marL="971550" lvl="1" indent="-514350">
-              <a:buFont typeface="+mj-lt"/>
-              <a:buAutoNum type="arabicPeriod"/>
-            </a:pPr>
-            <a:r>
-              <a:rPr lang="it-IT" dirty="0" smtClean="0"/>
-              <a:t>Handler </a:t>
-            </a:r>
-            <a:r>
-              <a:rPr lang="it-IT" dirty="0" err="1" smtClean="0"/>
-              <a:t>priority</a:t>
-            </a:r>
-            <a:endParaRPr lang="it-IT" dirty="0" smtClean="0"/>
-          </a:p>
-          <a:p>
-            <a:pPr marL="971550" lvl="1" indent="-514350">
-              <a:buFont typeface="+mj-lt"/>
-              <a:buAutoNum type="arabicPeriod"/>
-            </a:pPr>
-            <a:r>
-              <a:rPr lang="it-IT" dirty="0" err="1" smtClean="0"/>
-              <a:t>excecutingPriority</a:t>
-            </a:r>
-            <a:endParaRPr lang="it-IT" dirty="0" smtClean="0"/>
-          </a:p>
-          <a:p>
-            <a:pPr marL="971550" lvl="1" indent="-514350">
-              <a:buFont typeface="+mj-lt"/>
-              <a:buAutoNum type="arabicPeriod"/>
-            </a:pPr>
-            <a:r>
-              <a:rPr lang="it-IT" dirty="0" err="1" smtClean="0"/>
-              <a:t>Ready</a:t>
-            </a:r>
-            <a:r>
-              <a:rPr lang="it-IT" dirty="0" smtClean="0"/>
-              <a:t> </a:t>
-            </a:r>
-            <a:r>
-              <a:rPr lang="it-IT" dirty="0" err="1" smtClean="0"/>
-              <a:t>Priority</a:t>
-            </a:r>
-            <a:endParaRPr lang="it-IT" dirty="0" smtClean="0"/>
-          </a:p>
-          <a:p>
-            <a:pPr marL="571500" indent="-514350"/>
-            <a:r>
-              <a:rPr lang="it-IT" dirty="0" smtClean="0"/>
-              <a:t>I processi eseguono un prologo ed un epilogo a priorità massima</a:t>
-            </a:r>
-          </a:p>
-          <a:p>
-            <a:pPr marL="971550" lvl="1" indent="-514350"/>
-            <a:r>
-              <a:rPr lang="it-IT" dirty="0" smtClean="0"/>
-              <a:t>Il prologo calcola la prossima </a:t>
-            </a:r>
-            <a:r>
-              <a:rPr lang="it-IT" dirty="0" err="1" smtClean="0"/>
-              <a:t>dedline</a:t>
-            </a:r>
-            <a:r>
-              <a:rPr lang="it-IT" dirty="0" smtClean="0"/>
-              <a:t> ed inserisce il thread nella coda dei processi pronti o lo pone in esecuzione</a:t>
-            </a:r>
-          </a:p>
-          <a:p>
-            <a:pPr marL="971550" lvl="1" indent="-514350"/>
-            <a:r>
-              <a:rPr lang="it-IT" dirty="0" smtClean="0"/>
-              <a:t>L’epilogo pone il thread a priorità massima perché non subisca preemption al prossimo avvio e mette in esecuzione il primo thread della coda</a:t>
-            </a:r>
-          </a:p>
-          <a:p>
-            <a:pPr marL="571500" indent="-514350"/>
-            <a:r>
-              <a:rPr lang="it-IT" dirty="0" smtClean="0"/>
-              <a:t>Grazie a </a:t>
-            </a:r>
-            <a:r>
-              <a:rPr lang="it-IT" dirty="0" err="1" smtClean="0"/>
-              <a:t>priority</a:t>
-            </a:r>
-            <a:r>
-              <a:rPr lang="it-IT" dirty="0" smtClean="0"/>
-              <a:t> </a:t>
-            </a:r>
-            <a:r>
-              <a:rPr lang="it-IT" dirty="0" err="1" smtClean="0"/>
-              <a:t>inherintance</a:t>
-            </a:r>
-            <a:r>
-              <a:rPr lang="it-IT" dirty="0" smtClean="0"/>
-              <a:t> scheduler robusto anche in caso di blocco su accesso a risorse condivise da parte del processo in esecuzione</a:t>
-            </a:r>
-          </a:p>
-        </p:txBody>
-      </p:sp>
-    </p:spTree>
-  </p:cSld>
-  <p:clrMapOvr>
-    <a:masterClrMapping/>
-  </p:clrMapOvr>
-  <p:timing>
-    <p:tnLst>
-      <p:par>
-        <p:cTn id="1" dur="indefinite" restart="never" nodeType="tmRoot"/>
-      </p:par>
-    </p:tnLst>
-  </p:timing>
-</p:sld>
-</file>
-
-<file path=ppt/slides/slide14.xml><?xml version="1.0" encoding="utf-8"?>
-<p:sld xmlns:a="http://schemas.openxmlformats.org/drawingml/2006/main" xmlns:r="http://schemas.openxmlformats.org/officeDocument/2006/relationships" xmlns:p="http://schemas.openxmlformats.org/presentationml/2006/main">
-  <p:cSld>
-    <p:spTree>
-      <p:nvGrpSpPr>
-        <p:cNvPr id="1" name=""/>
-        <p:cNvGrpSpPr/>
-        <p:nvPr/>
-      </p:nvGrpSpPr>
-      <p:grpSpPr>
-        <a:xfrm>
-          <a:off x="0" y="0"/>
-          <a:ext cx="0" cy="0"/>
-          <a:chOff x="0" y="0"/>
-          <a:chExt cx="0" cy="0"/>
-        </a:xfrm>
-      </p:grpSpPr>
-      <p:sp>
-        <p:nvSpPr>
-          <p:cNvPr id="2" name="Titolo 1"/>
-          <p:cNvSpPr>
-            <a:spLocks noGrp="1"/>
-          </p:cNvSpPr>
-          <p:nvPr>
-            <p:ph type="title"/>
-          </p:nvPr>
-        </p:nvSpPr>
-        <p:spPr/>
-        <p:txBody>
-          <a:bodyPr>
-            <a:normAutofit fontScale="90000"/>
-          </a:bodyPr>
-          <a:lstStyle/>
-          <a:p>
-            <a:r>
-              <a:rPr lang="it-IT" dirty="0" smtClean="0"/>
-              <a:t>Confronto performance tra EDF e RMPO</a:t>
-            </a:r>
-            <a:endParaRPr lang="it-IT" dirty="0"/>
-          </a:p>
-        </p:txBody>
-      </p:sp>
-      <p:sp>
-        <p:nvSpPr>
-          <p:cNvPr id="3" name="Segnaposto contenuto 2"/>
-          <p:cNvSpPr>
-            <a:spLocks noGrp="1"/>
-          </p:cNvSpPr>
-          <p:nvPr>
-            <p:ph idx="1"/>
-          </p:nvPr>
-        </p:nvSpPr>
-        <p:spPr/>
-        <p:txBody>
           <a:bodyPr/>
           <a:lstStyle/>
           <a:p>
             <a:r>
               <a:rPr lang="it-IT" dirty="0" smtClean="0"/>
-              <a:t>Qui, al posto dei grafici delle slide metti due </a:t>
-            </a:r>
-            <a:r>
-              <a:rPr lang="it-IT" dirty="0" smtClean="0"/>
-              <a:t>belle finestre </a:t>
-            </a:r>
-            <a:r>
-              <a:rPr lang="it-IT" dirty="0" smtClean="0"/>
-              <a:t>di </a:t>
-            </a:r>
-            <a:r>
-              <a:rPr lang="it-IT" dirty="0" smtClean="0"/>
-              <a:t>TSV</a:t>
+              <a:t>Qui, al posto dei grafici delle slide metti due belle finestre di TSV</a:t>
             </a:r>
             <a:endParaRPr lang="it-IT" dirty="0"/>
           </a:p>
@@ -4244,6 +4621,330 @@
 </p:sld>
 </file>
 
+<file path=ppt/slides/slide12.xml><?xml version="1.0" encoding="utf-8"?>
+<p:sld xmlns:a="http://schemas.openxmlformats.org/drawingml/2006/main" xmlns:r="http://schemas.openxmlformats.org/officeDocument/2006/relationships" xmlns:p="http://schemas.openxmlformats.org/presentationml/2006/main">
+  <p:cSld>
+    <p:spTree>
+      <p:nvGrpSpPr>
+        <p:cNvPr id="1" name=""/>
+        <p:cNvGrpSpPr/>
+        <p:nvPr/>
+      </p:nvGrpSpPr>
+      <p:grpSpPr>
+        <a:xfrm>
+          <a:off x="0" y="0"/>
+          <a:ext cx="0" cy="0"/>
+          <a:chOff x="0" y="0"/>
+          <a:chExt cx="0" cy="0"/>
+        </a:xfrm>
+      </p:grpSpPr>
+      <p:sp>
+        <p:nvSpPr>
+          <p:cNvPr id="2" name="Titolo 1"/>
+          <p:cNvSpPr>
+            <a:spLocks noGrp="1"/>
+          </p:cNvSpPr>
+          <p:nvPr>
+            <p:ph type="title"/>
+          </p:nvPr>
+        </p:nvSpPr>
+        <p:spPr/>
+        <p:txBody>
+          <a:bodyPr/>
+          <a:lstStyle/>
+          <a:p>
+            <a:r>
+              <a:rPr lang="it-IT" dirty="0" smtClean="0"/>
+              <a:t>Gestione dei deadline miss</a:t>
+            </a:r>
+            <a:endParaRPr lang="it-IT" dirty="0"/>
+          </a:p>
+        </p:txBody>
+      </p:sp>
+      <p:sp>
+        <p:nvSpPr>
+          <p:cNvPr id="3" name="Segnaposto contenuto 2"/>
+          <p:cNvSpPr>
+            <a:spLocks noGrp="1"/>
+          </p:cNvSpPr>
+          <p:nvPr>
+            <p:ph idx="1"/>
+          </p:nvPr>
+        </p:nvSpPr>
+        <p:spPr/>
+        <p:txBody>
+          <a:bodyPr/>
+          <a:lstStyle/>
+          <a:p>
+            <a:r>
+              <a:rPr lang="it-IT" dirty="0" smtClean="0"/>
+              <a:t>I </a:t>
+            </a:r>
+            <a:r>
+              <a:rPr lang="it-IT" dirty="0" err="1" smtClean="0"/>
+              <a:t>PeriodicParameters</a:t>
+            </a:r>
+            <a:r>
+              <a:rPr lang="it-IT" dirty="0" smtClean="0"/>
+              <a:t> permettono di caratterizzare un thread periodico. Questi parametri permettono di specificare</a:t>
+            </a:r>
+          </a:p>
+          <a:p>
+            <a:pPr lvl="1"/>
+            <a:r>
+              <a:rPr lang="it-IT" dirty="0" smtClean="0"/>
+              <a:t>Periodo</a:t>
+            </a:r>
+          </a:p>
+          <a:p>
+            <a:pPr lvl="1"/>
+            <a:r>
+              <a:rPr lang="it-IT" dirty="0" smtClean="0"/>
+              <a:t>Deadline</a:t>
+            </a:r>
+          </a:p>
+          <a:p>
+            <a:pPr lvl="1"/>
+            <a:r>
+              <a:rPr lang="it-IT" dirty="0" smtClean="0"/>
+              <a:t>Gestore di deadline miss (un </a:t>
+            </a:r>
+            <a:r>
+              <a:rPr lang="it-IT" dirty="0" err="1" smtClean="0"/>
+              <a:t>AsyncEventHandler</a:t>
+            </a:r>
+            <a:r>
+              <a:rPr lang="it-IT" dirty="0" smtClean="0"/>
+              <a:t> che viene richiamato se il thread non ha terminato il job prima della deadline)</a:t>
+            </a:r>
+            <a:endParaRPr lang="it-IT" dirty="0"/>
+          </a:p>
+        </p:txBody>
+      </p:sp>
+    </p:spTree>
+  </p:cSld>
+  <p:clrMapOvr>
+    <a:masterClrMapping/>
+  </p:clrMapOvr>
+  <p:timing>
+    <p:tnLst>
+      <p:par>
+        <p:cTn id="1" dur="indefinite" restart="never" nodeType="tmRoot"/>
+      </p:par>
+    </p:tnLst>
+  </p:timing>
+</p:sld>
+</file>
+
+<file path=ppt/slides/slide13.xml><?xml version="1.0" encoding="utf-8"?>
+<p:sld xmlns:a="http://schemas.openxmlformats.org/drawingml/2006/main" xmlns:r="http://schemas.openxmlformats.org/officeDocument/2006/relationships" xmlns:p="http://schemas.openxmlformats.org/presentationml/2006/main">
+  <p:cSld>
+    <p:spTree>
+      <p:nvGrpSpPr>
+        <p:cNvPr id="1" name=""/>
+        <p:cNvGrpSpPr/>
+        <p:nvPr/>
+      </p:nvGrpSpPr>
+      <p:grpSpPr>
+        <a:xfrm>
+          <a:off x="0" y="0"/>
+          <a:ext cx="0" cy="0"/>
+          <a:chOff x="0" y="0"/>
+          <a:chExt cx="0" cy="0"/>
+        </a:xfrm>
+      </p:grpSpPr>
+      <p:sp>
+        <p:nvSpPr>
+          <p:cNvPr id="2" name="Titolo 1"/>
+          <p:cNvSpPr>
+            <a:spLocks noGrp="1"/>
+          </p:cNvSpPr>
+          <p:nvPr>
+            <p:ph type="title"/>
+          </p:nvPr>
+        </p:nvSpPr>
+        <p:spPr/>
+        <p:txBody>
+          <a:bodyPr>
+            <a:normAutofit fontScale="90000"/>
+          </a:bodyPr>
+          <a:lstStyle/>
+          <a:p>
+            <a:r>
+              <a:rPr lang="it-IT" dirty="0" smtClean="0"/>
+              <a:t>La politica di default di Java real-time in caso di deadline miss</a:t>
+            </a:r>
+            <a:endParaRPr lang="it-IT" dirty="0"/>
+          </a:p>
+        </p:txBody>
+      </p:sp>
+      <p:sp>
+        <p:nvSpPr>
+          <p:cNvPr id="3" name="Segnaposto contenuto 2"/>
+          <p:cNvSpPr>
+            <a:spLocks noGrp="1"/>
+          </p:cNvSpPr>
+          <p:nvPr>
+            <p:ph idx="1"/>
+          </p:nvPr>
+        </p:nvSpPr>
+        <p:spPr/>
+        <p:txBody>
+          <a:bodyPr>
+            <a:normAutofit/>
+          </a:bodyPr>
+          <a:lstStyle/>
+          <a:p>
+            <a:r>
+              <a:rPr lang="it-IT" dirty="0" smtClean="0"/>
+              <a:t>Se non si  specifica un handler, chiamata a </a:t>
+            </a:r>
+            <a:r>
+              <a:rPr lang="it-IT" dirty="0" err="1" smtClean="0"/>
+              <a:t>waitForNextPeriod</a:t>
+            </a:r>
+            <a:r>
+              <a:rPr lang="it-IT" dirty="0" smtClean="0"/>
+              <a:t> non bloccante.</a:t>
+            </a:r>
+          </a:p>
+          <a:p>
+            <a:r>
+              <a:rPr lang="it-IT" dirty="0" smtClean="0"/>
+              <a:t>Con un handler specificato necessità di chiamare il metodo </a:t>
+            </a:r>
+            <a:r>
+              <a:rPr lang="it-IT" dirty="0" err="1" smtClean="0"/>
+              <a:t>schedulePeriodic</a:t>
+            </a:r>
+            <a:r>
+              <a:rPr lang="it-IT" dirty="0" smtClean="0"/>
+              <a:t> sul thread</a:t>
+            </a:r>
+          </a:p>
+          <a:p>
+            <a:r>
+              <a:rPr lang="it-IT" dirty="0" smtClean="0"/>
+              <a:t>In ogni caso l’esecuzione del job non viene interrotta</a:t>
+            </a:r>
+          </a:p>
+          <a:p>
+            <a:r>
+              <a:rPr lang="it-IT" dirty="0" smtClean="0"/>
+              <a:t>Il comportamento è conforme alla politica ASAP</a:t>
+            </a:r>
+            <a:endParaRPr lang="it-IT" dirty="0"/>
+          </a:p>
+        </p:txBody>
+      </p:sp>
+    </p:spTree>
+  </p:cSld>
+  <p:clrMapOvr>
+    <a:masterClrMapping/>
+  </p:clrMapOvr>
+  <p:timing>
+    <p:tnLst>
+      <p:par>
+        <p:cTn id="1" dur="indefinite" restart="never" nodeType="tmRoot"/>
+      </p:par>
+    </p:tnLst>
+  </p:timing>
+</p:sld>
+</file>
+
+<file path=ppt/slides/slide14.xml><?xml version="1.0" encoding="utf-8"?>
+<p:sld xmlns:a="http://schemas.openxmlformats.org/drawingml/2006/main" xmlns:r="http://schemas.openxmlformats.org/officeDocument/2006/relationships" xmlns:p="http://schemas.openxmlformats.org/presentationml/2006/main">
+  <p:cSld>
+    <p:spTree>
+      <p:nvGrpSpPr>
+        <p:cNvPr id="1" name=""/>
+        <p:cNvGrpSpPr/>
+        <p:nvPr/>
+      </p:nvGrpSpPr>
+      <p:grpSpPr>
+        <a:xfrm>
+          <a:off x="0" y="0"/>
+          <a:ext cx="0" cy="0"/>
+          <a:chOff x="0" y="0"/>
+          <a:chExt cx="0" cy="0"/>
+        </a:xfrm>
+      </p:grpSpPr>
+      <p:sp>
+        <p:nvSpPr>
+          <p:cNvPr id="2" name="Titolo 1"/>
+          <p:cNvSpPr>
+            <a:spLocks noGrp="1"/>
+          </p:cNvSpPr>
+          <p:nvPr>
+            <p:ph type="title"/>
+          </p:nvPr>
+        </p:nvSpPr>
+        <p:spPr/>
+        <p:txBody>
+          <a:bodyPr/>
+          <a:lstStyle/>
+          <a:p>
+            <a:r>
+              <a:rPr lang="it-IT" dirty="0" smtClean="0"/>
+              <a:t>Limiti della politica ASAP</a:t>
+            </a:r>
+            <a:endParaRPr lang="it-IT" dirty="0"/>
+          </a:p>
+        </p:txBody>
+      </p:sp>
+      <p:sp>
+        <p:nvSpPr>
+          <p:cNvPr id="3" name="Segnaposto contenuto 2"/>
+          <p:cNvSpPr>
+            <a:spLocks noGrp="1"/>
+          </p:cNvSpPr>
+          <p:nvPr>
+            <p:ph idx="1"/>
+          </p:nvPr>
+        </p:nvSpPr>
+        <p:spPr/>
+        <p:txBody>
+          <a:bodyPr/>
+          <a:lstStyle/>
+          <a:p>
+            <a:r>
+              <a:rPr lang="it-IT" dirty="0" smtClean="0"/>
+              <a:t>Qui metti grafico per illustrare comportamento</a:t>
+            </a:r>
+          </a:p>
+          <a:p>
+            <a:endParaRPr lang="it-IT" dirty="0" smtClean="0"/>
+          </a:p>
+          <a:p>
+            <a:r>
+              <a:rPr lang="it-IT" dirty="0" smtClean="0"/>
+              <a:t>Non aiuta ad alleggerire situazioni di sovraccarico del sistema</a:t>
+            </a:r>
+          </a:p>
+          <a:p>
+            <a:r>
+              <a:rPr lang="it-IT" dirty="0" smtClean="0"/>
+              <a:t>L’esecuzione del job può durare una quantità indefinita di tempo bloccando il sistema</a:t>
+            </a:r>
+            <a:endParaRPr lang="it-IT" dirty="0"/>
+          </a:p>
+        </p:txBody>
+      </p:sp>
+    </p:spTree>
+  </p:cSld>
+  <p:clrMapOvr>
+    <a:masterClrMapping/>
+  </p:clrMapOvr>
+  <p:timing>
+    <p:tnLst>
+      <p:par>
+        <p:cTn id="1" dur="indefinite" restart="never" nodeType="tmRoot"/>
+      </p:par>
+    </p:tnLst>
+  </p:timing>
+</p:sld>
+</file>
+
 <file path=ppt/slides/slide15.xml><?xml version="1.0" encoding="utf-8"?>
 <p:sld xmlns:a="http://schemas.openxmlformats.org/drawingml/2006/main" xmlns:r="http://schemas.openxmlformats.org/officeDocument/2006/relationships" xmlns:p="http://schemas.openxmlformats.org/presentationml/2006/main">
   <p:cSld>
@@ -4273,12 +4974,18 @@
         </p:nvSpPr>
         <p:spPr/>
         <p:txBody>
-          <a:bodyPr/>
-          <a:lstStyle/>
-          <a:p>
-            <a:r>
-              <a:rPr lang="it-IT" dirty="0" smtClean="0"/>
-              <a:t>Gestione dei deadline miss</a:t>
+          <a:bodyPr>
+            <a:normAutofit fontScale="90000"/>
+          </a:bodyPr>
+          <a:lstStyle/>
+          <a:p>
+            <a:r>
+              <a:rPr lang="it-IT" dirty="0" smtClean="0"/>
+              <a:t>L’implementazione della politica </a:t>
+            </a:r>
+            <a:r>
+              <a:rPr lang="it-IT" dirty="0" err="1" smtClean="0"/>
+              <a:t>Skip</a:t>
             </a:r>
             <a:endParaRPr lang="it-IT" dirty="0"/>
           </a:p>
@@ -4296,49 +5003,51 @@
         </p:nvSpPr>
         <p:spPr/>
         <p:txBody>
-          <a:bodyPr/>
-          <a:lstStyle/>
-          <a:p>
-            <a:r>
-              <a:rPr lang="it-IT" dirty="0" smtClean="0"/>
-              <a:t>I </a:t>
-            </a:r>
-            <a:r>
-              <a:rPr lang="it-IT" dirty="0" err="1" smtClean="0"/>
-              <a:t>PeriodicParameters</a:t>
-            </a:r>
-            <a:r>
-              <a:rPr lang="it-IT" dirty="0" smtClean="0"/>
-              <a:t> permettono di caratterizzare un thread periodico. Questi parametri permettono di specificare</a:t>
-            </a:r>
-          </a:p>
-          <a:p>
-            <a:pPr lvl="1"/>
-            <a:r>
-              <a:rPr lang="it-IT" dirty="0" smtClean="0"/>
-              <a:t>Periodo</a:t>
-            </a:r>
-          </a:p>
-          <a:p>
-            <a:pPr lvl="1"/>
-            <a:r>
-              <a:rPr lang="it-IT" dirty="0" smtClean="0"/>
-              <a:t>Deadline</a:t>
-            </a:r>
-          </a:p>
-          <a:p>
-            <a:pPr lvl="1"/>
-            <a:r>
-              <a:rPr lang="it-IT" dirty="0" smtClean="0"/>
-              <a:t>Gestore di deadline miss (un </a:t>
-            </a:r>
-            <a:r>
-              <a:rPr lang="it-IT" dirty="0" err="1" smtClean="0"/>
-              <a:t>AsyncEventHandler</a:t>
-            </a:r>
-            <a:r>
-              <a:rPr lang="it-IT" dirty="0" smtClean="0"/>
-              <a:t> che viene richiamato se il thread non ha terminato il job prima della deadline)</a:t>
+          <a:bodyPr>
+            <a:normAutofit/>
+          </a:bodyPr>
+          <a:lstStyle/>
+          <a:p>
+            <a:r>
+              <a:rPr lang="it-IT" dirty="0" smtClean="0"/>
+              <a:t>La </a:t>
+            </a:r>
+            <a:r>
+              <a:rPr lang="it-IT" dirty="0" err="1" smtClean="0"/>
+              <a:t>poltica</a:t>
+            </a:r>
+            <a:r>
+              <a:rPr lang="it-IT" dirty="0" smtClean="0"/>
+              <a:t> </a:t>
+            </a:r>
+            <a:r>
+              <a:rPr lang="it-IT" dirty="0" err="1" smtClean="0"/>
+              <a:t>skip</a:t>
+            </a:r>
+            <a:r>
+              <a:rPr lang="it-IT" dirty="0" smtClean="0"/>
+              <a:t> prevede di non schedulare nessun altro job nel periodo in cui termina l’esecuzione del job che ha violato la deadline</a:t>
+            </a:r>
+          </a:p>
+          <a:p>
+            <a:r>
+              <a:rPr lang="it-IT" dirty="0" smtClean="0"/>
+              <a:t>Figura</a:t>
+            </a:r>
+          </a:p>
+          <a:p>
+            <a:endParaRPr lang="it-IT" dirty="0" smtClean="0"/>
+          </a:p>
+          <a:p>
+            <a:r>
+              <a:rPr lang="it-IT" dirty="0" smtClean="0"/>
+              <a:t>Il sistema, invece, schedulerebbe tanti job quante le deadline mancate</a:t>
+            </a:r>
+          </a:p>
+          <a:p>
+            <a:r>
+              <a:rPr lang="it-IT" dirty="0" smtClean="0"/>
+              <a:t>Si implementata questa politica per un sistema monoprocessore, con thread puramente periodici</a:t>
             </a:r>
             <a:endParaRPr lang="it-IT" dirty="0"/>
           </a:p>
@@ -4395,7 +5104,11 @@
           <a:p>
             <a:r>
               <a:rPr lang="it-IT" dirty="0" smtClean="0"/>
-              <a:t>La politica di default di Java real-time in caso di deadline miss</a:t>
+              <a:t>L’implementazione della politica </a:t>
+            </a:r>
+            <a:r>
+              <a:rPr lang="it-IT" dirty="0" err="1" smtClean="0"/>
+              <a:t>Skip</a:t>
             </a:r>
             <a:endParaRPr lang="it-IT" dirty="0"/>
           </a:p>
@@ -4414,47 +5127,69 @@
         <p:spPr/>
         <p:txBody>
           <a:bodyPr>
-            <a:normAutofit lnSpcReduction="10000"/>
+            <a:normAutofit/>
           </a:bodyPr>
           <a:lstStyle/>
           <a:p>
             <a:r>
               <a:rPr lang="it-IT" dirty="0" smtClean="0"/>
-              <a:t>Se non si  specifica un handler, chiamata a </a:t>
-            </a:r>
-            <a:r>
-              <a:rPr lang="it-IT" dirty="0" err="1" smtClean="0"/>
-              <a:t>waitForNextPeriod</a:t>
-            </a:r>
-            <a:r>
-              <a:rPr lang="it-IT" dirty="0" smtClean="0"/>
-              <a:t> non bloccante.</a:t>
-            </a:r>
-          </a:p>
-          <a:p>
-            <a:r>
-              <a:rPr lang="it-IT" dirty="0" smtClean="0"/>
-              <a:t>Con un handler specificato necessità di chiamare il metodo </a:t>
-            </a:r>
-            <a:r>
-              <a:rPr lang="it-IT" dirty="0" err="1" smtClean="0"/>
-              <a:t>schedulePeriodic</a:t>
-            </a:r>
-            <a:r>
-              <a:rPr lang="it-IT" dirty="0" smtClean="0"/>
-              <a:t> sul thread</a:t>
-            </a:r>
-          </a:p>
-          <a:p>
-            <a:r>
-              <a:rPr lang="it-IT" dirty="0" smtClean="0"/>
-              <a:t>In ogni caso l’esecuzione del job non viene interrotta</a:t>
-            </a:r>
-          </a:p>
-          <a:p>
-            <a:r>
-              <a:rPr lang="it-IT" dirty="0" smtClean="0"/>
-              <a:t>Il comportamento è conforme alla politica ASAP</a:t>
+              <a:t>Metti figura gestore e </a:t>
+            </a:r>
+            <a:r>
+              <a:rPr lang="it-IT" dirty="0" err="1" smtClean="0"/>
+              <a:t>periodicThread</a:t>
+            </a:r>
+            <a:endParaRPr lang="it-IT" dirty="0" smtClean="0"/>
+          </a:p>
+          <a:p>
+            <a:r>
+              <a:rPr lang="it-IT" dirty="0" err="1" smtClean="0"/>
+              <a:t>PeriodicThread</a:t>
+            </a:r>
+            <a:r>
+              <a:rPr lang="it-IT" dirty="0" smtClean="0"/>
+              <a:t> – Modella thread periodico</a:t>
+            </a:r>
+          </a:p>
+          <a:p>
+            <a:r>
+              <a:rPr lang="it-IT" dirty="0" err="1" smtClean="0"/>
+              <a:t>DeadlineMissHandler</a:t>
+            </a:r>
+            <a:r>
+              <a:rPr lang="it-IT" dirty="0" smtClean="0"/>
+              <a:t> – Modella handler di deadline miss</a:t>
+            </a:r>
+          </a:p>
+          <a:p>
+            <a:r>
+              <a:rPr lang="it-IT" dirty="0" err="1" smtClean="0"/>
+              <a:t>IPendingJobManager</a:t>
+            </a:r>
+            <a:r>
+              <a:rPr lang="it-IT" dirty="0" smtClean="0"/>
+              <a:t> – rappresenta il gestore dei job “di recupero”. </a:t>
+            </a:r>
+          </a:p>
+          <a:p>
+            <a:pPr lvl="1"/>
+            <a:r>
+              <a:rPr lang="it-IT" dirty="0" smtClean="0"/>
+              <a:t>Implementato dall’handler in modo che tutta la politica sia contenuto in esso</a:t>
+            </a:r>
+          </a:p>
+          <a:p>
+            <a:r>
+              <a:rPr lang="it-IT" dirty="0" smtClean="0"/>
+              <a:t>Flag </a:t>
+            </a:r>
+            <a:r>
+              <a:rPr lang="it-IT" dirty="0" err="1" smtClean="0"/>
+              <a:t>pending</a:t>
+            </a:r>
+            <a:r>
+              <a:rPr lang="it-IT" dirty="0" smtClean="0"/>
+              <a:t> mode permette al thread di distinguere tra un job normale ed uno di recupero</a:t>
             </a:r>
             <a:endParaRPr lang="it-IT" dirty="0"/>
           </a:p>
@@ -4504,50 +5239,93 @@
         </p:nvSpPr>
         <p:spPr/>
         <p:txBody>
+          <a:bodyPr>
+            <a:normAutofit fontScale="90000"/>
+          </a:bodyPr>
+          <a:lstStyle/>
+          <a:p>
+            <a:r>
+              <a:rPr lang="it-IT" dirty="0" smtClean="0"/>
+              <a:t>L’implementazione della politica </a:t>
+            </a:r>
+            <a:r>
+              <a:rPr lang="it-IT" dirty="0" err="1" smtClean="0"/>
+              <a:t>Skip</a:t>
+            </a:r>
+            <a:endParaRPr lang="it-IT" dirty="0"/>
+          </a:p>
+        </p:txBody>
+      </p:sp>
+      <p:sp>
+        <p:nvSpPr>
+          <p:cNvPr id="3" name="Segnaposto contenuto 2"/>
+          <p:cNvSpPr>
+            <a:spLocks noGrp="1"/>
+          </p:cNvSpPr>
+          <p:nvPr>
+            <p:ph idx="1"/>
+          </p:nvPr>
+        </p:nvSpPr>
+        <p:spPr/>
+        <p:txBody>
           <a:bodyPr/>
           <a:lstStyle/>
           <a:p>
             <a:r>
               <a:rPr lang="it-IT" dirty="0" smtClean="0"/>
-              <a:t>Limiti della politica ASAP</a:t>
-            </a:r>
-            <a:endParaRPr lang="it-IT" dirty="0"/>
-          </a:p>
-        </p:txBody>
-      </p:sp>
-      <p:sp>
-        <p:nvSpPr>
-          <p:cNvPr id="3" name="Segnaposto contenuto 2"/>
-          <p:cNvSpPr>
-            <a:spLocks noGrp="1"/>
-          </p:cNvSpPr>
-          <p:nvPr>
-            <p:ph idx="1"/>
-          </p:nvPr>
-        </p:nvSpPr>
-        <p:spPr/>
-        <p:txBody>
-          <a:bodyPr/>
-          <a:lstStyle/>
-          <a:p>
-            <a:r>
-              <a:rPr lang="it-IT" dirty="0" smtClean="0"/>
-              <a:t>Qui metti grafico per illustrare comportamento</a:t>
-            </a:r>
-          </a:p>
-          <a:p>
-            <a:endParaRPr lang="it-IT" dirty="0" smtClean="0"/>
-          </a:p>
-          <a:p>
-            <a:r>
-              <a:rPr lang="it-IT" dirty="0" smtClean="0"/>
-              <a:t>Non aiuta ad alleggerire situazioni di sovraccarico del sistema</a:t>
-            </a:r>
-          </a:p>
-          <a:p>
-            <a:r>
-              <a:rPr lang="it-IT" dirty="0" smtClean="0"/>
-              <a:t>L’esecuzione del job può durare una quantità indefinita di tempo bloccando il sistema</a:t>
+              <a:t>Qui metti diagramma di interazione</a:t>
+            </a:r>
+          </a:p>
+          <a:p>
+            <a:r>
+              <a:rPr lang="it-IT" dirty="0" smtClean="0"/>
+              <a:t>Quando si verifica deadline miss </a:t>
+            </a:r>
+            <a:r>
+              <a:rPr lang="it-IT" dirty="0" err="1" smtClean="0"/>
+              <a:t>handleasyncevent</a:t>
+            </a:r>
+            <a:r>
+              <a:rPr lang="it-IT" dirty="0" smtClean="0"/>
+              <a:t> mette flag a </a:t>
+            </a:r>
+            <a:r>
+              <a:rPr lang="it-IT" dirty="0" err="1" smtClean="0"/>
+              <a:t>true</a:t>
+            </a:r>
+            <a:r>
+              <a:rPr lang="it-IT" dirty="0" smtClean="0"/>
+              <a:t> e incrementa </a:t>
+            </a:r>
+            <a:r>
+              <a:rPr lang="it-IT" dirty="0" err="1" smtClean="0"/>
+              <a:t>skipCount</a:t>
+            </a:r>
+            <a:r>
+              <a:rPr lang="it-IT" dirty="0" smtClean="0"/>
+              <a:t> </a:t>
+            </a:r>
+          </a:p>
+          <a:p>
+            <a:r>
+              <a:rPr lang="it-IT" dirty="0" smtClean="0"/>
+              <a:t>Al job successivo </a:t>
+            </a:r>
+            <a:r>
+              <a:rPr lang="it-IT" dirty="0" err="1" smtClean="0"/>
+              <a:t>periodicThread</a:t>
+            </a:r>
+            <a:r>
+              <a:rPr lang="it-IT" dirty="0" smtClean="0"/>
+              <a:t> chiama </a:t>
+            </a:r>
+            <a:r>
+              <a:rPr lang="it-IT" dirty="0" err="1" smtClean="0"/>
+              <a:t>dopendigJob</a:t>
+            </a:r>
+            <a:r>
+              <a:rPr lang="it-IT" dirty="0" smtClean="0"/>
+              <a:t> che decrementa il contatore. Se questo ha raggiunto il valore zero si reimposta il flag a false </a:t>
             </a:r>
             <a:endParaRPr lang="it-IT" dirty="0"/>
           </a:p>
@@ -4558,6 +5336,13 @@
   <p:clrMapOvr>
     <a:masterClrMapping/>
   </p:clrMapOvr>
+  <p:timing>
+    <p:tnLst>
+      <p:par>
+        <p:cTn id="1" dur="indefinite" restart="never" nodeType="tmRoot"/>
+      </p:par>
+    </p:tnLst>
+  </p:timing>
 </p:sld>
 </file>
 
@@ -4590,18 +5375,12 @@
         </p:nvSpPr>
         <p:spPr/>
         <p:txBody>
-          <a:bodyPr>
-            <a:normAutofit fontScale="90000"/>
-          </a:bodyPr>
-          <a:lstStyle/>
-          <a:p>
-            <a:r>
-              <a:rPr lang="it-IT" dirty="0" smtClean="0"/>
-              <a:t>L’implementazione della politica </a:t>
-            </a:r>
-            <a:r>
-              <a:rPr lang="it-IT" dirty="0" err="1" smtClean="0"/>
-              <a:t>Skip</a:t>
+          <a:bodyPr/>
+          <a:lstStyle/>
+          <a:p>
+            <a:r>
+              <a:rPr lang="it-IT" dirty="0" smtClean="0"/>
+              <a:t>risultati</a:t>
             </a:r>
             <a:endParaRPr lang="it-IT" dirty="0"/>
           </a:p>
@@ -4619,51 +5398,20 @@
         </p:nvSpPr>
         <p:spPr/>
         <p:txBody>
-          <a:bodyPr>
-            <a:normAutofit fontScale="92500" lnSpcReduction="10000"/>
-          </a:bodyPr>
-          <a:lstStyle/>
-          <a:p>
-            <a:r>
-              <a:rPr lang="it-IT" dirty="0" smtClean="0"/>
-              <a:t>La </a:t>
-            </a:r>
-            <a:r>
-              <a:rPr lang="it-IT" dirty="0" err="1" smtClean="0"/>
-              <a:t>poltica</a:t>
-            </a:r>
-            <a:r>
-              <a:rPr lang="it-IT" dirty="0" smtClean="0"/>
-              <a:t> </a:t>
-            </a:r>
-            <a:r>
-              <a:rPr lang="it-IT" dirty="0" err="1" smtClean="0"/>
-              <a:t>skip</a:t>
-            </a:r>
-            <a:r>
-              <a:rPr lang="it-IT" dirty="0" smtClean="0"/>
-              <a:t> prevede di non schedulare nessun altro job nel periodo in cui termina l’esecuzione del job che ha violato la deadline</a:t>
-            </a:r>
-          </a:p>
-          <a:p>
-            <a:r>
-              <a:rPr lang="it-IT" dirty="0" smtClean="0"/>
-              <a:t>Figura</a:t>
-            </a:r>
-          </a:p>
-          <a:p>
-            <a:endParaRPr lang="it-IT" dirty="0" smtClean="0"/>
-          </a:p>
-          <a:p>
-            <a:r>
-              <a:rPr lang="it-IT" dirty="0" smtClean="0"/>
-              <a:t>Il sistema, invece, schedulerebbe tanti job quante le deadline mancate</a:t>
-            </a:r>
-          </a:p>
-          <a:p>
-            <a:r>
-              <a:rPr lang="it-IT" dirty="0" smtClean="0"/>
-              <a:t>Si implementata questa politica per un sistema monoprocessore, con thread puramente periodici</a:t>
+          <a:bodyPr/>
+          <a:lstStyle/>
+          <a:p>
+            <a:r>
+              <a:rPr lang="it-IT" dirty="0" smtClean="0"/>
+              <a:t>Metti grafico comparato con </a:t>
+            </a:r>
+            <a:r>
+              <a:rPr lang="it-IT" dirty="0" err="1" smtClean="0"/>
+              <a:t>asap</a:t>
+            </a:r>
+            <a:r>
+              <a:rPr lang="it-IT" dirty="0" smtClean="0"/>
+              <a:t> per fare vedere che saltando i job non c’è effetto domino</a:t>
             </a:r>
             <a:endParaRPr lang="it-IT" dirty="0"/>
           </a:p>
@@ -4674,6 +5422,13 @@
   <p:clrMapOvr>
     <a:masterClrMapping/>
   </p:clrMapOvr>
+  <p:timing>
+    <p:tnLst>
+      <p:par>
+        <p:cTn id="1" dur="indefinite" restart="never" nodeType="tmRoot"/>
+      </p:par>
+    </p:tnLst>
+  </p:timing>
 </p:sld>
 </file>
 
@@ -4713,11 +5468,7 @@
           <a:p>
             <a:r>
               <a:rPr lang="it-IT" dirty="0" smtClean="0"/>
-              <a:t>L’implementazione della politica </a:t>
-            </a:r>
-            <a:r>
-              <a:rPr lang="it-IT" dirty="0" err="1" smtClean="0"/>
-              <a:t>Skip</a:t>
+              <a:t>Il trasferimento asincrono di controllo</a:t>
             </a:r>
             <a:endParaRPr lang="it-IT" dirty="0"/>
           </a:p>
@@ -4736,69 +5487,69 @@
         <p:spPr/>
         <p:txBody>
           <a:bodyPr>
-            <a:normAutofit fontScale="92500" lnSpcReduction="20000"/>
+            <a:normAutofit fontScale="92500" lnSpcReduction="10000"/>
           </a:bodyPr>
           <a:lstStyle/>
           <a:p>
             <a:r>
-              <a:rPr lang="it-IT" dirty="0" smtClean="0"/>
-              <a:t>Metti figura gestore e </a:t>
-            </a:r>
-            <a:r>
-              <a:rPr lang="it-IT" dirty="0" err="1" smtClean="0"/>
-              <a:t>periodicThread</a:t>
-            </a:r>
-            <a:endParaRPr lang="it-IT" dirty="0" smtClean="0"/>
-          </a:p>
-          <a:p>
-            <a:r>
-              <a:rPr lang="it-IT" dirty="0" err="1" smtClean="0"/>
-              <a:t>PeriodicThread</a:t>
-            </a:r>
-            <a:r>
-              <a:rPr lang="it-IT" dirty="0" smtClean="0"/>
-              <a:t> – Modella thread periodico</a:t>
-            </a:r>
-          </a:p>
-          <a:p>
-            <a:r>
-              <a:rPr lang="it-IT" dirty="0" err="1" smtClean="0"/>
-              <a:t>DeadlineMissHandler</a:t>
-            </a:r>
-            <a:r>
-              <a:rPr lang="it-IT" dirty="0" smtClean="0"/>
-              <a:t> – Modella handler di deadline miss</a:t>
-            </a:r>
-          </a:p>
-          <a:p>
-            <a:r>
-              <a:rPr lang="it-IT" dirty="0" err="1" smtClean="0"/>
-              <a:t>IPendingJobManager</a:t>
-            </a:r>
-            <a:r>
-              <a:rPr lang="it-IT" dirty="0" smtClean="0"/>
-              <a:t> – rappresenta il gestore dei job “di recupero”. </a:t>
-            </a:r>
-          </a:p>
-          <a:p>
-            <a:pPr lvl="1"/>
-            <a:r>
-              <a:rPr lang="it-IT" dirty="0" smtClean="0"/>
-              <a:t>Implementato dall’handler in modo che tutta la politica sia contenuto in esso</a:t>
-            </a:r>
-          </a:p>
-          <a:p>
-            <a:r>
-              <a:rPr lang="it-IT" dirty="0" smtClean="0"/>
-              <a:t>Flag </a:t>
-            </a:r>
-            <a:r>
-              <a:rPr lang="it-IT" dirty="0" err="1" smtClean="0"/>
-              <a:t>pending</a:t>
-            </a:r>
-            <a:r>
-              <a:rPr lang="it-IT" dirty="0" smtClean="0"/>
-              <a:t> mode permette al thread di distinguere tra un job normale ed uno di recupero</a:t>
+              <a:rPr lang="it-IT" dirty="0" err="1" smtClean="0"/>
+              <a:t>IPer</a:t>
+            </a:r>
+            <a:r>
+              <a:rPr lang="it-IT" dirty="0" smtClean="0"/>
+              <a:t> evitare che un job potesse eseguire per un periodo indefinito di tempo si è creato handler che , sfruttando il trasferimento asincrono di controllo, provvedesse ad interromperlo se viola consecutivamente un certo numero di deadline</a:t>
+            </a:r>
+          </a:p>
+          <a:p>
+            <a:r>
+              <a:rPr lang="it-IT" dirty="0" smtClean="0"/>
+              <a:t>Il trasferimento asincrono di controllo permette di definire un metodo interrompibile tramite l’inserimento di una </a:t>
+            </a:r>
+            <a:r>
+              <a:rPr lang="it-IT" dirty="0" err="1" smtClean="0"/>
+              <a:t>AsynctronouslyInterruptedException</a:t>
+            </a:r>
+            <a:r>
+              <a:rPr lang="it-IT" dirty="0" smtClean="0"/>
+              <a:t> nella sua </a:t>
+            </a:r>
+            <a:r>
+              <a:rPr lang="it-IT" dirty="0" err="1" smtClean="0"/>
+              <a:t>throw</a:t>
+            </a:r>
+            <a:r>
+              <a:rPr lang="it-IT" dirty="0" smtClean="0"/>
+              <a:t> </a:t>
+            </a:r>
+            <a:r>
+              <a:rPr lang="it-IT" dirty="0" err="1" smtClean="0"/>
+              <a:t>list</a:t>
+            </a:r>
+            <a:r>
+              <a:rPr lang="it-IT" dirty="0" smtClean="0"/>
+              <a:t>. </a:t>
+            </a:r>
+          </a:p>
+          <a:p>
+            <a:r>
+              <a:rPr lang="it-IT" dirty="0" smtClean="0"/>
+              <a:t>Se si chiama il metodo interrupt mentre un thread real-time  sta eseguendo un metodo </a:t>
+            </a:r>
+            <a:r>
+              <a:rPr lang="it-IT" dirty="0" err="1" smtClean="0"/>
+              <a:t>inettompibile</a:t>
+            </a:r>
+            <a:r>
+              <a:rPr lang="it-IT" dirty="0" smtClean="0"/>
+              <a:t> viene sollevata una </a:t>
+            </a:r>
+            <a:r>
+              <a:rPr lang="it-IT" dirty="0" err="1" smtClean="0"/>
+              <a:t>AsynctronouslyInterruptedException</a:t>
+            </a:r>
+            <a:r>
+              <a:rPr lang="it-IT" dirty="0" smtClean="0"/>
+              <a:t>. Si può quindi gestire l’interruzione nel catch dell’eccezione</a:t>
             </a:r>
             <a:endParaRPr lang="it-IT" dirty="0"/>
           </a:p>
@@ -4872,7 +5623,7 @@
         <p:spPr/>
         <p:txBody>
           <a:bodyPr>
-            <a:normAutofit fontScale="85000" lnSpcReduction="10000"/>
+            <a:normAutofit fontScale="92500"/>
           </a:bodyPr>
           <a:lstStyle/>
           <a:p>
@@ -4906,11 +5657,7 @@
             </a:r>
             <a:r>
               <a:rPr lang="it-IT" dirty="0" smtClean="0"/>
-              <a:t> (RTSJ) </a:t>
-            </a:r>
-            <a:r>
-              <a:rPr lang="it-IT" dirty="0" smtClean="0"/>
-              <a:t> ed il sistema RTJS su SO </a:t>
+              <a:t> (RTSJ)  ed il sistema RTJS su SO </a:t>
             </a:r>
             <a:r>
               <a:rPr lang="it-IT" dirty="0" err="1" smtClean="0"/>
@@ -4918,11 +5665,7 @@
             </a:r>
             <a:r>
               <a:rPr lang="it-IT" dirty="0" smtClean="0"/>
-              <a:t> 10.9 – </a:t>
-            </a:r>
-            <a:r>
-              <a:rPr lang="it-IT" dirty="0" smtClean="0"/>
-              <a:t>caratteristiche peculiari</a:t>
+              <a:t> 10.9 – caratteristiche peculiari</a:t>
             </a:r>
           </a:p>
           <a:p>
@@ -4953,32 +5696,14 @@
           <a:p>
             <a:r>
               <a:rPr lang="it-IT" dirty="0" smtClean="0"/>
-              <a:t>Analisi della politica </a:t>
-            </a:r>
-            <a:r>
-              <a:rPr lang="it-IT" dirty="0" smtClean="0"/>
-              <a:t>di default di </a:t>
-            </a:r>
-            <a:r>
-              <a:rPr lang="it-IT" dirty="0" smtClean="0"/>
-              <a:t>gestione dei deadline </a:t>
-            </a:r>
-            <a:r>
-              <a:rPr lang="it-IT" dirty="0" smtClean="0"/>
-              <a:t>miss e delle sue criticità</a:t>
-            </a:r>
-            <a:endParaRPr lang="it-IT" dirty="0" smtClean="0"/>
-          </a:p>
-          <a:p>
-            <a:r>
-              <a:rPr lang="it-IT" dirty="0" smtClean="0"/>
-              <a:t>Realizzazione della politica SKIP in java </a:t>
-            </a:r>
-            <a:r>
-              <a:rPr lang="it-IT" dirty="0" smtClean="0"/>
-              <a:t>Real-Time</a:t>
-            </a:r>
-            <a:endParaRPr lang="it-IT" dirty="0" smtClean="0"/>
+              <a:t>Analisi della politica di default di gestione dei deadline miss e delle sue criticità</a:t>
+            </a:r>
+          </a:p>
+          <a:p>
+            <a:r>
+              <a:rPr lang="it-IT" dirty="0" smtClean="0"/>
+              <a:t>Realizzazione della politica SKIP in java Real-Time</a:t>
+            </a:r>
           </a:p>
           <a:p>
             <a:r>
@@ -5041,67 +5766,64 @@
         </p:nvSpPr>
         <p:spPr/>
         <p:txBody>
+          <a:bodyPr/>
+          <a:lstStyle/>
+          <a:p>
+            <a:r>
+              <a:rPr lang="it-IT" dirty="0" smtClean="0"/>
+              <a:t>La politica </a:t>
+            </a:r>
+            <a:r>
+              <a:rPr lang="it-IT" dirty="0" err="1" smtClean="0"/>
+              <a:t>SkipStop</a:t>
+            </a:r>
+            <a:endParaRPr lang="it-IT" dirty="0"/>
+          </a:p>
+        </p:txBody>
+      </p:sp>
+      <p:sp>
+        <p:nvSpPr>
+          <p:cNvPr id="3" name="Segnaposto contenuto 2"/>
+          <p:cNvSpPr>
+            <a:spLocks noGrp="1"/>
+          </p:cNvSpPr>
+          <p:nvPr>
+            <p:ph idx="1"/>
+          </p:nvPr>
+        </p:nvSpPr>
+        <p:spPr/>
+        <p:txBody>
           <a:bodyPr>
-            <a:normAutofit fontScale="90000"/>
+            <a:normAutofit/>
           </a:bodyPr>
           <a:lstStyle/>
           <a:p>
             <a:r>
-              <a:rPr lang="it-IT" dirty="0" smtClean="0"/>
-              <a:t>L’implementazione della politica </a:t>
-            </a:r>
-            <a:r>
-              <a:rPr lang="it-IT" dirty="0" err="1" smtClean="0"/>
-              <a:t>Skip</a:t>
-            </a:r>
-            <a:endParaRPr lang="it-IT" dirty="0"/>
-          </a:p>
-        </p:txBody>
-      </p:sp>
-      <p:sp>
-        <p:nvSpPr>
-          <p:cNvPr id="3" name="Segnaposto contenuto 2"/>
-          <p:cNvSpPr>
-            <a:spLocks noGrp="1"/>
-          </p:cNvSpPr>
-          <p:nvPr>
-            <p:ph idx="1"/>
-          </p:nvPr>
-        </p:nvSpPr>
-        <p:spPr/>
-        <p:txBody>
-          <a:bodyPr/>
-          <a:lstStyle/>
-          <a:p>
-            <a:r>
-              <a:rPr lang="it-IT" dirty="0" smtClean="0"/>
-              <a:t>Qui metti diagramma di interazione</a:t>
-            </a:r>
-          </a:p>
-          <a:p>
-            <a:r>
-              <a:rPr lang="it-IT" dirty="0" smtClean="0"/>
-              <a:t>Quando si verifica deadline miss </a:t>
-            </a:r>
-            <a:r>
-              <a:rPr lang="it-IT" dirty="0" err="1" smtClean="0"/>
-              <a:t>handleasyncevent</a:t>
-            </a:r>
-            <a:r>
-              <a:rPr lang="it-IT" dirty="0" smtClean="0"/>
-              <a:t> mette flag a </a:t>
-            </a:r>
-            <a:r>
-              <a:rPr lang="it-IT" dirty="0" err="1" smtClean="0"/>
-              <a:t>true</a:t>
-            </a:r>
-            <a:r>
-              <a:rPr lang="it-IT" dirty="0" smtClean="0"/>
-              <a:t> e incrementa </a:t>
-            </a:r>
-            <a:r>
-              <a:rPr lang="it-IT" dirty="0" err="1" smtClean="0"/>
-              <a:t>skipCount</a:t>
+              <a:rPr lang="it-IT" dirty="0" err="1" smtClean="0"/>
+              <a:t>InterrumpiblePeriodicThread</a:t>
+            </a:r>
+            <a:r>
+              <a:rPr lang="it-IT" dirty="0" smtClean="0"/>
+              <a:t> esegue una </a:t>
+            </a:r>
+            <a:r>
+              <a:rPr lang="it-IT" dirty="0" err="1" smtClean="0"/>
+              <a:t>busyWaitInterrompibile</a:t>
+            </a:r>
+            <a:endParaRPr lang="it-IT" dirty="0" smtClean="0"/>
+          </a:p>
+          <a:p>
+            <a:r>
+              <a:rPr lang="it-IT" dirty="0" err="1" smtClean="0"/>
+              <a:t>thresholdPolicyhandler</a:t>
+            </a:r>
+            <a:r>
+              <a:rPr lang="it-IT" dirty="0" smtClean="0"/>
+              <a:t> modella un gestore che è in grado di cambiare strategia dopo un certo numero di deadline violate consecutivamente dallo stesso </a:t>
+            </a:r>
+            <a:r>
+              <a:rPr lang="it-IT" dirty="0" err="1" smtClean="0"/>
+              <a:t>jo</a:t>
             </a:r>
             <a:r>
               <a:rPr lang="it-IT" dirty="0" smtClean="0"/>
@@ -5110,25 +5832,15 @@
           </a:p>
           <a:p>
             <a:r>
-              <a:rPr lang="it-IT" dirty="0" smtClean="0"/>
-              <a:t>Al job successivo </a:t>
-            </a:r>
-            <a:r>
-              <a:rPr lang="it-IT" dirty="0" err="1" smtClean="0"/>
-              <a:t>periodicThread</a:t>
-            </a:r>
-            <a:r>
-              <a:rPr lang="it-IT" dirty="0" smtClean="0"/>
-              <a:t> chiama </a:t>
-            </a:r>
-            <a:r>
-              <a:rPr lang="it-IT" dirty="0" err="1" smtClean="0"/>
-              <a:t>dopendigJob</a:t>
-            </a:r>
-            <a:r>
-              <a:rPr lang="it-IT" dirty="0" smtClean="0"/>
-              <a:t> che decrementa il contatore. Se questo ha raggiunto il valore zero si reimposta il flag a false </a:t>
-            </a:r>
+              <a:rPr lang="it-IT" dirty="0" err="1" smtClean="0"/>
+              <a:t>SkipStopPolicyHandler</a:t>
+            </a:r>
+            <a:r>
+              <a:rPr lang="it-IT" dirty="0" smtClean="0"/>
+              <a:t> modella la politica in questione</a:t>
+            </a:r>
+          </a:p>
+          <a:p>
             <a:endParaRPr lang="it-IT" dirty="0"/>
           </a:p>
         </p:txBody>
@@ -5138,6 +5850,13 @@
   <p:clrMapOvr>
     <a:masterClrMapping/>
   </p:clrMapOvr>
+  <p:timing>
+    <p:tnLst>
+      <p:par>
+        <p:cTn id="1" dur="indefinite" restart="never" nodeType="tmRoot"/>
+      </p:par>
+    </p:tnLst>
+  </p:timing>
 </p:sld>
 </file>
 
@@ -5175,7 +5894,11 @@
           <a:p>
             <a:r>
               <a:rPr lang="it-IT" dirty="0" smtClean="0"/>
-              <a:t>risultati</a:t>
+              <a:t>La politica </a:t>
+            </a:r>
+            <a:r>
+              <a:rPr lang="it-IT" dirty="0" err="1" smtClean="0"/>
+              <a:t>SkipStop</a:t>
             </a:r>
             <a:endParaRPr lang="it-IT" dirty="0"/>
           </a:p>
@@ -5198,17 +5921,44 @@
           <a:p>
             <a:r>
               <a:rPr lang="it-IT" dirty="0" smtClean="0"/>
-              <a:t>Metti grafico comparato con </a:t>
-            </a:r>
-            <a:r>
-              <a:rPr lang="it-IT" dirty="0" err="1" smtClean="0"/>
-              <a:t>asap</a:t>
-            </a:r>
-            <a:r>
-              <a:rPr lang="it-IT" dirty="0" smtClean="0"/>
-              <a:t> per fare vedere che saltando i job non c’è effetto domino</a:t>
-            </a:r>
+              <a:t>Qui metti un diagramma di iterazione</a:t>
+            </a:r>
+          </a:p>
+          <a:p>
+            <a:r>
+              <a:rPr lang="it-IT" dirty="0" smtClean="0"/>
+              <a:t>Quando si verifica un deadline miss  </a:t>
+            </a:r>
+            <a:r>
+              <a:rPr lang="it-IT" dirty="0" err="1" smtClean="0"/>
+              <a:t>bla</a:t>
+            </a:r>
+            <a:r>
+              <a:rPr lang="it-IT" dirty="0" smtClean="0"/>
+              <a:t> </a:t>
+            </a:r>
+            <a:r>
+              <a:rPr lang="it-IT" dirty="0" err="1" smtClean="0"/>
+              <a:t>bla</a:t>
+            </a:r>
+            <a:endParaRPr lang="it-IT" dirty="0" smtClean="0"/>
+          </a:p>
+          <a:p>
             <a:endParaRPr lang="it-IT" dirty="0"/>
+          </a:p>
+          <a:p>
+            <a:r>
+              <a:rPr lang="it-IT" dirty="0" smtClean="0"/>
+              <a:t>Quando si esegue un job di recupero (va saltato come con la politica </a:t>
+            </a:r>
+            <a:r>
+              <a:rPr lang="it-IT" dirty="0" err="1" smtClean="0"/>
+              <a:t>skip</a:t>
+            </a:r>
+            <a:r>
+              <a:rPr lang="it-IT" dirty="0" smtClean="0"/>
+              <a:t>)</a:t>
+            </a:r>
           </a:p>
         </p:txBody>
       </p:sp>
@@ -5217,6 +5967,13 @@
   <p:clrMapOvr>
     <a:masterClrMapping/>
   </p:clrMapOvr>
+  <p:timing>
+    <p:tnLst>
+      <p:par>
+        <p:cTn id="1" dur="indefinite" restart="never" nodeType="tmRoot"/>
+      </p:par>
+    </p:tnLst>
+  </p:timing>
 </p:sld>
 </file>
 
@@ -5249,14 +6006,12 @@
         </p:nvSpPr>
         <p:spPr/>
         <p:txBody>
-          <a:bodyPr>
-            <a:normAutofit fontScale="90000"/>
-          </a:bodyPr>
-          <a:lstStyle/>
-          <a:p>
-            <a:r>
-              <a:rPr lang="it-IT" dirty="0" smtClean="0"/>
-              <a:t>Il trasferimento asincrono di controllo</a:t>
+          <a:bodyPr/>
+          <a:lstStyle/>
+          <a:p>
+            <a:r>
+              <a:rPr lang="it-IT" dirty="0" smtClean="0"/>
+              <a:t>Risultati</a:t>
             </a:r>
             <a:endParaRPr lang="it-IT" dirty="0"/>
           </a:p>
@@ -5274,71 +6029,12 @@
         </p:nvSpPr>
         <p:spPr/>
         <p:txBody>
-          <a:bodyPr>
-            <a:normAutofit fontScale="77500" lnSpcReduction="20000"/>
-          </a:bodyPr>
-          <a:lstStyle/>
-          <a:p>
-            <a:r>
-              <a:rPr lang="it-IT" dirty="0" err="1" smtClean="0"/>
-              <a:t>IPer</a:t>
-            </a:r>
-            <a:r>
-              <a:rPr lang="it-IT" dirty="0" smtClean="0"/>
-              <a:t> evitare che un job potesse eseguire per un periodo indefinito di tempo si è creato handler che , sfruttando il trasferimento asincrono di controllo, provvedesse ad interromperlo se viola consecutivamente un certo numero di deadline</a:t>
-            </a:r>
-            <a:endParaRPr lang="it-IT" dirty="0" smtClean="0"/>
-          </a:p>
-          <a:p>
-            <a:r>
-              <a:rPr lang="it-IT" dirty="0" smtClean="0"/>
-              <a:t>Il trasferimento asincrono di controllo permette di definire un metodo interrompibile tramite l’inserimento di una </a:t>
-            </a:r>
-            <a:r>
-              <a:rPr lang="it-IT" dirty="0" err="1" smtClean="0"/>
-              <a:t>AsynctronouslyInterruptedException</a:t>
-            </a:r>
-            <a:r>
-              <a:rPr lang="it-IT" dirty="0" smtClean="0"/>
-              <a:t> nella sua </a:t>
-            </a:r>
-            <a:r>
-              <a:rPr lang="it-IT" dirty="0" err="1" smtClean="0"/>
-              <a:t>throw</a:t>
-            </a:r>
-            <a:r>
-              <a:rPr lang="it-IT" dirty="0" smtClean="0"/>
-              <a:t> </a:t>
-            </a:r>
-            <a:r>
-              <a:rPr lang="it-IT" dirty="0" err="1" smtClean="0"/>
-              <a:t>list</a:t>
-            </a:r>
-            <a:r>
-              <a:rPr lang="it-IT" dirty="0" smtClean="0"/>
-              <a:t>. </a:t>
-            </a:r>
-          </a:p>
-          <a:p>
-            <a:r>
-              <a:rPr lang="it-IT" dirty="0" smtClean="0"/>
-              <a:t>Se si chiama il metodo interrupt mentre un thread real-time  sta eseguendo un metodo </a:t>
-            </a:r>
-            <a:r>
-              <a:rPr lang="it-IT" dirty="0" err="1" smtClean="0"/>
-              <a:t>inettompibile</a:t>
-            </a:r>
-            <a:r>
-              <a:rPr lang="it-IT" dirty="0" smtClean="0"/>
-              <a:t> viene sollevata una </a:t>
-            </a:r>
-            <a:r>
-              <a:rPr lang="it-IT" dirty="0" err="1" smtClean="0"/>
-              <a:t>AsynctronouslyInterruptedException</a:t>
-            </a:r>
-            <a:r>
-              <a:rPr lang="it-IT" dirty="0" smtClean="0"/>
-              <a:t>. Si può quindi gestire l’interruzione nel catch dell’eccezione</a:t>
+          <a:bodyPr/>
+          <a:lstStyle/>
+          <a:p>
+            <a:r>
+              <a:rPr lang="it-IT" dirty="0" smtClean="0"/>
+              <a:t>Metti a confronto due esecuzioni della stessa applicazione che mostra benefici nell’interrompere prima il job</a:t>
             </a:r>
             <a:endParaRPr lang="it-IT" dirty="0"/>
           </a:p>
@@ -5349,6 +6045,13 @@
   <p:clrMapOvr>
     <a:masterClrMapping/>
   </p:clrMapOvr>
+  <p:timing>
+    <p:tnLst>
+      <p:par>
+        <p:cTn id="1" dur="indefinite" restart="never" nodeType="tmRoot"/>
+      </p:par>
+    </p:tnLst>
+  </p:timing>
 </p:sld>
 </file>
 
@@ -5386,11 +6089,7 @@
           <a:p>
             <a:r>
               <a:rPr lang="it-IT" dirty="0" smtClean="0"/>
-              <a:t>La politica </a:t>
-            </a:r>
-            <a:r>
-              <a:rPr lang="it-IT" dirty="0" err="1" smtClean="0"/>
-              <a:t>SkipStop</a:t>
+              <a:t>Sviluppi futuri</a:t>
             </a:r>
             <a:endParaRPr lang="it-IT" dirty="0"/>
           </a:p>
@@ -5408,54 +6107,66 @@
         </p:nvSpPr>
         <p:spPr/>
         <p:txBody>
-          <a:bodyPr>
-            <a:normAutofit/>
-          </a:bodyPr>
-          <a:lstStyle/>
-          <a:p>
-            <a:r>
-              <a:rPr lang="it-IT" dirty="0" err="1" smtClean="0"/>
-              <a:t>InterrumpiblePeriodicThread</a:t>
-            </a:r>
-            <a:r>
-              <a:rPr lang="it-IT" dirty="0" smtClean="0"/>
-              <a:t> esegue una </a:t>
-            </a:r>
-            <a:r>
-              <a:rPr lang="it-IT" dirty="0" err="1" smtClean="0"/>
-              <a:t>busyWaitInterrompibile</a:t>
-            </a:r>
-            <a:endParaRPr lang="it-IT" dirty="0" smtClean="0"/>
-          </a:p>
-          <a:p>
-            <a:r>
-              <a:rPr lang="it-IT" dirty="0" err="1" smtClean="0"/>
-              <a:t>thresholdPolicyhandler</a:t>
-            </a:r>
-            <a:r>
-              <a:rPr lang="it-IT" dirty="0" smtClean="0"/>
-              <a:t> modella un gestore che è in grado di cambiare strategia dopo un certo numero di deadline violate consecutivamente dallo stesso </a:t>
-            </a:r>
-            <a:r>
-              <a:rPr lang="it-IT" dirty="0" err="1" smtClean="0"/>
-              <a:t>jo</a:t>
+          <a:bodyPr/>
+          <a:lstStyle/>
+          <a:p>
+            <a:r>
+              <a:rPr lang="it-IT" dirty="0" smtClean="0"/>
+              <a:t>Estensione a sistemi multiprocessore</a:t>
+            </a:r>
+          </a:p>
+          <a:p>
+            <a:r>
+              <a:rPr lang="it-IT" dirty="0" smtClean="0"/>
+              <a:t>Estensione a insiemi di processi sporadici</a:t>
+            </a:r>
+          </a:p>
+          <a:p>
+            <a:endParaRPr lang="it-IT" dirty="0"/>
+          </a:p>
+          <a:p>
+            <a:r>
+              <a:rPr lang="it-IT" dirty="0" smtClean="0"/>
+              <a:t>Analisi di schedulabilità</a:t>
+            </a:r>
+          </a:p>
+          <a:p>
+            <a:r>
+              <a:rPr lang="it-IT" dirty="0" smtClean="0"/>
+              <a:t>Politiche di gestione della parte non real-time dell’applicazione (</a:t>
+            </a:r>
+            <a:r>
+              <a:rPr lang="it-IT" dirty="0" err="1" smtClean="0"/>
+              <a:t>pollingServer</a:t>
+            </a:r>
+            <a:r>
+              <a:rPr lang="it-IT" dirty="0" smtClean="0"/>
+              <a:t>, </a:t>
+            </a:r>
+            <a:r>
+              <a:rPr lang="it-IT" dirty="0" err="1" smtClean="0"/>
+              <a:t>deferrable</a:t>
+            </a:r>
+            <a:r>
+              <a:rPr lang="it-IT" dirty="0" smtClean="0"/>
+              <a:t> server, </a:t>
+            </a:r>
+            <a:r>
+              <a:rPr lang="it-IT" dirty="0" err="1" smtClean="0"/>
+              <a:t>Constant</a:t>
             </a:r>
             <a:r>
               <a:rPr lang="it-IT" dirty="0" smtClean="0"/>
               <a:t> </a:t>
             </a:r>
-          </a:p>
-          <a:p>
-            <a:r>
-              <a:rPr lang="it-IT" dirty="0" err="1" smtClean="0"/>
-              <a:t>SkipStopPolicyHandler</a:t>
-            </a:r>
-            <a:r>
-              <a:rPr lang="it-IT" dirty="0" smtClean="0"/>
-              <a:t> modella la politica in questione</a:t>
-            </a:r>
-          </a:p>
-          <a:p>
+            <a:r>
+              <a:rPr lang="it-IT" dirty="0" err="1" smtClean="0"/>
+              <a:t>UtilizationServer</a:t>
+            </a:r>
+            <a:r>
+              <a:rPr lang="it-IT" dirty="0" smtClean="0"/>
+              <a:t> ecc.)</a:t>
+            </a:r>
             <a:endParaRPr lang="it-IT" dirty="0"/>
           </a:p>
         </p:txBody>
@@ -5465,311 +6176,13 @@
   <p:clrMapOvr>
     <a:masterClrMapping/>
   </p:clrMapOvr>
-</p:sld>
-</file>
-
-<file path=ppt/slides/slide24.xml><?xml version="1.0" encoding="utf-8"?>
-<p:sld xmlns:a="http://schemas.openxmlformats.org/drawingml/2006/main" xmlns:r="http://schemas.openxmlformats.org/officeDocument/2006/relationships" xmlns:p="http://schemas.openxmlformats.org/presentationml/2006/main">
-  <p:cSld>
-    <p:spTree>
-      <p:nvGrpSpPr>
-        <p:cNvPr id="1" name=""/>
-        <p:cNvGrpSpPr/>
-        <p:nvPr/>
-      </p:nvGrpSpPr>
-      <p:grpSpPr>
-        <a:xfrm>
-          <a:off x="0" y="0"/>
-          <a:ext cx="0" cy="0"/>
-          <a:chOff x="0" y="0"/>
-          <a:chExt cx="0" cy="0"/>
-        </a:xfrm>
-      </p:grpSpPr>
-      <p:sp>
-        <p:nvSpPr>
-          <p:cNvPr id="2" name="Titolo 1"/>
-          <p:cNvSpPr>
-            <a:spLocks noGrp="1"/>
-          </p:cNvSpPr>
-          <p:nvPr>
-            <p:ph type="title"/>
-          </p:nvPr>
-        </p:nvSpPr>
-        <p:spPr/>
-        <p:txBody>
-          <a:bodyPr/>
-          <a:lstStyle/>
-          <a:p>
-            <a:r>
-              <a:rPr lang="it-IT" dirty="0" smtClean="0"/>
-              <a:t>La politica </a:t>
-            </a:r>
-            <a:r>
-              <a:rPr lang="it-IT" dirty="0" err="1" smtClean="0"/>
-              <a:t>SkipStop</a:t>
-            </a:r>
-            <a:endParaRPr lang="it-IT" dirty="0"/>
-          </a:p>
-        </p:txBody>
-      </p:sp>
-      <p:sp>
-        <p:nvSpPr>
-          <p:cNvPr id="3" name="Segnaposto contenuto 2"/>
-          <p:cNvSpPr>
-            <a:spLocks noGrp="1"/>
-          </p:cNvSpPr>
-          <p:nvPr>
-            <p:ph idx="1"/>
-          </p:nvPr>
-        </p:nvSpPr>
-        <p:spPr/>
-        <p:txBody>
-          <a:bodyPr/>
-          <a:lstStyle/>
-          <a:p>
-            <a:r>
-              <a:rPr lang="it-IT" dirty="0" smtClean="0"/>
-              <a:t>Qui metti un diagramma di iterazione</a:t>
-            </a:r>
-          </a:p>
-          <a:p>
-            <a:r>
-              <a:rPr lang="it-IT" dirty="0" smtClean="0"/>
-              <a:t>Quando si verifica un deadline miss  </a:t>
-            </a:r>
-            <a:r>
-              <a:rPr lang="it-IT" dirty="0" err="1" smtClean="0"/>
-              <a:t>bla</a:t>
-            </a:r>
-            <a:r>
-              <a:rPr lang="it-IT" dirty="0" smtClean="0"/>
-              <a:t> </a:t>
-            </a:r>
-            <a:r>
-              <a:rPr lang="it-IT" dirty="0" err="1" smtClean="0"/>
-              <a:t>bla</a:t>
-            </a:r>
-            <a:endParaRPr lang="it-IT" dirty="0" smtClean="0"/>
-          </a:p>
-          <a:p>
-            <a:endParaRPr lang="it-IT" dirty="0"/>
-          </a:p>
-          <a:p>
-            <a:r>
-              <a:rPr lang="it-IT" dirty="0" smtClean="0"/>
-              <a:t>Quando si esegue un job di recupero (va saltato come con la politica </a:t>
-            </a:r>
-            <a:r>
-              <a:rPr lang="it-IT" dirty="0" err="1" smtClean="0"/>
-              <a:t>skip</a:t>
-            </a:r>
-            <a:r>
-              <a:rPr lang="it-IT" dirty="0" smtClean="0"/>
-              <a:t>)</a:t>
-            </a:r>
-          </a:p>
-        </p:txBody>
-      </p:sp>
-    </p:spTree>
-  </p:cSld>
-  <p:clrMapOvr>
-    <a:masterClrMapping/>
-  </p:clrMapOvr>
-</p:sld>
-</file>
-
-<file path=ppt/slides/slide25.xml><?xml version="1.0" encoding="utf-8"?>
-<p:sld xmlns:a="http://schemas.openxmlformats.org/drawingml/2006/main" xmlns:r="http://schemas.openxmlformats.org/officeDocument/2006/relationships" xmlns:p="http://schemas.openxmlformats.org/presentationml/2006/main">
-  <p:cSld>
-    <p:spTree>
-      <p:nvGrpSpPr>
-        <p:cNvPr id="1" name=""/>
-        <p:cNvGrpSpPr/>
-        <p:nvPr/>
-      </p:nvGrpSpPr>
-      <p:grpSpPr>
-        <a:xfrm>
-          <a:off x="0" y="0"/>
-          <a:ext cx="0" cy="0"/>
-          <a:chOff x="0" y="0"/>
-          <a:chExt cx="0" cy="0"/>
-        </a:xfrm>
-      </p:grpSpPr>
-      <p:sp>
-        <p:nvSpPr>
-          <p:cNvPr id="2" name="Titolo 1"/>
-          <p:cNvSpPr>
-            <a:spLocks noGrp="1"/>
-          </p:cNvSpPr>
-          <p:nvPr>
-            <p:ph type="title"/>
-          </p:nvPr>
-        </p:nvSpPr>
-        <p:spPr/>
-        <p:txBody>
-          <a:bodyPr/>
-          <a:lstStyle/>
-          <a:p>
-            <a:r>
-              <a:rPr lang="it-IT" dirty="0" smtClean="0"/>
-              <a:t>Risultati</a:t>
-            </a:r>
-            <a:endParaRPr lang="it-IT" dirty="0"/>
-          </a:p>
-        </p:txBody>
-      </p:sp>
-      <p:sp>
-        <p:nvSpPr>
-          <p:cNvPr id="3" name="Segnaposto contenuto 2"/>
-          <p:cNvSpPr>
-            <a:spLocks noGrp="1"/>
-          </p:cNvSpPr>
-          <p:nvPr>
-            <p:ph idx="1"/>
-          </p:nvPr>
-        </p:nvSpPr>
-        <p:spPr/>
-        <p:txBody>
-          <a:bodyPr/>
-          <a:lstStyle/>
-          <a:p>
-            <a:r>
-              <a:rPr lang="it-IT" dirty="0" smtClean="0"/>
-              <a:t>Metti a confronto due esecuzioni della stessa applicazione che mostra benefici nell’interrompere prima il job</a:t>
-            </a:r>
-            <a:endParaRPr lang="it-IT" dirty="0"/>
-          </a:p>
-        </p:txBody>
-      </p:sp>
-    </p:spTree>
-  </p:cSld>
-  <p:clrMapOvr>
-    <a:masterClrMapping/>
-  </p:clrMapOvr>
-</p:sld>
-</file>
-
-<file path=ppt/slides/slide26.xml><?xml version="1.0" encoding="utf-8"?>
-<p:sld xmlns:a="http://schemas.openxmlformats.org/drawingml/2006/main" xmlns:r="http://schemas.openxmlformats.org/officeDocument/2006/relationships" xmlns:p="http://schemas.openxmlformats.org/presentationml/2006/main">
-  <p:cSld>
-    <p:spTree>
-      <p:nvGrpSpPr>
-        <p:cNvPr id="1" name=""/>
-        <p:cNvGrpSpPr/>
-        <p:nvPr/>
-      </p:nvGrpSpPr>
-      <p:grpSpPr>
-        <a:xfrm>
-          <a:off x="0" y="0"/>
-          <a:ext cx="0" cy="0"/>
-          <a:chOff x="0" y="0"/>
-          <a:chExt cx="0" cy="0"/>
-        </a:xfrm>
-      </p:grpSpPr>
-      <p:sp>
-        <p:nvSpPr>
-          <p:cNvPr id="2" name="Titolo 1"/>
-          <p:cNvSpPr>
-            <a:spLocks noGrp="1"/>
-          </p:cNvSpPr>
-          <p:nvPr>
-            <p:ph type="title"/>
-          </p:nvPr>
-        </p:nvSpPr>
-        <p:spPr/>
-        <p:txBody>
-          <a:bodyPr/>
-          <a:lstStyle/>
-          <a:p>
-            <a:r>
-              <a:rPr lang="it-IT" dirty="0" smtClean="0"/>
-              <a:t>Sviluppi futuri</a:t>
-            </a:r>
-            <a:endParaRPr lang="it-IT" dirty="0"/>
-          </a:p>
-        </p:txBody>
-      </p:sp>
-      <p:sp>
-        <p:nvSpPr>
-          <p:cNvPr id="3" name="Segnaposto contenuto 2"/>
-          <p:cNvSpPr>
-            <a:spLocks noGrp="1"/>
-          </p:cNvSpPr>
-          <p:nvPr>
-            <p:ph idx="1"/>
-          </p:nvPr>
-        </p:nvSpPr>
-        <p:spPr/>
-        <p:txBody>
-          <a:bodyPr/>
-          <a:lstStyle/>
-          <a:p>
-            <a:r>
-              <a:rPr lang="it-IT" dirty="0" smtClean="0"/>
-              <a:t>Estensione a sistemi multiprocessore</a:t>
-            </a:r>
-          </a:p>
-          <a:p>
-            <a:r>
-              <a:rPr lang="it-IT" dirty="0" smtClean="0"/>
-              <a:t>Estensione a insiemi di processi sporadici</a:t>
-            </a:r>
-          </a:p>
-          <a:p>
-            <a:endParaRPr lang="it-IT" dirty="0"/>
-          </a:p>
-          <a:p>
-            <a:r>
-              <a:rPr lang="it-IT" dirty="0" smtClean="0"/>
-              <a:t>Analisi di schedulabilità</a:t>
-            </a:r>
-          </a:p>
-          <a:p>
-            <a:r>
-              <a:rPr lang="it-IT" dirty="0" smtClean="0"/>
-              <a:t>Politiche di gestione della parte non real-time dell’applicazione (</a:t>
-            </a:r>
-            <a:r>
-              <a:rPr lang="it-IT" dirty="0" err="1" smtClean="0"/>
-              <a:t>pollingServer</a:t>
-            </a:r>
-            <a:r>
-              <a:rPr lang="it-IT" dirty="0" smtClean="0"/>
-              <a:t>, </a:t>
-            </a:r>
-            <a:r>
-              <a:rPr lang="it-IT" dirty="0" err="1" smtClean="0"/>
-              <a:t>deferrable</a:t>
-            </a:r>
-            <a:r>
-              <a:rPr lang="it-IT" dirty="0" smtClean="0"/>
-              <a:t> server, </a:t>
-            </a:r>
-            <a:r>
-              <a:rPr lang="it-IT" dirty="0" err="1" smtClean="0"/>
-              <a:t>Constant</a:t>
-            </a:r>
-            <a:r>
-              <a:rPr lang="it-IT" dirty="0" smtClean="0"/>
-              <a:t> </a:t>
-            </a:r>
-            <a:r>
-              <a:rPr lang="it-IT" dirty="0" err="1" smtClean="0"/>
-              <a:t>UtilizationServer</a:t>
-            </a:r>
-            <a:r>
-              <a:rPr lang="it-IT" dirty="0" smtClean="0"/>
-              <a:t> ecc.)</a:t>
-            </a:r>
-            <a:endParaRPr lang="it-IT" dirty="0"/>
-          </a:p>
-        </p:txBody>
-      </p:sp>
-    </p:spTree>
-  </p:cSld>
-  <p:clrMapOvr>
-    <a:masterClrMapping/>
-  </p:clrMapOvr>
+  <p:timing>
+    <p:tnLst>
+      <p:par>
+        <p:cTn id="1" dur="indefinite" restart="never" nodeType="tmRoot"/>
+      </p:par>
+    </p:tnLst>
+  </p:timing>
 </p:sld>
 </file>
 
@@ -5800,7 +6213,12 @@
             <p:ph type="title"/>
           </p:nvPr>
         </p:nvSpPr>
-        <p:spPr/>
+        <p:spPr>
+          <a:xfrm>
+            <a:off x="395536" y="188640"/>
+            <a:ext cx="8229600" cy="1143000"/>
+          </a:xfrm>
+        </p:spPr>
         <p:txBody>
           <a:bodyPr>
             <a:normAutofit/>
@@ -5828,91 +6246,419 @@
         <p:spPr/>
         <p:txBody>
           <a:bodyPr>
-            <a:normAutofit fontScale="77500" lnSpcReduction="20000"/>
+            <a:normAutofit/>
           </a:bodyPr>
           <a:lstStyle/>
           <a:p>
             <a:r>
               <a:rPr lang="it-IT" dirty="0" smtClean="0"/>
-              <a:t>Caratteristiche dei sistemi in tempo reale</a:t>
+              <a:t>Caratteristiche peculiari </a:t>
+            </a:r>
+            <a:r>
+              <a:rPr lang="it-IT" dirty="0" smtClean="0"/>
+              <a:t>dei sistemi in tempo reale</a:t>
             </a:r>
           </a:p>
           <a:p>
             <a:pPr lvl="1"/>
             <a:r>
               <a:rPr lang="it-IT" dirty="0" smtClean="0"/>
-              <a:t>Necessità di fornire una risposta entro un tempo massimo</a:t>
+              <a:t>Applicazioni composte da un insieme di processi periodici</a:t>
             </a:r>
           </a:p>
           <a:p>
             <a:pPr lvl="1"/>
             <a:r>
               <a:rPr lang="it-IT" dirty="0" smtClean="0"/>
-              <a:t>Presenza di processi periodici</a:t>
+              <a:t>Necessità che ogni esecuzione periodica dei thread (job) termini l’esecuzione nel rispetto dei vicoli temporali (</a:t>
+            </a:r>
+            <a:r>
+              <a:rPr lang="it-IT" dirty="0" err="1" smtClean="0"/>
+              <a:t>deadline</a:t>
+            </a:r>
+            <a:r>
+              <a:rPr lang="it-IT" dirty="0" smtClean="0"/>
+              <a:t>)</a:t>
             </a:r>
             <a:endParaRPr lang="it-IT" dirty="0"/>
           </a:p>
-          <a:p>
-            <a:r>
-              <a:rPr lang="it-IT" dirty="0" smtClean="0"/>
-              <a:t>Esempi</a:t>
-            </a:r>
-          </a:p>
-          <a:p>
-            <a:pPr lvl="1"/>
-            <a:r>
-              <a:rPr lang="it-IT" dirty="0" smtClean="0"/>
-              <a:t>Aereo</a:t>
-            </a:r>
-          </a:p>
-          <a:p>
-            <a:pPr lvl="1"/>
-            <a:r>
-              <a:rPr lang="it-IT" dirty="0" smtClean="0"/>
-              <a:t>Missili intercettori</a:t>
-            </a:r>
-          </a:p>
-          <a:p>
-            <a:pPr lvl="1"/>
-            <a:r>
-              <a:rPr lang="it-IT" dirty="0" err="1" smtClean="0"/>
-              <a:t>Plant</a:t>
-            </a:r>
-            <a:endParaRPr lang="it-IT" dirty="0" smtClean="0"/>
-          </a:p>
-          <a:p>
-            <a:pPr lvl="1"/>
-            <a:r>
-              <a:rPr lang="it-IT" dirty="0" smtClean="0"/>
-              <a:t>Diffusione in altri campi: </a:t>
-            </a:r>
-            <a:r>
-              <a:rPr lang="it-IT" dirty="0" err="1" smtClean="0"/>
-              <a:t>automotive</a:t>
-            </a:r>
-            <a:r>
-              <a:rPr lang="it-IT" dirty="0" smtClean="0"/>
-              <a:t>, automazione </a:t>
-            </a:r>
-            <a:r>
-              <a:rPr lang="it-IT" dirty="0" err="1" smtClean="0"/>
-              <a:t>ind</a:t>
-            </a:r>
-            <a:r>
-              <a:rPr lang="it-IT" dirty="0" smtClean="0"/>
-              <a:t>, multimedia</a:t>
-            </a:r>
-            <a:endParaRPr lang="it-IT" dirty="0" smtClean="0"/>
-          </a:p>
-          <a:p>
-            <a:r>
-              <a:rPr lang="it-IT" dirty="0" smtClean="0"/>
-              <a:t>La crescente diffusione e complessità dei sistemi in tempo reale richiede l’introduzione di linguaggi già strutturati e con una curva di apprendimento poco ripida</a:t>
-            </a:r>
-            <a:endParaRPr lang="it-IT" dirty="0"/>
-          </a:p>
-        </p:txBody>
-      </p:sp>
+        </p:txBody>
+      </p:sp>
+      <p:cxnSp>
+        <p:nvCxnSpPr>
+          <p:cNvPr id="5" name="Connettore 2 4"/>
+          <p:cNvCxnSpPr/>
+          <p:nvPr/>
+        </p:nvCxnSpPr>
+        <p:spPr>
+          <a:xfrm>
+            <a:off x="1259632" y="5805264"/>
+            <a:ext cx="6552728" cy="1588"/>
+          </a:xfrm>
+          <a:prstGeom prst="straightConnector1">
+            <a:avLst/>
+          </a:prstGeom>
+          <a:ln>
+            <a:tailEnd type="arrow"/>
+          </a:ln>
+        </p:spPr>
+        <p:style>
+          <a:lnRef idx="1">
+            <a:schemeClr val="accent1"/>
+          </a:lnRef>
+          <a:fillRef idx="0">
+            <a:schemeClr val="accent1"/>
+          </a:fillRef>
+          <a:effectRef idx="0">
+            <a:schemeClr val="accent1"/>
+          </a:effectRef>
+          <a:fontRef idx="minor">
+            <a:schemeClr val="tx1"/>
+          </a:fontRef>
+        </p:style>
+      </p:cxnSp>
+      <p:sp>
+        <p:nvSpPr>
+          <p:cNvPr id="6" name="Rettangolo 5"/>
+          <p:cNvSpPr/>
+          <p:nvPr/>
+        </p:nvSpPr>
+        <p:spPr>
+          <a:xfrm>
+            <a:off x="1259632" y="5445224"/>
+            <a:ext cx="1224136" cy="360040"/>
+          </a:xfrm>
+          <a:prstGeom prst="rect">
+            <a:avLst/>
+          </a:prstGeom>
+          <a:solidFill>
+            <a:srgbClr val="FF0000"/>
+          </a:solidFill>
+        </p:spPr>
+        <p:style>
+          <a:lnRef idx="2">
+            <a:schemeClr val="accent1">
+              <a:shade val="50000"/>
+            </a:schemeClr>
+          </a:lnRef>
+          <a:fillRef idx="1">
+            <a:schemeClr val="accent1"/>
+          </a:fillRef>
+          <a:effectRef idx="0">
+            <a:schemeClr val="accent1"/>
+          </a:effectRef>
+          <a:fontRef idx="minor">
+            <a:schemeClr val="lt1"/>
+          </a:fontRef>
+        </p:style>
+        <p:txBody>
+          <a:bodyPr rtlCol="0" anchor="ctr"/>
+          <a:lstStyle/>
+          <a:p>
+            <a:pPr algn="ctr"/>
+            <a:endParaRPr lang="it-IT"/>
+          </a:p>
+        </p:txBody>
+      </p:sp>
+      <p:cxnSp>
+        <p:nvCxnSpPr>
+          <p:cNvPr id="8" name="Connettore 1 7"/>
+          <p:cNvCxnSpPr/>
+          <p:nvPr/>
+        </p:nvCxnSpPr>
+        <p:spPr>
+          <a:xfrm rot="5400000">
+            <a:off x="2555776" y="5445224"/>
+            <a:ext cx="720080" cy="0"/>
+          </a:xfrm>
+          <a:prstGeom prst="line">
+            <a:avLst/>
+          </a:prstGeom>
+          <a:ln>
+            <a:solidFill>
+              <a:schemeClr val="tx1"/>
+            </a:solidFill>
+            <a:prstDash val="sysDash"/>
+          </a:ln>
+        </p:spPr>
+        <p:style>
+          <a:lnRef idx="1">
+            <a:schemeClr val="accent1"/>
+          </a:lnRef>
+          <a:fillRef idx="0">
+            <a:schemeClr val="accent1"/>
+          </a:fillRef>
+          <a:effectRef idx="0">
+            <a:schemeClr val="accent1"/>
+          </a:effectRef>
+          <a:fontRef idx="minor">
+            <a:schemeClr val="tx1"/>
+          </a:fontRef>
+        </p:style>
+      </p:cxnSp>
+      <p:cxnSp>
+        <p:nvCxnSpPr>
+          <p:cNvPr id="10" name="Connettore 1 9"/>
+          <p:cNvCxnSpPr/>
+          <p:nvPr/>
+        </p:nvCxnSpPr>
+        <p:spPr>
+          <a:xfrm rot="5400000">
+            <a:off x="2987824" y="5445224"/>
+            <a:ext cx="720080" cy="0"/>
+          </a:xfrm>
+          <a:prstGeom prst="line">
+            <a:avLst/>
+          </a:prstGeom>
+          <a:ln>
+            <a:solidFill>
+              <a:schemeClr val="tx1"/>
+            </a:solidFill>
+          </a:ln>
+        </p:spPr>
+        <p:style>
+          <a:lnRef idx="1">
+            <a:schemeClr val="accent1"/>
+          </a:lnRef>
+          <a:fillRef idx="0">
+            <a:schemeClr val="accent1"/>
+          </a:fillRef>
+          <a:effectRef idx="0">
+            <a:schemeClr val="accent1"/>
+          </a:effectRef>
+          <a:fontRef idx="minor">
+            <a:schemeClr val="tx1"/>
+          </a:fontRef>
+        </p:style>
+      </p:cxnSp>
+      <p:sp>
+        <p:nvSpPr>
+          <p:cNvPr id="13" name="Rettangolo 12"/>
+          <p:cNvSpPr/>
+          <p:nvPr/>
+        </p:nvSpPr>
+        <p:spPr>
+          <a:xfrm>
+            <a:off x="3347864" y="5445224"/>
+            <a:ext cx="1224136" cy="360040"/>
+          </a:xfrm>
+          <a:prstGeom prst="rect">
+            <a:avLst/>
+          </a:prstGeom>
+          <a:solidFill>
+            <a:srgbClr val="FF0000"/>
+          </a:solidFill>
+        </p:spPr>
+        <p:style>
+          <a:lnRef idx="2">
+            <a:schemeClr val="accent1">
+              <a:shade val="50000"/>
+            </a:schemeClr>
+          </a:lnRef>
+          <a:fillRef idx="1">
+            <a:schemeClr val="accent1"/>
+          </a:fillRef>
+          <a:effectRef idx="0">
+            <a:schemeClr val="accent1"/>
+          </a:effectRef>
+          <a:fontRef idx="minor">
+            <a:schemeClr val="lt1"/>
+          </a:fontRef>
+        </p:style>
+        <p:txBody>
+          <a:bodyPr rtlCol="0" anchor="ctr"/>
+          <a:lstStyle/>
+          <a:p>
+            <a:pPr algn="ctr"/>
+            <a:endParaRPr lang="it-IT"/>
+          </a:p>
+        </p:txBody>
+      </p:sp>
+      <p:cxnSp>
+        <p:nvCxnSpPr>
+          <p:cNvPr id="14" name="Connettore 1 13"/>
+          <p:cNvCxnSpPr/>
+          <p:nvPr/>
+        </p:nvCxnSpPr>
+        <p:spPr>
+          <a:xfrm rot="5400000">
+            <a:off x="4644008" y="5445224"/>
+            <a:ext cx="720080" cy="0"/>
+          </a:xfrm>
+          <a:prstGeom prst="line">
+            <a:avLst/>
+          </a:prstGeom>
+          <a:ln>
+            <a:solidFill>
+              <a:schemeClr val="tx1"/>
+            </a:solidFill>
+            <a:prstDash val="sysDash"/>
+          </a:ln>
+        </p:spPr>
+        <p:style>
+          <a:lnRef idx="1">
+            <a:schemeClr val="accent1"/>
+          </a:lnRef>
+          <a:fillRef idx="0">
+            <a:schemeClr val="accent1"/>
+          </a:fillRef>
+          <a:effectRef idx="0">
+            <a:schemeClr val="accent1"/>
+          </a:effectRef>
+          <a:fontRef idx="minor">
+            <a:schemeClr val="tx1"/>
+          </a:fontRef>
+        </p:style>
+      </p:cxnSp>
+      <p:cxnSp>
+        <p:nvCxnSpPr>
+          <p:cNvPr id="15" name="Connettore 1 14"/>
+          <p:cNvCxnSpPr/>
+          <p:nvPr/>
+        </p:nvCxnSpPr>
+        <p:spPr>
+          <a:xfrm rot="5400000">
+            <a:off x="5076056" y="5445224"/>
+            <a:ext cx="720080" cy="0"/>
+          </a:xfrm>
+          <a:prstGeom prst="line">
+            <a:avLst/>
+          </a:prstGeom>
+          <a:ln>
+            <a:solidFill>
+              <a:schemeClr val="tx1"/>
+            </a:solidFill>
+          </a:ln>
+        </p:spPr>
+        <p:style>
+          <a:lnRef idx="1">
+            <a:schemeClr val="accent1"/>
+          </a:lnRef>
+          <a:fillRef idx="0">
+            <a:schemeClr val="accent1"/>
+          </a:fillRef>
+          <a:effectRef idx="0">
+            <a:schemeClr val="accent1"/>
+          </a:effectRef>
+          <a:fontRef idx="minor">
+            <a:schemeClr val="tx1"/>
+          </a:fontRef>
+        </p:style>
+      </p:cxnSp>
+      <p:sp>
+        <p:nvSpPr>
+          <p:cNvPr id="16" name="Rettangolo 15"/>
+          <p:cNvSpPr/>
+          <p:nvPr/>
+        </p:nvSpPr>
+        <p:spPr>
+          <a:xfrm>
+            <a:off x="5436096" y="5445224"/>
+            <a:ext cx="1224136" cy="360040"/>
+          </a:xfrm>
+          <a:prstGeom prst="rect">
+            <a:avLst/>
+          </a:prstGeom>
+          <a:solidFill>
+            <a:srgbClr val="FF0000"/>
+          </a:solidFill>
+        </p:spPr>
+        <p:style>
+          <a:lnRef idx="2">
+            <a:schemeClr val="accent1">
+              <a:shade val="50000"/>
+            </a:schemeClr>
+          </a:lnRef>
+          <a:fillRef idx="1">
+            <a:schemeClr val="accent1"/>
+          </a:fillRef>
+          <a:effectRef idx="0">
+            <a:schemeClr val="accent1"/>
+          </a:effectRef>
+          <a:fontRef idx="minor">
+            <a:schemeClr val="lt1"/>
+          </a:fontRef>
+        </p:style>
+        <p:txBody>
+          <a:bodyPr rtlCol="0" anchor="ctr"/>
+          <a:lstStyle/>
+          <a:p>
+            <a:pPr algn="ctr"/>
+            <a:endParaRPr lang="it-IT"/>
+          </a:p>
+        </p:txBody>
+      </p:sp>
+      <p:cxnSp>
+        <p:nvCxnSpPr>
+          <p:cNvPr id="17" name="Connettore 1 16"/>
+          <p:cNvCxnSpPr/>
+          <p:nvPr/>
+        </p:nvCxnSpPr>
+        <p:spPr>
+          <a:xfrm rot="5400000">
+            <a:off x="6732240" y="5445224"/>
+            <a:ext cx="720080" cy="0"/>
+          </a:xfrm>
+          <a:prstGeom prst="line">
+            <a:avLst/>
+          </a:prstGeom>
+          <a:ln>
+            <a:solidFill>
+              <a:schemeClr val="tx1"/>
+            </a:solidFill>
+            <a:prstDash val="sysDash"/>
+          </a:ln>
+        </p:spPr>
+        <p:style>
+          <a:lnRef idx="1">
+            <a:schemeClr val="accent1"/>
+          </a:lnRef>
+          <a:fillRef idx="0">
+            <a:schemeClr val="accent1"/>
+          </a:fillRef>
+          <a:effectRef idx="0">
+            <a:schemeClr val="accent1"/>
+          </a:effectRef>
+          <a:fontRef idx="minor">
+            <a:schemeClr val="tx1"/>
+          </a:fontRef>
+        </p:style>
+      </p:cxnSp>
+      <p:cxnSp>
+        <p:nvCxnSpPr>
+          <p:cNvPr id="18" name="Connettore 1 17"/>
+          <p:cNvCxnSpPr/>
+          <p:nvPr/>
+        </p:nvCxnSpPr>
+        <p:spPr>
+          <a:xfrm rot="5400000">
+            <a:off x="7164288" y="5445224"/>
+            <a:ext cx="720080" cy="0"/>
+          </a:xfrm>
+          <a:prstGeom prst="line">
+            <a:avLst/>
+          </a:prstGeom>
+          <a:ln>
+            <a:solidFill>
+              <a:schemeClr val="tx1"/>
+            </a:solidFill>
+          </a:ln>
+        </p:spPr>
+        <p:style>
+          <a:lnRef idx="1">
+            <a:schemeClr val="accent1"/>
+          </a:lnRef>
+          <a:fillRef idx="0">
+            <a:schemeClr val="accent1"/>
+          </a:fillRef>
+          <a:effectRef idx="0">
+            <a:schemeClr val="accent1"/>
+          </a:effectRef>
+          <a:fontRef idx="minor">
+            <a:schemeClr val="tx1"/>
+          </a:fontRef>
+        </p:style>
+      </p:cxnSp>
     </p:spTree>
   </p:cSld>
   <p:clrMapOvr>
@@ -5955,7 +6701,12 @@
             <p:ph type="title"/>
           </p:nvPr>
         </p:nvSpPr>
-        <p:spPr/>
+        <p:spPr>
+          <a:xfrm>
+            <a:off x="467544" y="116632"/>
+            <a:ext cx="8229600" cy="1143000"/>
+          </a:xfrm>
+        </p:spPr>
         <p:txBody>
           <a:bodyPr>
             <a:normAutofit/>
@@ -5980,9 +6731,16 @@
             <p:ph idx="1"/>
           </p:nvPr>
         </p:nvSpPr>
-        <p:spPr/>
-        <p:txBody>
-          <a:bodyPr/>
+        <p:spPr>
+          <a:xfrm>
+            <a:off x="467544" y="1268760"/>
+            <a:ext cx="8229600" cy="4389120"/>
+          </a:xfrm>
+        </p:spPr>
+        <p:txBody>
+          <a:bodyPr>
+            <a:normAutofit fontScale="92500"/>
+          </a:bodyPr>
           <a:lstStyle/>
           <a:p>
             <a:r>
@@ -5993,6 +6751,34 @@
           <a:p>
             <a:pPr lvl="1"/>
             <a:r>
+              <a:rPr lang="it-IT" dirty="0" smtClean="0"/>
+              <a:t>Nessuna possibilità di caratterizzare temporalmente i thread</a:t>
+            </a:r>
+          </a:p>
+          <a:p>
+            <a:pPr lvl="1"/>
+            <a:r>
+              <a:rPr lang="it-IT" dirty="0" smtClean="0"/>
+              <a:t>Possibilità di specificare una priorità, ma la VM può disattendere questa esecuzione</a:t>
+            </a:r>
+          </a:p>
+          <a:p>
+            <a:pPr lvl="1"/>
+            <a:r>
+              <a:rPr lang="it-IT" dirty="0" smtClean="0"/>
+              <a:t>Sistema soggetto ad inversioni incontrollate di priorità</a:t>
+            </a:r>
+          </a:p>
+          <a:p>
+            <a:pPr lvl="1"/>
+            <a:r>
+              <a:rPr lang="it-IT" dirty="0" smtClean="0"/>
+              <a:t>Tempo di esecuzione variabile ed influenzato da attività interne alla VM</a:t>
+            </a:r>
+          </a:p>
+          <a:p>
+            <a:pPr lvl="2"/>
+            <a:r>
               <a:rPr lang="it-IT" dirty="0" err="1" smtClean="0"/>
               <a:t>Lazy</a:t>
             </a:r>
@@ -6007,7 +6793,7 @@
             <a:endParaRPr lang="it-IT" dirty="0" smtClean="0"/>
           </a:p>
           <a:p>
-            <a:pPr lvl="1"/>
+            <a:pPr lvl="2"/>
             <a:r>
               <a:rPr lang="it-IT" dirty="0" smtClean="0"/>
               <a:t>JIT </a:t>
@@ -6019,7 +6805,7 @@
             <a:endParaRPr lang="it-IT" dirty="0" smtClean="0"/>
           </a:p>
           <a:p>
-            <a:pPr lvl="1"/>
+            <a:pPr lvl="2"/>
             <a:r>
               <a:rPr lang="it-IT" dirty="0" err="1" smtClean="0"/>
               <a:t>Garbage</a:t>
@@ -6033,14 +6819,6 @@
               <a:t>collecion</a:t>
             </a:r>
             <a:endParaRPr lang="it-IT" dirty="0" smtClean="0"/>
-          </a:p>
-          <a:p>
-            <a:pPr lvl="1"/>
-            <a:r>
-              <a:rPr lang="it-IT" dirty="0" smtClean="0"/>
-              <a:t>Sistema soggetto ad inversioni incontrollate di priorità</a:t>
-            </a:r>
-            <a:endParaRPr lang="it-IT" dirty="0"/>
           </a:p>
         </p:txBody>
       </p:sp>
@@ -6112,25 +6890,13 @@
         <p:spPr/>
         <p:txBody>
           <a:bodyPr>
-            <a:normAutofit fontScale="77500" lnSpcReduction="20000"/>
+            <a:normAutofit fontScale="92500" lnSpcReduction="10000"/>
           </a:bodyPr>
           <a:lstStyle/>
           <a:p>
             <a:r>
               <a:rPr lang="it-IT" dirty="0" smtClean="0"/>
-              <a:t>La specifica Java real-time, la cui ultima versione risale al 2006, propone una serie di estensioni </a:t>
-            </a:r>
-            <a:r>
-              <a:rPr lang="it-IT" dirty="0" smtClean="0"/>
-              <a:t>e modifiche a </a:t>
-            </a:r>
-            <a:r>
-              <a:rPr lang="it-IT" dirty="0" smtClean="0"/>
-              <a:t>java standard al fine di rendere java un linguaggio adatto ai sistemi in tempo </a:t>
-            </a:r>
-            <a:r>
-              <a:rPr lang="it-IT" dirty="0" smtClean="0"/>
-              <a:t>reale</a:t>
+              <a:t>La specifica Java real-time, la cui ultima versione risale al 2006, propone una serie di estensioni e modifiche a java standard al fine di rendere java un linguaggio adatto ai sistemi in tempo reale</a:t>
             </a:r>
           </a:p>
           <a:p>
@@ -6205,7 +6971,6 @@
               <a:rPr lang="it-IT" dirty="0" smtClean="0"/>
               <a:t>Meccanismi di scheduling più raffinati</a:t>
             </a:r>
-            <a:endParaRPr lang="it-IT" dirty="0" smtClean="0"/>
           </a:p>
           <a:p>
             <a:r>
@@ -6265,17 +7030,13 @@
         <p:spPr/>
         <p:txBody>
           <a:bodyPr>
-            <a:normAutofit fontScale="90000"/>
+            <a:normAutofit/>
           </a:bodyPr>
           <a:lstStyle/>
           <a:p>
             <a:r>
               <a:rPr lang="it-IT" dirty="0" smtClean="0"/>
-              <a:t>Dentro la specifica: gli oggetti </a:t>
-            </a:r>
-            <a:r>
-              <a:rPr lang="it-IT" dirty="0" smtClean="0"/>
-              <a:t>schedulabili</a:t>
+              <a:t>Il sistema oggetto della tesi</a:t>
             </a:r>
             <a:endParaRPr lang="it-IT" dirty="0"/>
           </a:p>
@@ -6294,103 +7055,140 @@
         <p:spPr/>
         <p:txBody>
           <a:bodyPr>
-            <a:normAutofit fontScale="92500" lnSpcReduction="10000"/>
+            <a:normAutofit/>
           </a:bodyPr>
           <a:lstStyle/>
           <a:p>
             <a:r>
               <a:rPr lang="it-IT" dirty="0" smtClean="0"/>
-              <a:t>Due tipi di oggetti attivi </a:t>
-            </a:r>
-            <a:r>
-              <a:rPr lang="it-IT" dirty="0" err="1" smtClean="0"/>
-              <a:t>RealtimeThread</a:t>
-            </a:r>
-            <a:r>
-              <a:rPr lang="it-IT" dirty="0" smtClean="0"/>
-              <a:t> e </a:t>
-            </a:r>
-            <a:r>
-              <a:rPr lang="it-IT" dirty="0" err="1" smtClean="0"/>
-              <a:t>AsyncEventHandler</a:t>
-            </a:r>
-            <a:r>
-              <a:rPr lang="it-IT" dirty="0"/>
+              <a:t>Real-Time Java System (RTJS), sviluppato da </a:t>
+            </a:r>
+            <a:r>
+              <a:rPr lang="it-IT" dirty="0" err="1" smtClean="0"/>
+              <a:t>Sun-Oracle</a:t>
+            </a:r>
+            <a:r>
+              <a:rPr lang="it-IT" dirty="0" smtClean="0"/>
+              <a:t>.</a:t>
+            </a:r>
+          </a:p>
+          <a:p>
+            <a:r>
+              <a:rPr lang="it-IT" dirty="0" smtClean="0"/>
+              <a:t>Versione 2.2 </a:t>
+            </a:r>
+            <a:r>
+              <a:rPr lang="it-IT" dirty="0" err="1" smtClean="0"/>
+              <a:t>academic</a:t>
+            </a:r>
+            <a:r>
+              <a:rPr lang="it-IT" dirty="0" smtClean="0"/>
+              <a:t> per </a:t>
+            </a:r>
+            <a:r>
+              <a:rPr lang="it-IT" dirty="0" err="1" smtClean="0"/>
+              <a:t>Solaris</a:t>
+            </a:r>
+            <a:r>
+              <a:rPr lang="it-IT" dirty="0" smtClean="0"/>
+              <a:t> 10.9</a:t>
+            </a:r>
+          </a:p>
+          <a:p>
+            <a:r>
+              <a:rPr lang="it-IT" dirty="0" smtClean="0"/>
+              <a:t>Caratteristiche peculiari</a:t>
+            </a:r>
+          </a:p>
+          <a:p>
+            <a:pPr lvl="1"/>
+            <a:r>
+              <a:rPr lang="it-IT" dirty="0" smtClean="0"/>
+              <a:t>Liste di </a:t>
+            </a:r>
+            <a:r>
+              <a:rPr lang="it-IT" dirty="0" err="1" smtClean="0"/>
+              <a:t>preinizializzazione</a:t>
+            </a:r>
+            <a:r>
+              <a:rPr lang="it-IT" dirty="0" smtClean="0"/>
+              <a:t> e compilazione</a:t>
+            </a:r>
+          </a:p>
+          <a:p>
+            <a:pPr lvl="1"/>
+            <a:r>
+              <a:rPr lang="it-IT" dirty="0" err="1" smtClean="0"/>
+              <a:t>Real</a:t>
+            </a:r>
+            <a:r>
+              <a:rPr lang="it-IT" dirty="0" smtClean="0"/>
               <a:t> </a:t>
             </a:r>
             <a:r>
-              <a:rPr lang="it-IT" dirty="0" smtClean="0"/>
-              <a:t>(implementano l’interfaccia </a:t>
-            </a:r>
-            <a:r>
-              <a:rPr lang="it-IT" dirty="0" err="1" smtClean="0"/>
-              <a:t>Schedulable</a:t>
-            </a:r>
-            <a:r>
-              <a:rPr lang="it-IT" dirty="0" smtClean="0"/>
-              <a:t>) </a:t>
-            </a:r>
-          </a:p>
-          <a:p>
-            <a:r>
-              <a:rPr lang="it-IT" dirty="0" smtClean="0"/>
-              <a:t>Ogni oggetto attivo ha associato una serie di parametri che ne caratterizzano l’esecuzione</a:t>
-            </a:r>
-          </a:p>
-          <a:p>
-            <a:pPr lvl="1"/>
-            <a:r>
-              <a:rPr lang="it-IT" dirty="0" smtClean="0">
-                <a:solidFill>
-                  <a:srgbClr val="FF0000"/>
-                </a:solidFill>
-              </a:rPr>
-              <a:t>(al posto dell’elenco metti una bella figura)</a:t>
-            </a:r>
-          </a:p>
-          <a:p>
-            <a:pPr lvl="1"/>
-            <a:r>
-              <a:rPr lang="it-IT" dirty="0" err="1" smtClean="0"/>
-              <a:t>ReleaseParameters</a:t>
+              <a:rPr lang="it-IT" dirty="0" err="1" smtClean="0"/>
+              <a:t>Time</a:t>
+            </a:r>
+            <a:r>
+              <a:rPr lang="it-IT" dirty="0" smtClean="0"/>
+              <a:t> </a:t>
+            </a:r>
+            <a:r>
+              <a:rPr lang="it-IT" dirty="0" err="1" smtClean="0"/>
+              <a:t>Garbage</a:t>
+            </a:r>
+            <a:r>
+              <a:rPr lang="it-IT" dirty="0" smtClean="0"/>
+              <a:t> </a:t>
+            </a:r>
+            <a:r>
+              <a:rPr lang="it-IT" dirty="0" err="1" smtClean="0"/>
+              <a:t>Collector</a:t>
             </a:r>
             <a:endParaRPr lang="it-IT" dirty="0" smtClean="0"/>
           </a:p>
           <a:p>
-            <a:pPr lvl="1"/>
-            <a:r>
-              <a:rPr lang="it-IT" dirty="0" err="1" smtClean="0"/>
-              <a:t>SchedulingParameters</a:t>
+            <a:pPr lvl="2"/>
+            <a:r>
+              <a:rPr lang="it-IT" dirty="0" smtClean="0"/>
+              <a:t>Non </a:t>
+            </a:r>
+            <a:r>
+              <a:rPr lang="it-IT" dirty="0" smtClean="0"/>
+              <a:t>esercita </a:t>
+            </a:r>
+            <a:r>
+              <a:rPr lang="it-IT" dirty="0" smtClean="0"/>
+              <a:t>preemption su thread </a:t>
+            </a:r>
+            <a:r>
+              <a:rPr lang="it-IT" dirty="0" err="1" smtClean="0"/>
+              <a:t>real</a:t>
+            </a:r>
+            <a:r>
+              <a:rPr lang="it-IT" dirty="0" smtClean="0"/>
+              <a:t> </a:t>
+            </a:r>
+            <a:r>
+              <a:rPr lang="it-IT" dirty="0" err="1" smtClean="0"/>
+              <a:t>time</a:t>
             </a:r>
             <a:endParaRPr lang="it-IT" dirty="0" smtClean="0"/>
           </a:p>
           <a:p>
-            <a:pPr lvl="1"/>
-            <a:r>
-              <a:rPr lang="it-IT" dirty="0" err="1" smtClean="0"/>
-              <a:t>MemoryParameters</a:t>
-            </a:r>
-            <a:endParaRPr lang="it-IT" dirty="0" smtClean="0"/>
-          </a:p>
-          <a:p>
-            <a:pPr lvl="1"/>
-            <a:r>
-              <a:rPr lang="it-IT" dirty="0" smtClean="0"/>
-              <a:t>Processing </a:t>
-            </a:r>
-            <a:r>
-              <a:rPr lang="it-IT" dirty="0" err="1" smtClean="0"/>
-              <a:t>group</a:t>
-            </a:r>
-            <a:r>
-              <a:rPr lang="it-IT" dirty="0" smtClean="0"/>
-              <a:t> </a:t>
-            </a:r>
-            <a:r>
-              <a:rPr lang="it-IT" dirty="0" err="1" smtClean="0"/>
-              <a:t>parameters</a:t>
-            </a:r>
-            <a:endParaRPr lang="it-IT" dirty="0" smtClean="0"/>
+            <a:pPr lvl="2"/>
+            <a:r>
+              <a:rPr lang="it-IT" dirty="0" smtClean="0"/>
+              <a:t>Può eseguire </a:t>
+            </a:r>
+            <a:r>
+              <a:rPr lang="it-IT" dirty="0" err="1" smtClean="0"/>
+              <a:t>concorrentemente</a:t>
+            </a:r>
+            <a:r>
+              <a:rPr lang="it-IT" dirty="0" smtClean="0"/>
+              <a:t> (assenza di fasi stop the world)</a:t>
+            </a:r>
           </a:p>
         </p:txBody>
       </p:sp>
@@ -6442,12 +7240,12 @@
           <a:lstStyle/>
           <a:p>
             <a:r>
-              <a:rPr lang="it-IT" dirty="0" err="1" smtClean="0"/>
-              <a:t>Realtime</a:t>
-            </a:r>
-            <a:r>
-              <a:rPr lang="it-IT" dirty="0" smtClean="0"/>
-              <a:t> Thread</a:t>
+              <a:rPr lang="it-IT" dirty="0" smtClean="0"/>
+              <a:t>Prime estensioni: </a:t>
+            </a:r>
+            <a:r>
+              <a:rPr lang="it-IT" dirty="0" err="1" smtClean="0"/>
+              <a:t>BusyWait</a:t>
             </a:r>
             <a:endParaRPr lang="it-IT" dirty="0"/>
           </a:p>
@@ -6465,60 +7263,61 @@
         </p:nvSpPr>
         <p:spPr/>
         <p:txBody>
-          <a:bodyPr/>
-          <a:lstStyle/>
-          <a:p>
-            <a:r>
-              <a:rPr lang="it-IT" dirty="0" smtClean="0"/>
-              <a:t>Estende </a:t>
-            </a:r>
-            <a:r>
-              <a:rPr lang="it-IT" dirty="0" err="1" smtClean="0"/>
-              <a:t>java.lang.thread</a:t>
-            </a:r>
-            <a:endParaRPr lang="it-IT" dirty="0" smtClean="0"/>
-          </a:p>
-          <a:p>
-            <a:r>
-              <a:rPr lang="it-IT" dirty="0" smtClean="0"/>
-              <a:t>Esibisce tre metodi statici utili in caso di processo periodico</a:t>
-            </a:r>
-          </a:p>
-          <a:p>
-            <a:pPr lvl="1"/>
-            <a:r>
-              <a:rPr lang="it-IT" dirty="0" err="1" smtClean="0"/>
-              <a:t>waitForNextPeriod</a:t>
-            </a:r>
-            <a:endParaRPr lang="it-IT" dirty="0" smtClean="0"/>
-          </a:p>
-          <a:p>
-            <a:pPr lvl="1"/>
-            <a:r>
-              <a:rPr lang="it-IT" dirty="0" err="1" smtClean="0"/>
-              <a:t>Deschedule</a:t>
-            </a:r>
-            <a:r>
-              <a:rPr lang="it-IT" dirty="0" smtClean="0"/>
-              <a:t> </a:t>
-            </a:r>
-            <a:r>
-              <a:rPr lang="it-IT" dirty="0" err="1" smtClean="0"/>
-              <a:t>Periodic</a:t>
-            </a:r>
-            <a:endParaRPr lang="it-IT" dirty="0" smtClean="0"/>
-          </a:p>
-          <a:p>
-            <a:pPr lvl="1"/>
-            <a:r>
-              <a:rPr lang="it-IT" dirty="0" smtClean="0"/>
-              <a:t>Schedule </a:t>
-            </a:r>
-            <a:r>
-              <a:rPr lang="it-IT" dirty="0" err="1" smtClean="0"/>
-              <a:t>Periodic</a:t>
-            </a:r>
-            <a:endParaRPr lang="it-IT" dirty="0" smtClean="0"/>
+          <a:bodyPr>
+            <a:normAutofit fontScale="92500" lnSpcReduction="20000"/>
+          </a:bodyPr>
+          <a:lstStyle/>
+          <a:p>
+            <a:r>
+              <a:rPr lang="it-IT" dirty="0" smtClean="0"/>
+              <a:t>Necessità di modellare l’esecuzione di lunghezza desiderata</a:t>
+            </a:r>
+          </a:p>
+          <a:p>
+            <a:r>
+              <a:rPr lang="it-IT" dirty="0" smtClean="0"/>
+              <a:t>Non si può usare sospensione perché il thread può subire </a:t>
+            </a:r>
+            <a:r>
+              <a:rPr lang="it-IT" dirty="0" err="1" smtClean="0"/>
+              <a:t>preeemption</a:t>
+            </a:r>
+            <a:r>
+              <a:rPr lang="it-IT" dirty="0" smtClean="0"/>
+              <a:t> ed il tempo va comunque avanti</a:t>
+            </a:r>
+          </a:p>
+          <a:p>
+            <a:r>
+              <a:rPr lang="it-IT" dirty="0" smtClean="0"/>
+              <a:t>Occorre occupare la cpu per un tempo desiderato con operazione di nessuna utilità </a:t>
+            </a:r>
+          </a:p>
+          <a:p>
+            <a:r>
+              <a:rPr lang="it-IT" dirty="0" smtClean="0"/>
+              <a:t>Il componente deve essere riutilizzabile su sistemi con capacità computazionali diverse</a:t>
+            </a:r>
+          </a:p>
+          <a:p>
+            <a:r>
+              <a:rPr lang="it-IT" dirty="0" smtClean="0"/>
+              <a:t>Prima di poter essere utilizzato va inizializzato in modo che calcoli un valore che esprime quante iterazioni il sistema è in grado di eseguire in certo lasso di tempo.</a:t>
+            </a:r>
+          </a:p>
+          <a:p>
+            <a:r>
+              <a:rPr lang="it-IT" dirty="0" smtClean="0"/>
+              <a:t>Dualmente, si ricava il numero di iterazioni necessarie per eseguire una </a:t>
+            </a:r>
+            <a:r>
+              <a:rPr lang="it-IT" dirty="0" err="1" smtClean="0"/>
+              <a:t>busyWait</a:t>
+            </a:r>
+            <a:r>
+              <a:rPr lang="it-IT" dirty="0" smtClean="0"/>
+              <a:t> di durata desiderata</a:t>
+            </a:r>
           </a:p>
         </p:txBody>
       </p:sp>
@@ -6570,8 +7369,12 @@
           <a:lstStyle/>
           <a:p>
             <a:r>
-              <a:rPr lang="it-IT" dirty="0" err="1" smtClean="0"/>
-              <a:t>AsyncEventHandler</a:t>
+              <a:rPr lang="it-IT" dirty="0" smtClean="0"/>
+              <a:t>Prime estensioni: </a:t>
+            </a:r>
+            <a:r>
+              <a:rPr lang="it-IT" dirty="0" err="1" smtClean="0"/>
+              <a:t>logging</a:t>
             </a:r>
             <a:endParaRPr lang="it-IT" dirty="0"/>
           </a:p>
@@ -6590,72 +7393,43 @@
         <p:spPr/>
         <p:txBody>
           <a:bodyPr>
-            <a:normAutofit lnSpcReduction="10000"/>
+            <a:normAutofit/>
           </a:bodyPr>
           <a:lstStyle/>
           <a:p>
             <a:r>
               <a:rPr lang="it-IT" dirty="0" smtClean="0"/>
-              <a:t>Risponde alla necessità di reagire ad eventi </a:t>
-            </a:r>
-            <a:r>
-              <a:rPr lang="it-IT" dirty="0" err="1" smtClean="0"/>
-              <a:t>asinroni</a:t>
-            </a:r>
-            <a:r>
-              <a:rPr lang="it-IT" dirty="0" smtClean="0"/>
-              <a:t>(come una violazione di deadline)</a:t>
-            </a:r>
-          </a:p>
-          <a:p>
-            <a:r>
-              <a:rPr lang="it-IT" dirty="0" smtClean="0"/>
-              <a:t>Non entra immediatamente in esecuzione (dipende dai parametri di scheduling)</a:t>
-            </a:r>
-          </a:p>
-          <a:p>
-            <a:r>
-              <a:rPr lang="it-IT" dirty="0" smtClean="0"/>
-              <a:t>Quando si verifica un evento</a:t>
-            </a:r>
-          </a:p>
-          <a:p>
-            <a:pPr lvl="1"/>
-            <a:r>
-              <a:rPr lang="it-IT" dirty="0" smtClean="0"/>
-              <a:t>Un thread </a:t>
-            </a:r>
-            <a:r>
-              <a:rPr lang="it-IT" dirty="0" err="1" smtClean="0"/>
-              <a:t>realtime</a:t>
-            </a:r>
-            <a:r>
-              <a:rPr lang="it-IT" dirty="0" smtClean="0"/>
-              <a:t> di sistema esegue il suo metodo </a:t>
-            </a:r>
-            <a:r>
-              <a:rPr lang="it-IT" dirty="0" err="1" smtClean="0"/>
-              <a:t>handleAsyncEvent</a:t>
-            </a:r>
-            <a:endParaRPr lang="it-IT" dirty="0" smtClean="0"/>
-          </a:p>
-          <a:p>
-            <a:pPr lvl="1"/>
-            <a:r>
-              <a:rPr lang="it-IT" dirty="0" smtClean="0"/>
-              <a:t>Se </a:t>
-            </a:r>
-            <a:r>
-              <a:rPr lang="it-IT" dirty="0" err="1" smtClean="0"/>
-              <a:t>binding</a:t>
-            </a:r>
-            <a:r>
-              <a:rPr lang="it-IT" dirty="0" smtClean="0"/>
-              <a:t> dinamico troppo costoso -&gt; </a:t>
-            </a:r>
-            <a:r>
-              <a:rPr lang="it-IT" dirty="0" err="1" smtClean="0"/>
-              <a:t>BoundAsyncEventHandler</a:t>
+              <a:t>Necessità di monitorare l’attività delle varie entità durate l’esecuzione, senza incorrere in rallentamenti e problemi di sincronizzazione</a:t>
+            </a:r>
+          </a:p>
+          <a:p>
+            <a:r>
+              <a:rPr lang="it-IT" dirty="0" smtClean="0"/>
+              <a:t>Una zona di memoria riservata per ogni entità</a:t>
+            </a:r>
+          </a:p>
+          <a:p>
+            <a:r>
+              <a:rPr lang="it-IT" dirty="0" smtClean="0"/>
+              <a:t>Le scritture sono il più rapide e sintetiche possibile</a:t>
+            </a:r>
+          </a:p>
+          <a:p>
+            <a:r>
+              <a:rPr lang="it-IT" dirty="0" smtClean="0"/>
+              <a:t>A fine dell’esecuzione una serie di utility permettono di unire i fari log e fornire un risultato in forma </a:t>
+            </a:r>
+            <a:r>
+              <a:rPr lang="it-IT" dirty="0" err="1" smtClean="0"/>
+              <a:t>user-</a:t>
+            </a:r>
+            <a:r>
+              <a:rPr lang="it-IT" dirty="0" smtClean="0"/>
+              <a:t> </a:t>
+            </a:r>
+            <a:r>
+              <a:rPr lang="it-IT" dirty="0" err="1" smtClean="0"/>
+              <a:t>friendly</a:t>
             </a:r>
             <a:endParaRPr lang="it-IT" dirty="0"/>
           </a:p>
@@ -6706,13 +7480,25 @@
         <p:spPr/>
         <p:txBody>
           <a:bodyPr>
-            <a:normAutofit/>
+            <a:normAutofit fontScale="90000"/>
           </a:bodyPr>
           <a:lstStyle/>
           <a:p>
             <a:r>
               <a:rPr lang="it-IT" dirty="0" smtClean="0"/>
-              <a:t>Il sistema oggetto della tesi</a:t>
+              <a:t>Lo scheduling in Java </a:t>
+            </a:r>
+            <a:r>
+              <a:rPr lang="it-IT" dirty="0" err="1" smtClean="0"/>
+              <a:t>Real</a:t>
+            </a:r>
+            <a:r>
+              <a:rPr lang="it-IT" dirty="0" smtClean="0"/>
+              <a:t> - </a:t>
+            </a:r>
+            <a:r>
+              <a:rPr lang="it-IT" dirty="0" err="1" smtClean="0"/>
+              <a:t>Time</a:t>
             </a:r>
             <a:endParaRPr lang="it-IT" dirty="0"/>
           </a:p>
@@ -6737,146 +7523,46 @@
           <a:p>
             <a:r>
               <a:rPr lang="it-IT" dirty="0" smtClean="0"/>
-              <a:t>Real-Time Java System (RTJS</a:t>
-            </a:r>
-            <a:r>
-              <a:rPr lang="it-IT" dirty="0" smtClean="0"/>
-              <a:t>), </a:t>
-            </a:r>
-            <a:r>
-              <a:rPr lang="it-IT" dirty="0" smtClean="0"/>
-              <a:t>sviluppato da </a:t>
-            </a:r>
-            <a:r>
-              <a:rPr lang="it-IT" dirty="0" err="1" smtClean="0"/>
-              <a:t>Sun-Oracle</a:t>
-            </a:r>
-            <a:r>
-              <a:rPr lang="it-IT" dirty="0" smtClean="0"/>
-              <a:t>.</a:t>
-            </a:r>
-          </a:p>
-          <a:p>
-            <a:r>
-              <a:rPr lang="it-IT" dirty="0" smtClean="0"/>
-              <a:t>Versione 2.2 </a:t>
-            </a:r>
-            <a:r>
-              <a:rPr lang="it-IT" dirty="0" err="1" smtClean="0"/>
-              <a:t>academic</a:t>
-            </a:r>
-            <a:r>
-              <a:rPr lang="it-IT" dirty="0" smtClean="0"/>
-              <a:t> </a:t>
-            </a:r>
-            <a:r>
-              <a:rPr lang="it-IT" dirty="0" smtClean="0"/>
-              <a:t>per </a:t>
-            </a:r>
-            <a:r>
-              <a:rPr lang="it-IT" dirty="0" err="1" smtClean="0"/>
-              <a:t>Solaris</a:t>
-            </a:r>
-            <a:r>
-              <a:rPr lang="it-IT" dirty="0" smtClean="0"/>
-              <a:t> 10.9</a:t>
-            </a:r>
-          </a:p>
-          <a:p>
-            <a:r>
-              <a:rPr lang="it-IT" dirty="0" smtClean="0"/>
-              <a:t>Caratteristiche peculiari</a:t>
+              <a:t>La specifica prevede solo uno scheduler basato su priorità statica (</a:t>
+            </a:r>
+            <a:r>
+              <a:rPr lang="it-IT" dirty="0" err="1" smtClean="0"/>
+              <a:t>PriorityScheduler</a:t>
+            </a:r>
+            <a:r>
+              <a:rPr lang="it-IT" dirty="0" smtClean="0"/>
+              <a:t>)</a:t>
+            </a:r>
+          </a:p>
+          <a:p>
+            <a:r>
+              <a:rPr lang="it-IT" dirty="0" smtClean="0"/>
+              <a:t>Entra in esecuzione il thread a priorità maggiore (priorità espressa dall’utente nei </a:t>
+            </a:r>
+            <a:r>
+              <a:rPr lang="it-IT" dirty="0" err="1" smtClean="0"/>
+              <a:t>PriorityParametres</a:t>
+            </a:r>
+            <a:r>
+              <a:rPr lang="it-IT" dirty="0" smtClean="0"/>
+              <a:t>)</a:t>
+            </a:r>
+          </a:p>
+          <a:p>
+            <a:r>
+              <a:rPr lang="it-IT" dirty="0" smtClean="0"/>
+              <a:t>RTJS implementa questa specifica mappando direttamente i thread Java nei thread di sistema.</a:t>
             </a:r>
           </a:p>
           <a:p>
             <a:pPr lvl="1"/>
             <a:r>
               <a:rPr lang="it-IT" dirty="0" smtClean="0"/>
-              <a:t>Liste di </a:t>
-            </a:r>
-            <a:r>
-              <a:rPr lang="it-IT" dirty="0" err="1" smtClean="0"/>
-              <a:t>preinizializzazione</a:t>
-            </a:r>
-            <a:r>
-              <a:rPr lang="it-IT" dirty="0" smtClean="0"/>
-              <a:t> e compilazione</a:t>
-            </a:r>
-          </a:p>
-          <a:p>
-            <a:pPr lvl="1"/>
-            <a:r>
-              <a:rPr lang="it-IT" dirty="0" err="1" smtClean="0"/>
-              <a:t>Real</a:t>
-            </a:r>
-            <a:r>
-              <a:rPr lang="it-IT" dirty="0" smtClean="0"/>
-              <a:t> </a:t>
-            </a:r>
-            <a:r>
-              <a:rPr lang="it-IT" dirty="0" err="1" smtClean="0"/>
-              <a:t>Time</a:t>
-            </a:r>
-            <a:r>
-              <a:rPr lang="it-IT" dirty="0" smtClean="0"/>
-              <a:t> </a:t>
-            </a:r>
-            <a:r>
-              <a:rPr lang="it-IT" dirty="0" err="1" smtClean="0"/>
-              <a:t>Garbage</a:t>
-            </a:r>
-            <a:r>
-              <a:rPr lang="it-IT" dirty="0" smtClean="0"/>
-              <a:t> </a:t>
-            </a:r>
-            <a:r>
-              <a:rPr lang="it-IT" dirty="0" err="1" smtClean="0"/>
-              <a:t>Collector</a:t>
-            </a:r>
-            <a:endParaRPr lang="it-IT" dirty="0" smtClean="0"/>
-          </a:p>
-          <a:p>
-            <a:pPr lvl="2"/>
-            <a:r>
-              <a:rPr lang="it-IT" dirty="0" smtClean="0"/>
-              <a:t>Non </a:t>
-            </a:r>
-            <a:r>
-              <a:rPr lang="it-IT" dirty="0" err="1" smtClean="0"/>
-              <a:t>ercita</a:t>
-            </a:r>
-            <a:r>
-              <a:rPr lang="it-IT" dirty="0" smtClean="0"/>
-              <a:t> preemption su thread </a:t>
-            </a:r>
-            <a:r>
-              <a:rPr lang="it-IT" dirty="0" err="1" smtClean="0"/>
-              <a:t>real</a:t>
-            </a:r>
-            <a:r>
-              <a:rPr lang="it-IT" dirty="0" smtClean="0"/>
-              <a:t> </a:t>
-            </a:r>
-            <a:r>
-              <a:rPr lang="it-IT" dirty="0" err="1" smtClean="0"/>
-              <a:t>time</a:t>
-            </a:r>
-            <a:endParaRPr lang="it-IT" dirty="0" smtClean="0"/>
-          </a:p>
-          <a:p>
-            <a:pPr lvl="2"/>
-            <a:r>
-              <a:rPr lang="it-IT" dirty="0" smtClean="0"/>
-              <a:t>Può eseguire </a:t>
-            </a:r>
-            <a:r>
-              <a:rPr lang="it-IT" dirty="0" err="1" smtClean="0"/>
-              <a:t>concorrentemente</a:t>
-            </a:r>
-            <a:r>
-              <a:rPr lang="it-IT" dirty="0" smtClean="0"/>
-              <a:t> (assenza di fasi stop the world)</a:t>
-            </a:r>
+              <a:t>Di fatto, è il sistema operativo che provvede a mettere in esecuzione il thread più prioritario</a:t>
+            </a:r>
+          </a:p>
+          <a:p>
+            <a:endParaRPr lang="it-IT" dirty="0"/>
           </a:p>
         </p:txBody>
       </p:sp>
@@ -6896,9 +7582,9 @@
 </file>
 
 <file path=ppt/theme/theme1.xml><?xml version="1.0" encoding="utf-8"?>
-<a:theme xmlns:a="http://schemas.openxmlformats.org/drawingml/2006/main" name="Tema di Office">
+<a:theme xmlns:a="http://schemas.openxmlformats.org/drawingml/2006/main" name="Equinozio">
   <a:themeElements>
-    <a:clrScheme name="Office">
+    <a:clrScheme name="Equinozio">
       <a:dk1>
         <a:sysClr val="windowText" lastClr="000000"/>
       </a:dk1>
@@ -6906,80 +7592,46 @@
         <a:sysClr val="window" lastClr="FFFFFF"/>
       </a:lt1>
       <a:dk2>
-        <a:srgbClr val="1F497D"/>
+        <a:srgbClr val="04617B"/>
       </a:dk2>
       <a:lt2>
-        <a:srgbClr val="EEECE1"/>
+        <a:srgbClr val="DBF5F9"/>
       </a:lt2>
       <a:accent1>
-        <a:srgbClr val="4F81BD"/>
+        <a:srgbClr val="0F6FC6"/>
       </a:accent1>
       <a:accent2>
-        <a:srgbClr val="C0504D"/>
+        <a:srgbClr val="009DD9"/>
       </a:accent2>
       <a:accent3>
-        <a:srgbClr val="9BBB59"/>
+        <a:srgbClr val="0BD0D9"/>
       </a:accent3>
       <a:accent4>
-        <a:srgbClr val="8064A2"/>
+        <a:srgbClr val="10CF9B"/>
       </a:accent4>
       <a:accent5>
-        <a:srgbClr val="4BACC6"/>
+        <a:srgbClr val="7CCA62"/>
       </a:accent5>
       <a:accent6>
-        <a:srgbClr val="F79646"/>
+        <a:srgbClr val="A5C249"/>
       </a:accent6>
       <a:hlink>
-        <a:srgbClr val="0000FF"/>
+        <a:srgbClr val="E2D700"/>
       </a:hlink>
       <a:folHlink>
-        <a:srgbClr val="800080"/>
+        <a:srgbClr val="85DFD0"/>
       </a:folHlink>
     </a:clrScheme>
-    <a:fontScheme name="Office">
+    <a:fontScheme name="Equinozio">
       <a:majorFont>
         <a:latin typeface="Calibri"/>
         <a:ea typeface=""/>
         <a:cs typeface=""/>
         <a:font script="Jpan" typeface="ＭＳ Ｐゴシック"/>
-        <a:font script="Hang" typeface="맑은 고딕"/>
-        <a:font script="Hans" typeface="宋体"/>
-        <a:font script="Hant" typeface="新細明體"/>
-        <a:font script="Arab" typeface="Times New Roman"/>
-        <a:font script="Hebr" typeface="Times New Roman"/>
-        <a:font script="Thai" typeface="Angsana New"/>
-        <a:font script="Ethi" typeface="Nyala"/>
-        <a:font script="Beng" typeface="Vrinda"/>
-        <a:font script="Gujr" typeface="Shruti"/>
-        <a:font script="Khmr" typeface="MoolBoran"/>
-        <a:font script="Knda" typeface="Tunga"/>
-        <a:font script="Guru" typeface="Raavi"/>
-        <a:font script="Cans" typeface="Euphemia"/>
-        <a:font script="Cher" typeface="Plantagenet Cherokee"/>
-        <a:font script="Yiii" typeface="Microsoft Yi Baiti"/>
-        <a:font script="Tibt" typeface="Microsoft Himalaya"/>
-        <a:font script="Thaa" typeface="MV Boli"/>
-        <a:font script="Deva" typeface="Mangal"/>
-        <a:font script="Telu" typeface="Gautami"/>
-        <a:font script="Taml" typeface="Latha"/>
-        <a:font script="Syrc" typeface="Estrangelo Edessa"/>
-        <a:font script="Orya" typeface="Kalinga"/>
-        <a:font script="Mlym" typeface="Kartika"/>
-        <a:font script="Laoo" typeface="DokChampa"/>
-        <a:font script="Sinh" typeface="Iskoola Pota"/>
-        <a:font script="Mong" typeface="Mongolian Baiti"/>
-        <a:font script="Viet" typeface="Times New Roman"/>
-        <a:font script="Uigh" typeface="Microsoft Uighur"/>
-      </a:majorFont>
-      <a:minorFont>
-        <a:latin typeface="Calibri"/>
-        <a:ea typeface=""/>
-        <a:cs typeface=""/>
-        <a:font script="Jpan" typeface="ＭＳ Ｐゴシック"/>
-        <a:font script="Hang" typeface="맑은 고딕"/>
-        <a:font script="Hans" typeface="宋体"/>
-        <a:font script="Hant" typeface="新細明體"/>
-        <a:font script="Arab" typeface="Arial"/>
+        <a:font script="Hang" typeface="HY중고딕"/>
+        <a:font script="Hans" typeface="隶书"/>
+        <a:font script="Hant" typeface="微軟正黑體"/>
+        <a:font script="Arab" typeface="Traditional Arabic"/>
         <a:font script="Hebr" typeface="Arial"/>
         <a:font script="Thai" typeface="Cordia New"/>
         <a:font script="Ethi" typeface="Nyala"/>
@@ -7004,9 +7656,43 @@
         <a:font script="Mong" typeface="Mongolian Baiti"/>
         <a:font script="Viet" typeface="Arial"/>
         <a:font script="Uigh" typeface="Microsoft Uighur"/>
+      </a:majorFont>
+      <a:minorFont>
+        <a:latin typeface="Constantia"/>
+        <a:ea typeface=""/>
+        <a:cs typeface=""/>
+        <a:font script="Jpan" typeface="HGP明朝E"/>
+        <a:font script="Hang" typeface="HY신명조"/>
+        <a:font script="Hans" typeface="宋体"/>
+        <a:font script="Hant" typeface="新細明體"/>
+        <a:font script="Arab" typeface="Majalla UI"/>
+        <a:font script="Hebr" typeface="David"/>
+        <a:font script="Thai" typeface="Browallia New"/>
+        <a:font script="Ethi" typeface="Nyala"/>
+        <a:font script="Beng" typeface="Vrinda"/>
+        <a:font script="Gujr" typeface="Shruti"/>
+        <a:font script="Khmr" typeface="MoolBoran"/>
+        <a:font script="Knda" typeface="Tunga"/>
+        <a:font script="Guru" typeface="Raavi"/>
+        <a:font script="Cans" typeface="Euphemia"/>
+        <a:font script="Cher" typeface="Plantagenet Cherokee"/>
+        <a:font script="Yiii" typeface="Microsoft Yi Baiti"/>
+        <a:font script="Tibt" typeface="Microsoft Himalaya"/>
+        <a:font script="Thaa" typeface="MV Boli"/>
+        <a:font script="Deva" typeface="Mangal"/>
+        <a:font script="Telu" typeface="Gautami"/>
+        <a:font script="Taml" typeface="Latha"/>
+        <a:font script="Syrc" typeface="Estrangelo Edessa"/>
+        <a:font script="Orya" typeface="Kalinga"/>
+        <a:font script="Mlym" typeface="Kartika"/>
+        <a:font script="Laoo" typeface="DokChampa"/>
+        <a:font script="Sinh" typeface="Iskoola Pota"/>
+        <a:font script="Mong" typeface="Mongolian Baiti"/>
+        <a:font script="Viet" typeface="Times New Roman"/>
+        <a:font script="Uigh" typeface="Microsoft Uighur"/>
       </a:minorFont>
     </a:fontScheme>
-    <a:fmtScheme name="Office">
+    <a:fmtScheme name="Equinozio">
       <a:fillStyleLst>
         <a:solidFill>
           <a:schemeClr val="phClr"/>
@@ -7015,55 +7701,66 @@
           <a:gsLst>
             <a:gs pos="0">
               <a:schemeClr val="phClr">
-                <a:tint val="50000"/>
-                <a:satMod val="300000"/>
+                <a:tint val="70000"/>
+                <a:satMod val="130000"/>
               </a:schemeClr>
             </a:gs>
-            <a:gs pos="35000">
+            <a:gs pos="43000">
               <a:schemeClr val="phClr">
-                <a:tint val="37000"/>
-                <a:satMod val="300000"/>
+                <a:tint val="44000"/>
+                <a:satMod val="165000"/>
+              </a:schemeClr>
+            </a:gs>
+            <a:gs pos="93000">
+              <a:schemeClr val="phClr">
+                <a:tint val="15000"/>
+                <a:satMod val="165000"/>
               </a:schemeClr>
             </a:gs>
             <a:gs pos="100000">
               <a:schemeClr val="phClr">
-                <a:tint val="15000"/>
-                <a:satMod val="350000"/>
+                <a:tint val="5000"/>
+                <a:satMod val="250000"/>
               </a:schemeClr>
             </a:gs>
           </a:gsLst>
-          <a:lin ang="16200000" scaled="1"/>
+          <a:path path="circle">
+            <a:fillToRect l="50000" t="130000" r="50000" b="-30000"/>
+          </a:path>
         </a:gradFill>
         <a:gradFill rotWithShape="1">
           <a:gsLst>
             <a:gs pos="0">
               <a:schemeClr val="phClr">
-                <a:shade val="51000"/>
-                <a:satMod val="130000"/>
+                <a:tint val="98000"/>
+                <a:shade val="25000"/>
+                <a:satMod val="250000"/>
               </a:schemeClr>
             </a:gs>
-            <a:gs pos="80000">
+            <a:gs pos="68000">
               <a:schemeClr val="phClr">
-                <a:shade val="93000"/>
-                <a:satMod val="130000"/>
+                <a:tint val="86000"/>
+                <a:satMod val="115000"/>
               </a:schemeClr>
             </a:gs>
             <a:gs pos="100000">
               <a:schemeClr val="phClr">
-                <a:shade val="94000"/>
-                <a:satMod val="135000"/>
+                <a:tint val="50000"/>
+                <a:satMod val="150000"/>
               </a:schemeClr>
             </a:gs>
           </a:gsLst>
-          <a:lin ang="16200000" scaled="0"/>
+          <a:path path="circle">
+            <a:fillToRect l="50000" t="130000" r="50000" b="-30000"/>
+          </a:path>
         </a:gradFill>
       </a:fillStyleLst>
       <a:lnStyleLst>
         <a:ln w="9525" cap="flat" cmpd="sng" algn="ctr">
           <a:solidFill>
             <a:schemeClr val="phClr">
-              <a:shade val="95000"/>
-              <a:satMod val="105000"/>
+              <a:shade val="50000"/>
+              <a:satMod val="103000"/>
             </a:schemeClr>
           </a:solidFill>
           <a:prstDash val="solid"/>
@@ -7084,40 +7781,46 @@
       <a:effectStyleLst>
         <a:effectStyle>
           <a:effectLst>
-            <a:outerShdw blurRad="40000" dist="20000" dir="5400000" rotWithShape="0">
-              <a:srgbClr val="000000">
-                <a:alpha val="38000"/>
-              </a:srgbClr>
+            <a:outerShdw blurRad="57150" dist="38100" dir="5400000" algn="ctr" rotWithShape="0">
+              <a:schemeClr val="phClr">
+                <a:shade val="9000"/>
+                <a:satMod val="105000"/>
+                <a:alpha val="48000"/>
+              </a:schemeClr>
             </a:outerShdw>
           </a:effectLst>
         </a:effectStyle>
         <a:effectStyle>
           <a:effectLst>
-            <a:outerShdw blurRad="40000" dist="23000" dir="5400000" rotWithShape="0">
-              <a:srgbClr val="000000">
-                <a:alpha val="35000"/>
-              </a:srgbClr>
+            <a:outerShdw blurRad="57150" dist="38100" dir="5400000" algn="ctr" rotWithShape="0">
+              <a:schemeClr val="phClr">
+                <a:shade val="9000"/>
+                <a:satMod val="105000"/>
+                <a:alpha val="48000"/>
+              </a:schemeClr>
             </a:outerShdw>
           </a:effectLst>
         </a:effectStyle>
         <a:effectStyle>
           <a:effectLst>
-            <a:outerShdw blurRad="40000" dist="23000" dir="5400000" rotWithShape="0">
-              <a:srgbClr val="000000">
-                <a:alpha val="35000"/>
-              </a:srgbClr>
+            <a:outerShdw blurRad="57150" dist="38100" dir="5400000" algn="ctr" rotWithShape="0">
+              <a:schemeClr val="phClr">
+                <a:shade val="9000"/>
+                <a:satMod val="105000"/>
+                <a:alpha val="48000"/>
+              </a:schemeClr>
             </a:outerShdw>
           </a:effectLst>
           <a:scene3d>
-            <a:camera prst="orthographicFront">
+            <a:camera prst="orthographicFront" fov="0">
               <a:rot lat="0" lon="0" rev="0"/>
             </a:camera>
-            <a:lightRig rig="threePt" dir="t">
-              <a:rot lat="0" lon="0" rev="1200000"/>
+            <a:lightRig rig="glow" dir="tl">
+              <a:rot lat="0" lon="0" rev="900000"/>
             </a:lightRig>
           </a:scene3d>
-          <a:sp3d>
-            <a:bevelT w="63500" h="25400"/>
+          <a:sp3d prstMaterial="powder">
+            <a:bevelT w="25400" h="38100"/>
           </a:sp3d>
         </a:effectStyle>
       </a:effectStyleLst>
@@ -7129,47 +7832,42 @@
           <a:gsLst>
             <a:gs pos="0">
               <a:schemeClr val="phClr">
-                <a:tint val="40000"/>
-                <a:satMod val="350000"/>
+                <a:tint val="80000"/>
+                <a:satMod val="400000"/>
               </a:schemeClr>
             </a:gs>
-            <a:gs pos="40000">
+            <a:gs pos="25000">
               <a:schemeClr val="phClr">
-                <a:tint val="45000"/>
-                <a:shade val="99000"/>
-                <a:satMod val="350000"/>
+                <a:tint val="83000"/>
+                <a:satMod val="320000"/>
               </a:schemeClr>
             </a:gs>
             <a:gs pos="100000">
               <a:schemeClr val="phClr">
-                <a:shade val="20000"/>
-                <a:satMod val="255000"/>
+                <a:shade val="15000"/>
+                <a:satMod val="320000"/>
               </a:schemeClr>
             </a:gs>
           </a:gsLst>
           <a:path path="circle">
-            <a:fillToRect l="50000" t="-80000" r="50000" b="180000"/>
+            <a:fillToRect l="10000" t="110000" r="10000" b="100000"/>
           </a:path>
         </a:gradFill>
-        <a:gradFill rotWithShape="1">
-          <a:gsLst>
-            <a:gs pos="0">
+        <a:blipFill>
+          <a:blip xmlns:r="http://schemas.openxmlformats.org/officeDocument/2006/relationships" r:embed="rId1">
+            <a:duotone>
               <a:schemeClr val="phClr">
-                <a:tint val="80000"/>
-                <a:satMod val="300000"/>
+                <a:shade val="90000"/>
+                <a:satMod val="150000"/>
               </a:schemeClr>
-            </a:gs>
-            <a:gs pos="100000">
               <a:schemeClr val="phClr">
-                <a:shade val="30000"/>
-                <a:satMod val="200000"/>
+                <a:tint val="88000"/>
+                <a:satMod val="150000"/>
               </a:schemeClr>
-            </a:gs>
-          </a:gsLst>
-          <a:path path="circle">
-            <a:fillToRect l="50000" t="50000" r="50000" b="50000"/>
-          </a:path>
-        </a:gradFill>
+            </a:duotone>
+          </a:blip>
+          <a:tile tx="0" ty="0" sx="65000" sy="65000" flip="none" algn="tl"/>
+        </a:blipFill>
       </a:bgFillStyleLst>
     </a:fmtScheme>
   </a:themeElements>

--- a/SolarisNetBeansProjects/parti tesi/bozza presentazione.pptx
+++ b/SolarisNetBeansProjects/parti tesi/bozza presentazione.pptx
@@ -9014,6 +9014,8 @@
               </a:rPr>
               <a:t>) </a:t>
             </a:r>
+          </a:p>
+          <a:p>
             <a:r>
               <a:rPr lang="it-IT" sz="1600" dirty="0" err="1" smtClean="0">
                 <a:solidFill>
@@ -9032,17 +9034,13 @@
                 <a:latin typeface="Courier New" pitchFamily="49" charset="0"/>
                 <a:cs typeface="Courier New" pitchFamily="49" charset="0"/>
               </a:rPr>
-              <a:t>();</a:t>
-            </a:r>
-            <a:r>
-              <a:rPr lang="it-IT" sz="1600" dirty="0" smtClean="0">
-                <a:latin typeface="Courier New" pitchFamily="49" charset="0"/>
-                <a:cs typeface="Courier New" pitchFamily="49" charset="0"/>
-              </a:rPr>
-              <a:t>                                           </a:t>
+              <a:t>();      </a:t>
             </a:r>
             <a:r>
               <a:rPr lang="it-IT" sz="1600" dirty="0" err="1" smtClean="0">
+                <a:solidFill>
+                  <a:srgbClr val="FF0000"/>
+                </a:solidFill>
                 <a:latin typeface="Courier New" pitchFamily="49" charset="0"/>
                 <a:cs typeface="Courier New" pitchFamily="49" charset="0"/>
               </a:rPr>
@@ -9050,6 +9048,9 @@
             </a:r>
             <a:r>
               <a:rPr lang="it-IT" sz="1600" dirty="0" smtClean="0">
+                <a:solidFill>
+                  <a:srgbClr val="FF0000"/>
+                </a:solidFill>
                 <a:latin typeface="Courier New" pitchFamily="49" charset="0"/>
                 <a:cs typeface="Courier New" pitchFamily="49" charset="0"/>
               </a:rPr>
@@ -9057,6 +9058,9 @@
             </a:r>
             <a:r>
               <a:rPr lang="it-IT" sz="1600" dirty="0" err="1" smtClean="0">
+                <a:solidFill>
+                  <a:srgbClr val="FF0000"/>
+                </a:solidFill>
                 <a:latin typeface="Courier New" pitchFamily="49" charset="0"/>
                 <a:cs typeface="Courier New" pitchFamily="49" charset="0"/>
               </a:rPr>
@@ -9064,11 +9068,21 @@
             </a:r>
             <a:r>
               <a:rPr lang="it-IT" sz="1600" dirty="0" smtClean="0">
+                <a:solidFill>
+                  <a:srgbClr val="FF0000"/>
+                </a:solidFill>
                 <a:latin typeface="Courier New" pitchFamily="49" charset="0"/>
                 <a:cs typeface="Courier New" pitchFamily="49" charset="0"/>
               </a:rPr>
               <a:t>);</a:t>
             </a:r>
+            <a:endParaRPr lang="it-IT" sz="1600" dirty="0" smtClean="0">
+              <a:solidFill>
+                <a:srgbClr val="FF0000"/>
+              </a:solidFill>
+              <a:latin typeface="Courier New" pitchFamily="49" charset="0"/>
+              <a:cs typeface="Courier New" pitchFamily="49" charset="0"/>
+            </a:endParaRPr>
           </a:p>
           <a:p>
             <a:r>
@@ -9095,6 +9109,9 @@
           <a:p>
             <a:r>
               <a:rPr lang="it-IT" sz="1600" dirty="0" smtClean="0">
+                <a:solidFill>
+                  <a:srgbClr val="FF0000"/>
+                </a:solidFill>
                 <a:latin typeface="Courier New" pitchFamily="49" charset="0"/>
                 <a:cs typeface="Courier New" pitchFamily="49" charset="0"/>
               </a:rPr>
@@ -9102,6 +9119,9 @@
             </a:r>
             <a:r>
               <a:rPr lang="it-IT" sz="1600" dirty="0" err="1" smtClean="0">
+                <a:solidFill>
+                  <a:srgbClr val="FF0000"/>
+                </a:solidFill>
                 <a:latin typeface="Courier New" pitchFamily="49" charset="0"/>
                 <a:cs typeface="Courier New" pitchFamily="49" charset="0"/>
               </a:rPr>
@@ -9109,6 +9129,9 @@
             </a:r>
             <a:r>
               <a:rPr lang="it-IT" sz="1600" dirty="0" smtClean="0">
+                <a:solidFill>
+                  <a:srgbClr val="FF0000"/>
+                </a:solidFill>
                 <a:latin typeface="Courier New" pitchFamily="49" charset="0"/>
                 <a:cs typeface="Courier New" pitchFamily="49" charset="0"/>
               </a:rPr>
@@ -9121,7 +9144,14 @@
                 <a:latin typeface="Courier New" pitchFamily="49" charset="0"/>
                 <a:cs typeface="Courier New" pitchFamily="49" charset="0"/>
               </a:rPr>
-              <a:t>  }</a:t>
+              <a:t>  </a:t>
+            </a:r>
+            <a:r>
+              <a:rPr lang="it-IT" sz="1600" dirty="0" smtClean="0">
+                <a:latin typeface="Courier New" pitchFamily="49" charset="0"/>
+                <a:cs typeface="Courier New" pitchFamily="49" charset="0"/>
+              </a:rPr>
+              <a:t>}</a:t>
             </a:r>
           </a:p>
           <a:p>
@@ -9156,88 +9186,9 @@
   <p:timing>
     <p:tnLst>
       <p:par>
-        <p:cTn id="1" dur="indefinite" restart="never" nodeType="tmRoot">
-          <p:childTnLst>
-            <p:seq concurrent="1" nextAc="seek">
-              <p:cTn id="2" dur="indefinite" nodeType="mainSeq">
-                <p:childTnLst>
-                  <p:par>
-                    <p:cTn id="3" fill="hold">
-                      <p:stCondLst>
-                        <p:cond delay="indefinite"/>
-                      </p:stCondLst>
-                      <p:childTnLst>
-                        <p:par>
-                          <p:cTn id="4" fill="hold">
-                            <p:stCondLst>
-                              <p:cond delay="0"/>
-                            </p:stCondLst>
-                            <p:childTnLst>
-                              <p:par>
-                                <p:cTn id="5" presetID="4" presetClass="entr" presetSubtype="16" fill="hold" grpId="0" nodeType="clickEffect">
-                                  <p:stCondLst>
-                                    <p:cond delay="0"/>
-                                  </p:stCondLst>
-                                  <p:childTnLst>
-                                    <p:set>
-                                      <p:cBhvr>
-                                        <p:cTn id="6" dur="1" fill="hold">
-                                          <p:stCondLst>
-                                            <p:cond delay="0"/>
-                                          </p:stCondLst>
-                                        </p:cTn>
-                                        <p:tgtEl>
-                                          <p:spTgt spid="8"/>
-                                        </p:tgtEl>
-                                        <p:attrNameLst>
-                                          <p:attrName>style.visibility</p:attrName>
-                                        </p:attrNameLst>
-                                      </p:cBhvr>
-                                      <p:to>
-                                        <p:strVal val="visible"/>
-                                      </p:to>
-                                    </p:set>
-                                    <p:animEffect transition="in" filter="box(in)">
-                                      <p:cBhvr>
-                                        <p:cTn id="7" dur="500"/>
-                                        <p:tgtEl>
-                                          <p:spTgt spid="8"/>
-                                        </p:tgtEl>
-                                      </p:cBhvr>
-                                    </p:animEffect>
-                                  </p:childTnLst>
-                                </p:cTn>
-                              </p:par>
-                            </p:childTnLst>
-                          </p:cTn>
-                        </p:par>
-                      </p:childTnLst>
-                    </p:cTn>
-                  </p:par>
-                </p:childTnLst>
-              </p:cTn>
-              <p:prevCondLst>
-                <p:cond evt="onPrev" delay="0">
-                  <p:tgtEl>
-                    <p:sldTgt/>
-                  </p:tgtEl>
-                </p:cond>
-              </p:prevCondLst>
-              <p:nextCondLst>
-                <p:cond evt="onNext" delay="0">
-                  <p:tgtEl>
-                    <p:sldTgt/>
-                  </p:tgtEl>
-                </p:cond>
-              </p:nextCondLst>
-            </p:seq>
-          </p:childTnLst>
-        </p:cTn>
+        <p:cTn id="1" dur="indefinite" restart="never" nodeType="tmRoot"/>
       </p:par>
     </p:tnLst>
-    <p:bldLst>
-      <p:bldP spid="8" grpId="0" animBg="1"/>
-    </p:bldLst>
   </p:timing>
 </p:sld>
 </file>
@@ -11428,7 +11379,11 @@
             </a:r>
             <a:r>
               <a:rPr lang="it-IT" dirty="0" smtClean="0"/>
-              <a:t> robusto anche in caso di accessi a risorse condivise</a:t>
+              <a:t> robusto anche in caso di accessi a risorse </a:t>
+            </a:r>
+            <a:r>
+              <a:rPr lang="it-IT" dirty="0" smtClean="0"/>
+              <a:t>condivise.</a:t>
             </a:r>
             <a:endParaRPr lang="it-IT" dirty="0"/>
           </a:p>
@@ -11802,7 +11757,11 @@
             </a:r>
             <a:r>
               <a:rPr lang="it-IT" dirty="0" smtClean="0"/>
-              <a:t> non bloccante qualora sia già passato l’istante di </a:t>
+              <a:t>() </a:t>
+            </a:r>
+            <a:r>
+              <a:rPr lang="it-IT" dirty="0" smtClean="0"/>
+              <a:t>non bloccante qualora sia già passato l’istante di </a:t>
             </a:r>
             <a:r>
               <a:rPr lang="it-IT" dirty="0" err="1" smtClean="0"/>
@@ -12310,8 +12269,13 @@
             </a:r>
             <a:r>
               <a:rPr lang="it-IT" dirty="0" smtClean="0"/>
-              <a:t> SKIP allevia il sovraccarico del sistema non schedulando altri job nel periodo successivo.</a:t>
-            </a:r>
+              <a:t> SKIP allevia il sovraccarico del sistema non schedulando altri job </a:t>
+            </a:r>
+            <a:r>
+              <a:rPr lang="it-IT" dirty="0" smtClean="0"/>
+              <a:t>nel periodo successivo.</a:t>
+            </a:r>
+            <a:endParaRPr lang="it-IT" dirty="0" smtClean="0"/>
           </a:p>
           <a:p>
             <a:endParaRPr lang="it-IT" dirty="0" smtClean="0"/>
@@ -13592,11 +13556,11 @@
           <a:p>
             <a:r>
               <a:rPr lang="it-IT" dirty="0" smtClean="0"/>
-              <a:t>L’implementazione della politica </a:t>
+              <a:t>La politica di Java real-time in presenza di un </a:t>
             </a:r>
             <a:r>
               <a:rPr lang="it-IT" dirty="0" err="1" smtClean="0"/>
-              <a:t>Skip</a:t>
+              <a:t>handler</a:t>
             </a:r>
             <a:endParaRPr lang="it-IT" dirty="0"/>
           </a:p>
@@ -13621,7 +13585,15 @@
           <a:p>
             <a:r>
               <a:rPr lang="it-IT" dirty="0" smtClean="0"/>
-              <a:t>Se si specifica un </a:t>
+              <a:t>In caso di </a:t>
+            </a:r>
+            <a:r>
+              <a:rPr lang="it-IT" dirty="0" err="1" smtClean="0"/>
+              <a:t>deadline</a:t>
+            </a:r>
+            <a:r>
+              <a:rPr lang="it-IT" dirty="0" smtClean="0"/>
+              <a:t> miss, se è presente un </a:t>
             </a:r>
             <a:r>
               <a:rPr lang="it-IT" dirty="0" err="1" smtClean="0"/>
@@ -13653,7 +13625,11 @@
             </a:r>
             <a:r>
               <a:rPr lang="it-IT" dirty="0" smtClean="0"/>
-              <a:t> bloccante </a:t>
+              <a:t>() </a:t>
+            </a:r>
+            <a:r>
+              <a:rPr lang="it-IT" dirty="0" smtClean="0"/>
+              <a:t>bloccante </a:t>
             </a:r>
             <a:r>
               <a:rPr lang="it-IT" dirty="0" err="1" smtClean="0"/>
@@ -13669,7 +13645,11 @@
             </a:r>
             <a:r>
               <a:rPr lang="it-IT" dirty="0" smtClean="0"/>
-              <a:t> sul thread.</a:t>
+              <a:t>() </a:t>
+            </a:r>
+            <a:r>
+              <a:rPr lang="it-IT" dirty="0" smtClean="0"/>
+              <a:t>sul thread.</a:t>
             </a:r>
           </a:p>
           <a:p>
@@ -13687,19 +13667,15 @@
             </a:r>
             <a:r>
               <a:rPr lang="it-IT" dirty="0" err="1" smtClean="0"/>
-              <a:t>schedule</a:t>
+              <a:t>schedulePeriodic</a:t>
             </a:r>
             <a:r>
               <a:rPr lang="it-IT" dirty="0" smtClean="0"/>
-              <a:t> </a:t>
-            </a:r>
-            <a:r>
-              <a:rPr lang="it-IT" dirty="0" err="1" smtClean="0"/>
-              <a:t>Periodic</a:t>
+              <a:t>() comportamento </a:t>
             </a:r>
             <a:r>
               <a:rPr lang="it-IT" dirty="0" smtClean="0"/>
-              <a:t> Comportamento ASAP</a:t>
+              <a:t>ASAP</a:t>
             </a:r>
           </a:p>
           <a:p>
@@ -13713,7 +13689,11 @@
             </a:r>
             <a:r>
               <a:rPr lang="it-IT" dirty="0" smtClean="0"/>
-              <a:t> l’</a:t>
+              <a:t> consecutivamente </a:t>
+            </a:r>
+            <a:r>
+              <a:rPr lang="it-IT" dirty="0" smtClean="0"/>
+              <a:t>l’</a:t>
             </a:r>
             <a:r>
               <a:rPr lang="it-IT" dirty="0" err="1" smtClean="0"/>
@@ -15655,7 +15635,6 @@
               <a:rPr lang="it-IT" dirty="0" smtClean="0"/>
               <a:t> EDF per Java Real-Time</a:t>
             </a:r>
-            <a:endParaRPr lang="it-IT" dirty="0" smtClean="0"/>
           </a:p>
           <a:p>
             <a:r>
@@ -15797,7 +15776,15 @@
           <a:p>
             <a:r>
               <a:rPr lang="it-IT" dirty="0" smtClean="0"/>
-              <a:t>Se si chiama il metodo interrupt del thread mentre sta eseguendo un metodo interrompibile la </a:t>
+              <a:t>Se si chiama il metodo </a:t>
+            </a:r>
+            <a:r>
+              <a:rPr lang="it-IT" dirty="0" smtClean="0"/>
+              <a:t>interrupt() di un thread real-time </a:t>
+            </a:r>
+            <a:r>
+              <a:rPr lang="it-IT" dirty="0" smtClean="0"/>
+              <a:t>mentre sta eseguendo un metodo interrompibile la </a:t>
             </a:r>
             <a:r>
               <a:rPr lang="it-IT" dirty="0" err="1" smtClean="0"/>
@@ -16898,7 +16885,7 @@
         </p:nvSpPr>
         <p:spPr>
           <a:xfrm>
-            <a:off x="2987824" y="6167045"/>
+            <a:off x="2987824" y="6165304"/>
             <a:ext cx="576064" cy="216024"/>
           </a:xfrm>
           <a:prstGeom prst="rect">
@@ -17448,8 +17435,8 @@
         </p:nvSpPr>
         <p:spPr>
           <a:xfrm>
-            <a:off x="1547664" y="2710661"/>
-            <a:ext cx="2736304" cy="216024"/>
+            <a:off x="1547664" y="2708920"/>
+            <a:ext cx="2520280" cy="217765"/>
           </a:xfrm>
           <a:prstGeom prst="rect">
             <a:avLst/>
@@ -17501,8 +17488,8 @@
         </p:nvSpPr>
         <p:spPr>
           <a:xfrm>
-            <a:off x="4788024" y="2710661"/>
-            <a:ext cx="504056" cy="216024"/>
+            <a:off x="4716016" y="2708920"/>
+            <a:ext cx="576064" cy="217765"/>
           </a:xfrm>
           <a:prstGeom prst="rect">
             <a:avLst/>
@@ -17607,8 +17594,8 @@
         </p:nvSpPr>
         <p:spPr>
           <a:xfrm>
-            <a:off x="4211960" y="2710661"/>
-            <a:ext cx="576064" cy="216024"/>
+            <a:off x="4067944" y="2708920"/>
+            <a:ext cx="648072" cy="217765"/>
           </a:xfrm>
           <a:prstGeom prst="rect">
             <a:avLst/>
@@ -19904,11 +19891,7 @@
           <a:p>
             <a:r>
               <a:rPr lang="it-IT" dirty="0" smtClean="0"/>
-              <a:t>SKIP </a:t>
-            </a:r>
-            <a:r>
-              <a:rPr lang="it-IT" dirty="0" smtClean="0"/>
-              <a:t>STOP</a:t>
+              <a:t>SKIP STOP</a:t>
             </a:r>
           </a:p>
           <a:p>
@@ -20617,7 +20600,7 @@
                     <a:p>
                       <a:r>
                         <a:rPr lang="it-IT" sz="1400" dirty="0" smtClean="0"/>
-                        <a:t>15</a:t>
+                        <a:t>15 (67)</a:t>
                       </a:r>
                       <a:endParaRPr lang="it-IT" sz="1400" dirty="0"/>
                     </a:p>
@@ -20665,7 +20648,7 @@
                     <a:p>
                       <a:r>
                         <a:rPr lang="it-IT" sz="1400" dirty="0" smtClean="0"/>
-                        <a:t>90</a:t>
+                        <a:t>70</a:t>
                       </a:r>
                       <a:endParaRPr lang="it-IT" sz="1400" dirty="0"/>
                     </a:p>
@@ -20679,7 +20662,7 @@
                     <a:p>
                       <a:r>
                         <a:rPr lang="it-IT" sz="1400" dirty="0" smtClean="0"/>
-                        <a:t>18</a:t>
+                        <a:t>16</a:t>
                       </a:r>
                       <a:endParaRPr lang="it-IT" sz="1400" dirty="0"/>
                     </a:p>
@@ -20817,39 +20800,19 @@
           <a:p>
             <a:r>
               <a:rPr lang="it-IT" dirty="0" smtClean="0"/>
-              <a:t>Politiche di gestione della parte non real-time dell’applicazione (</a:t>
-            </a:r>
-            <a:r>
-              <a:rPr lang="it-IT" dirty="0" err="1" smtClean="0"/>
-              <a:t>pollingServer</a:t>
+              <a:t>Politiche </a:t>
             </a:r>
             <a:r>
               <a:rPr lang="it-IT" dirty="0" smtClean="0"/>
-              <a:t>, </a:t>
-            </a:r>
-            <a:r>
-              <a:rPr lang="it-IT" dirty="0" err="1" smtClean="0"/>
-              <a:t>deferrable</a:t>
+              <a:t>di gestione della gestione </a:t>
             </a:r>
             <a:r>
               <a:rPr lang="it-IT" dirty="0" smtClean="0"/>
-              <a:t> server, </a:t>
-            </a:r>
-            <a:r>
-              <a:rPr lang="it-IT" dirty="0" err="1" smtClean="0"/>
-              <a:t>Constant</a:t>
+              <a:t>della parte non real-time </a:t>
             </a:r>
             <a:r>
               <a:rPr lang="it-IT" dirty="0" smtClean="0"/>
-              <a:t> </a:t>
-            </a:r>
-            <a:r>
-              <a:rPr lang="it-IT" dirty="0" err="1" smtClean="0"/>
-              <a:t>UtilizationServer</a:t>
-            </a:r>
-            <a:r>
-              <a:rPr lang="it-IT" dirty="0" smtClean="0"/>
-              <a:t> ecc.)</a:t>
+              <a:t>dell’applicazione.</a:t>
             </a:r>
             <a:endParaRPr lang="it-IT" dirty="0"/>
           </a:p>
@@ -21822,7 +21785,15 @@
           <a:p>
             <a:r>
               <a:rPr lang="it-IT" sz="2000" dirty="0" smtClean="0"/>
-              <a:t>Java piattaforma diffusa, ma con caratteristiche che ne limitano l’uso nei sistemi in tempo reale</a:t>
+              <a:t>Java piattaforma diffusa, ma con caratteristiche che ne </a:t>
+            </a:r>
+            <a:r>
+              <a:rPr lang="it-IT" sz="2000" dirty="0" smtClean="0"/>
+              <a:t>limitano fortemente </a:t>
+            </a:r>
+            <a:r>
+              <a:rPr lang="it-IT" sz="2000" dirty="0" smtClean="0"/>
+              <a:t>l’uso nei sistemi in tempo reale</a:t>
             </a:r>
           </a:p>
           <a:p>
@@ -22856,8 +22827,13 @@
           <a:p>
             <a:r>
               <a:rPr lang="it-IT" dirty="0" smtClean="0"/>
-              <a:t>Possibilità di caratterizzare temporalmente un thread real-time.</a:t>
-            </a:r>
+              <a:t>Possibilità di caratterizzare temporalmente un thread </a:t>
+            </a:r>
+            <a:r>
+              <a:rPr lang="it-IT" dirty="0" smtClean="0"/>
+              <a:t>real-time;</a:t>
+            </a:r>
+            <a:endParaRPr lang="it-IT" dirty="0" smtClean="0"/>
           </a:p>
           <a:p>
             <a:endParaRPr lang="it-IT" dirty="0"/>
@@ -23029,9 +23005,131 @@
   <p:timing>
     <p:tnLst>
       <p:par>
-        <p:cTn id="1" dur="indefinite" restart="never" nodeType="tmRoot"/>
+        <p:cTn id="1" dur="indefinite" restart="never" nodeType="tmRoot">
+          <p:childTnLst>
+            <p:seq concurrent="1" nextAc="seek">
+              <p:cTn id="2" dur="indefinite" nodeType="mainSeq">
+                <p:childTnLst>
+                  <p:par>
+                    <p:cTn id="3" fill="hold">
+                      <p:stCondLst>
+                        <p:cond delay="indefinite"/>
+                      </p:stCondLst>
+                      <p:childTnLst>
+                        <p:par>
+                          <p:cTn id="4" fill="hold">
+                            <p:stCondLst>
+                              <p:cond delay="0"/>
+                            </p:stCondLst>
+                            <p:childTnLst>
+                              <p:par>
+                                <p:cTn id="5" presetID="10" presetClass="entr" presetSubtype="0" fill="hold" nodeType="clickEffect">
+                                  <p:stCondLst>
+                                    <p:cond delay="0"/>
+                                  </p:stCondLst>
+                                  <p:childTnLst>
+                                    <p:set>
+                                      <p:cBhvr>
+                                        <p:cTn id="6" dur="1" fill="hold">
+                                          <p:stCondLst>
+                                            <p:cond delay="0"/>
+                                          </p:stCondLst>
+                                        </p:cTn>
+                                        <p:tgtEl>
+                                          <p:spTgt spid="3">
+                                            <p:txEl>
+                                              <p:pRg st="2" end="2"/>
+                                            </p:txEl>
+                                          </p:spTgt>
+                                        </p:tgtEl>
+                                        <p:attrNameLst>
+                                          <p:attrName>style.visibility</p:attrName>
+                                        </p:attrNameLst>
+                                      </p:cBhvr>
+                                      <p:to>
+                                        <p:strVal val="visible"/>
+                                      </p:to>
+                                    </p:set>
+                                    <p:animEffect transition="in" filter="fade">
+                                      <p:cBhvr>
+                                        <p:cTn id="7" dur="500"/>
+                                        <p:tgtEl>
+                                          <p:spTgt spid="3">
+                                            <p:txEl>
+                                              <p:pRg st="2" end="2"/>
+                                            </p:txEl>
+                                          </p:spTgt>
+                                        </p:tgtEl>
+                                      </p:cBhvr>
+                                    </p:animEffect>
+                                  </p:childTnLst>
+                                </p:cTn>
+                              </p:par>
+                              <p:par>
+                                <p:cTn id="8" presetID="10" presetClass="entr" presetSubtype="0" fill="hold" grpId="0" nodeType="withEffect">
+                                  <p:stCondLst>
+                                    <p:cond delay="0"/>
+                                  </p:stCondLst>
+                                  <p:childTnLst>
+                                    <p:set>
+                                      <p:cBhvr>
+                                        <p:cTn id="9" dur="1" fill="hold">
+                                          <p:stCondLst>
+                                            <p:cond delay="0"/>
+                                          </p:stCondLst>
+                                        </p:cTn>
+                                        <p:tgtEl>
+                                          <p:spTgt spid="4"/>
+                                        </p:tgtEl>
+                                        <p:attrNameLst>
+                                          <p:attrName>style.visibility</p:attrName>
+                                        </p:attrNameLst>
+                                      </p:cBhvr>
+                                      <p:to>
+                                        <p:strVal val="visible"/>
+                                      </p:to>
+                                    </p:set>
+                                    <p:animEffect transition="in" filter="fade">
+                                      <p:cBhvr>
+                                        <p:cTn id="10" dur="500"/>
+                                        <p:tgtEl>
+                                          <p:spTgt spid="4"/>
+                                        </p:tgtEl>
+                                      </p:cBhvr>
+                                    </p:animEffect>
+                                  </p:childTnLst>
+                                </p:cTn>
+                              </p:par>
+                            </p:childTnLst>
+                          </p:cTn>
+                        </p:par>
+                      </p:childTnLst>
+                    </p:cTn>
+                  </p:par>
+                </p:childTnLst>
+              </p:cTn>
+              <p:prevCondLst>
+                <p:cond evt="onPrev" delay="0">
+                  <p:tgtEl>
+                    <p:sldTgt/>
+                  </p:tgtEl>
+                </p:cond>
+              </p:prevCondLst>
+              <p:nextCondLst>
+                <p:cond evt="onNext" delay="0">
+                  <p:tgtEl>
+                    <p:sldTgt/>
+                  </p:tgtEl>
+                </p:cond>
+              </p:nextCondLst>
+            </p:seq>
+          </p:childTnLst>
+        </p:cTn>
       </p:par>
     </p:tnLst>
+    <p:bldLst>
+      <p:bldP spid="4" grpId="0" animBg="1"/>
+    </p:bldLst>
   </p:timing>
 </p:sld>
 </file>
@@ -23431,8 +23529,13 @@
             </a:r>
             <a:r>
               <a:rPr lang="it-IT" dirty="0" smtClean="0"/>
-              <a:t> per l’accesso a risorse condivise</a:t>
-            </a:r>
+              <a:t> per l’accesso a risorse </a:t>
+            </a:r>
+            <a:r>
+              <a:rPr lang="it-IT" dirty="0" smtClean="0"/>
+              <a:t>condivise;</a:t>
+            </a:r>
+            <a:endParaRPr lang="it-IT" dirty="0" smtClean="0"/>
           </a:p>
           <a:p>
             <a:endParaRPr lang="it-IT" dirty="0" smtClean="0"/>
@@ -23675,8 +23778,13 @@
             </a:r>
             <a:r>
               <a:rPr lang="it-IT" dirty="0" smtClean="0"/>
-              <a:t> per l’accesso a risorse condivise</a:t>
-            </a:r>
+              <a:t> per l’accesso a risorse </a:t>
+            </a:r>
+            <a:r>
+              <a:rPr lang="it-IT" dirty="0" smtClean="0"/>
+              <a:t>condivise;</a:t>
+            </a:r>
+            <a:endParaRPr lang="it-IT" dirty="0" smtClean="0"/>
           </a:p>
           <a:p>
             <a:r>
